--- a/Presentations/GPU.pptx
+++ b/Presentations/GPU.pptx
@@ -128,7 +128,7 @@
   </p:defaultTextStyle>
   <p:extLst>
     <p:ext uri="{EFAFB233-063F-42B5-8137-9DF3F51BA10A}">
-      <p15:sldGuideLst xmlns:p15="http://schemas.microsoft.com/office/powerpoint/2012/main" xmlns="">
+      <p15:sldGuideLst xmlns:p15="http://schemas.microsoft.com/office/powerpoint/2012/main">
         <p15:guide id="1" orient="horz" pos="2160">
           <p15:clr>
             <a:srgbClr val="A4A3A4"/>
@@ -228,7 +228,7 @@
             <a:fld id="{089B0EF0-CF6C-47AC-9F93-E80E548CD4C6}" type="datetimeFigureOut">
               <a:rPr lang="en-IN" smtClean="0"/>
               <a:pPr/>
-              <a:t>14-01-2025</a:t>
+              <a:t>10-02-2026</a:t>
             </a:fld>
             <a:endParaRPr lang="en-IN"/>
           </a:p>
@@ -397,7 +397,7 @@
     </p:spTree>
     <p:extLst>
       <p:ext uri="{BB962C8B-B14F-4D97-AF65-F5344CB8AC3E}">
-        <p14:creationId xmlns:p14="http://schemas.microsoft.com/office/powerpoint/2010/main" xmlns="" val="2484658466"/>
+        <p14:creationId xmlns:p14="http://schemas.microsoft.com/office/powerpoint/2010/main" val="2484658466"/>
       </p:ext>
     </p:extLst>
   </p:cSld>
@@ -527,7 +527,7 @@
           <p:cNvPr id="11266" name="Rectangle 1">
             <a:extLst>
               <a:ext uri="{FF2B5EF4-FFF2-40B4-BE49-F238E27FC236}">
-                <a16:creationId xmlns:a16="http://schemas.microsoft.com/office/drawing/2014/main" xmlns="" id="{D2111795-7861-C802-BF43-55587F803CF2}"/>
+                <a16:creationId xmlns:a16="http://schemas.microsoft.com/office/drawing/2014/main" id="{D2111795-7861-C802-BF43-55587F803CF2}"/>
               </a:ext>
             </a:extLst>
           </p:cNvPr>
@@ -561,7 +561,7 @@
           <p:cNvPr id="11267" name="Rectangle 2">
             <a:extLst>
               <a:ext uri="{FF2B5EF4-FFF2-40B4-BE49-F238E27FC236}">
-                <a16:creationId xmlns:a16="http://schemas.microsoft.com/office/drawing/2014/main" xmlns="" id="{514388D9-81BC-B6DC-0965-7BE4D429D9E7}"/>
+                <a16:creationId xmlns:a16="http://schemas.microsoft.com/office/drawing/2014/main" id="{514388D9-81BC-B6DC-0965-7BE4D429D9E7}"/>
               </a:ext>
             </a:extLst>
           </p:cNvPr>
@@ -581,14 +581,14 @@
           <a:ln/>
           <a:extLst>
             <a:ext uri="{909E8E84-426E-40DD-AFC4-6F175D3DCCD1}">
-              <a14:hiddenFill xmlns:a14="http://schemas.microsoft.com/office/drawing/2010/main" xmlns="">
+              <a14:hiddenFill xmlns:a14="http://schemas.microsoft.com/office/drawing/2010/main">
                 <a:solidFill>
                   <a:srgbClr val="FFFFFF"/>
                 </a:solidFill>
               </a14:hiddenFill>
             </a:ext>
             <a:ext uri="{91240B29-F687-4F45-9708-019B960494DF}">
-              <a14:hiddenLine xmlns:a14="http://schemas.microsoft.com/office/drawing/2010/main" xmlns="" w="9525">
+              <a14:hiddenLine xmlns:a14="http://schemas.microsoft.com/office/drawing/2010/main" w="9525">
                 <a:solidFill>
                   <a:srgbClr val="000000"/>
                 </a:solidFill>
@@ -639,7 +639,7 @@
           <p:cNvPr id="38914" name="Slide Image Placeholder 1">
             <a:extLst>
               <a:ext uri="{FF2B5EF4-FFF2-40B4-BE49-F238E27FC236}">
-                <a16:creationId xmlns:a16="http://schemas.microsoft.com/office/drawing/2014/main" xmlns="" id="{B8ACB195-03B0-3B01-7661-C7224A1624A9}"/>
+                <a16:creationId xmlns:a16="http://schemas.microsoft.com/office/drawing/2014/main" id="{B8ACB195-03B0-3B01-7661-C7224A1624A9}"/>
               </a:ext>
             </a:extLst>
           </p:cNvPr>
@@ -657,7 +657,7 @@
           <p:cNvPr id="38915" name="Notes Placeholder 2">
             <a:extLst>
               <a:ext uri="{FF2B5EF4-FFF2-40B4-BE49-F238E27FC236}">
-                <a16:creationId xmlns:a16="http://schemas.microsoft.com/office/drawing/2014/main" xmlns="" id="{62B02274-75CC-6751-2523-74800A62ABAC}"/>
+                <a16:creationId xmlns:a16="http://schemas.microsoft.com/office/drawing/2014/main" id="{62B02274-75CC-6751-2523-74800A62ABAC}"/>
               </a:ext>
             </a:extLst>
           </p:cNvPr>
@@ -673,14 +673,14 @@
           <a:ln/>
           <a:extLst>
             <a:ext uri="{909E8E84-426E-40DD-AFC4-6F175D3DCCD1}">
-              <a14:hiddenFill xmlns:a14="http://schemas.microsoft.com/office/drawing/2010/main" xmlns="">
+              <a14:hiddenFill xmlns:a14="http://schemas.microsoft.com/office/drawing/2010/main">
                 <a:solidFill>
                   <a:srgbClr val="FFFFFF"/>
                 </a:solidFill>
               </a14:hiddenFill>
             </a:ext>
             <a:ext uri="{91240B29-F687-4F45-9708-019B960494DF}">
-              <a14:hiddenLine xmlns:a14="http://schemas.microsoft.com/office/drawing/2010/main" xmlns="" w="9525">
+              <a14:hiddenLine xmlns:a14="http://schemas.microsoft.com/office/drawing/2010/main" w="9525">
                 <a:solidFill>
                   <a:srgbClr val="000000"/>
                 </a:solidFill>
@@ -754,7 +754,7 @@
           <p:cNvPr id="2" name="Title 1">
             <a:extLst>
               <a:ext uri="{FF2B5EF4-FFF2-40B4-BE49-F238E27FC236}">
-                <a16:creationId xmlns:a16="http://schemas.microsoft.com/office/drawing/2014/main" xmlns="" id="{E3B6987D-0137-DE42-B76B-FF621E808D90}"/>
+                <a16:creationId xmlns:a16="http://schemas.microsoft.com/office/drawing/2014/main" id="{E3B6987D-0137-DE42-B76B-FF621E808D90}"/>
               </a:ext>
             </a:extLst>
           </p:cNvPr>
@@ -804,10 +804,10 @@
           <p:cNvPr id="9" name="Group 8">
             <a:extLst>
               <a:ext uri="{FF2B5EF4-FFF2-40B4-BE49-F238E27FC236}">
-                <a16:creationId xmlns:a16="http://schemas.microsoft.com/office/drawing/2014/main" xmlns="" id="{C26C18C3-ED25-DD4B-BA72-24932D54DE37}"/>
+                <a16:creationId xmlns:a16="http://schemas.microsoft.com/office/drawing/2014/main" id="{C26C18C3-ED25-DD4B-BA72-24932D54DE37}"/>
               </a:ext>
               <a:ext uri="{C183D7F6-B498-43B3-948B-1728B52AA6E4}">
-                <adec:decorative xmlns:adec="http://schemas.microsoft.com/office/drawing/2017/decorative" xmlns="" val="1"/>
+                <adec:decorative xmlns:adec="http://schemas.microsoft.com/office/drawing/2017/decorative" val="1"/>
               </a:ext>
             </a:extLst>
           </p:cNvPr>
@@ -829,7 +829,7 @@
             <p:cNvPr id="10" name="Freeform 9">
               <a:extLst>
                 <a:ext uri="{FF2B5EF4-FFF2-40B4-BE49-F238E27FC236}">
-                  <a16:creationId xmlns:a16="http://schemas.microsoft.com/office/drawing/2014/main" xmlns="" id="{C07CC263-2515-F147-8CC5-F8E9FF9FA8E4}"/>
+                  <a16:creationId xmlns:a16="http://schemas.microsoft.com/office/drawing/2014/main" id="{C07CC263-2515-F147-8CC5-F8E9FF9FA8E4}"/>
                 </a:ext>
               </a:extLst>
             </p:cNvPr>
@@ -910,7 +910,7 @@
             </a:ln>
             <a:extLst>
               <a:ext uri="{91240B29-F687-4F45-9708-019B960494DF}">
-                <a14:hiddenLine xmlns:a14="http://schemas.microsoft.com/office/drawing/2010/main" xmlns="" w="9525">
+                <a14:hiddenLine xmlns:a14="http://schemas.microsoft.com/office/drawing/2010/main" w="9525">
                   <a:solidFill>
                     <a:srgbClr val="000000"/>
                   </a:solidFill>
@@ -936,7 +936,7 @@
             <p:cNvPr id="11" name="Freeform 10">
               <a:extLst>
                 <a:ext uri="{FF2B5EF4-FFF2-40B4-BE49-F238E27FC236}">
-                  <a16:creationId xmlns:a16="http://schemas.microsoft.com/office/drawing/2014/main" xmlns="" id="{43B40037-7481-524B-8685-404D965690F2}"/>
+                  <a16:creationId xmlns:a16="http://schemas.microsoft.com/office/drawing/2014/main" id="{43B40037-7481-524B-8685-404D965690F2}"/>
                 </a:ext>
               </a:extLst>
             </p:cNvPr>
@@ -1008,7 +1008,7 @@
             </a:ln>
             <a:extLst>
               <a:ext uri="{91240B29-F687-4F45-9708-019B960494DF}">
-                <a14:hiddenLine xmlns:a14="http://schemas.microsoft.com/office/drawing/2010/main" xmlns="" w="9525">
+                <a14:hiddenLine xmlns:a14="http://schemas.microsoft.com/office/drawing/2010/main" w="9525">
                   <a:solidFill>
                     <a:srgbClr val="000000"/>
                   </a:solidFill>
@@ -1034,7 +1034,7 @@
             <p:cNvPr id="12" name="Freeform 11">
               <a:extLst>
                 <a:ext uri="{FF2B5EF4-FFF2-40B4-BE49-F238E27FC236}">
-                  <a16:creationId xmlns:a16="http://schemas.microsoft.com/office/drawing/2014/main" xmlns="" id="{7B759713-8408-EE47-9394-3DA6F5E4B624}"/>
+                  <a16:creationId xmlns:a16="http://schemas.microsoft.com/office/drawing/2014/main" id="{7B759713-8408-EE47-9394-3DA6F5E4B624}"/>
                 </a:ext>
               </a:extLst>
             </p:cNvPr>
@@ -1109,7 +1109,7 @@
             </a:ln>
             <a:extLst>
               <a:ext uri="{91240B29-F687-4F45-9708-019B960494DF}">
-                <a14:hiddenLine xmlns:a14="http://schemas.microsoft.com/office/drawing/2010/main" xmlns="" w="9525">
+                <a14:hiddenLine xmlns:a14="http://schemas.microsoft.com/office/drawing/2010/main" w="9525">
                   <a:solidFill>
                     <a:srgbClr val="000000"/>
                   </a:solidFill>
@@ -1136,10 +1136,10 @@
           <p:cNvPr id="13" name="Straight Connector 12">
             <a:extLst>
               <a:ext uri="{FF2B5EF4-FFF2-40B4-BE49-F238E27FC236}">
-                <a16:creationId xmlns:a16="http://schemas.microsoft.com/office/drawing/2014/main" xmlns="" id="{A69706A2-3726-FE4E-B923-E75D48597816}"/>
+                <a16:creationId xmlns:a16="http://schemas.microsoft.com/office/drawing/2014/main" id="{A69706A2-3726-FE4E-B923-E75D48597816}"/>
               </a:ext>
               <a:ext uri="{C183D7F6-B498-43B3-948B-1728B52AA6E4}">
-                <adec:decorative xmlns:adec="http://schemas.microsoft.com/office/drawing/2017/decorative" xmlns="" val="1"/>
+                <adec:decorative xmlns:adec="http://schemas.microsoft.com/office/drawing/2017/decorative" val="1"/>
               </a:ext>
             </a:extLst>
           </p:cNvPr>
@@ -1182,7 +1182,7 @@
     </p:spTree>
     <p:extLst>
       <p:ext uri="{BB962C8B-B14F-4D97-AF65-F5344CB8AC3E}">
-        <p14:creationId xmlns:p14="http://schemas.microsoft.com/office/powerpoint/2010/main" xmlns="" val="3914560628"/>
+        <p14:creationId xmlns:p14="http://schemas.microsoft.com/office/powerpoint/2010/main" val="3914560628"/>
       </p:ext>
     </p:extLst>
   </p:cSld>
@@ -1222,10 +1222,10 @@
           <p:cNvPr id="5" name="Group 4">
             <a:extLst>
               <a:ext uri="{FF2B5EF4-FFF2-40B4-BE49-F238E27FC236}">
-                <a16:creationId xmlns:a16="http://schemas.microsoft.com/office/drawing/2014/main" xmlns="" id="{CF555767-B3D8-BD57-1D42-7F6E1E66892B}"/>
+                <a16:creationId xmlns:a16="http://schemas.microsoft.com/office/drawing/2014/main" id="{CF555767-B3D8-BD57-1D42-7F6E1E66892B}"/>
               </a:ext>
               <a:ext uri="{C183D7F6-B498-43B3-948B-1728B52AA6E4}">
-                <adec:decorative xmlns:adec="http://schemas.microsoft.com/office/drawing/2017/decorative" xmlns="" val="1"/>
+                <adec:decorative xmlns:adec="http://schemas.microsoft.com/office/drawing/2017/decorative" val="1"/>
               </a:ext>
             </a:extLst>
           </p:cNvPr>
@@ -1247,7 +1247,7 @@
             <p:cNvPr id="9" name="Freeform 13">
               <a:extLst>
                 <a:ext uri="{FF2B5EF4-FFF2-40B4-BE49-F238E27FC236}">
-                  <a16:creationId xmlns:a16="http://schemas.microsoft.com/office/drawing/2014/main" xmlns="" id="{BC972B6D-098C-52F6-E990-52623B368FB1}"/>
+                  <a16:creationId xmlns:a16="http://schemas.microsoft.com/office/drawing/2014/main" id="{BC972B6D-098C-52F6-E990-52623B368FB1}"/>
                 </a:ext>
               </a:extLst>
             </p:cNvPr>
@@ -1328,7 +1328,7 @@
             </a:ln>
             <a:extLst>
               <a:ext uri="{91240B29-F687-4F45-9708-019B960494DF}">
-                <a14:hiddenLine xmlns:a14="http://schemas.microsoft.com/office/drawing/2010/main" xmlns="" w="9525">
+                <a14:hiddenLine xmlns:a14="http://schemas.microsoft.com/office/drawing/2010/main" w="9525">
                   <a:solidFill>
                     <a:srgbClr val="000000"/>
                   </a:solidFill>
@@ -1354,7 +1354,7 @@
             <p:cNvPr id="15" name="Freeform 14">
               <a:extLst>
                 <a:ext uri="{FF2B5EF4-FFF2-40B4-BE49-F238E27FC236}">
-                  <a16:creationId xmlns:a16="http://schemas.microsoft.com/office/drawing/2014/main" xmlns="" id="{3F0D3EE3-9A8C-531D-1EEE-1AFAB9F3BCAE}"/>
+                  <a16:creationId xmlns:a16="http://schemas.microsoft.com/office/drawing/2014/main" id="{3F0D3EE3-9A8C-531D-1EEE-1AFAB9F3BCAE}"/>
                 </a:ext>
               </a:extLst>
             </p:cNvPr>
@@ -1426,7 +1426,7 @@
             </a:ln>
             <a:extLst>
               <a:ext uri="{91240B29-F687-4F45-9708-019B960494DF}">
-                <a14:hiddenLine xmlns:a14="http://schemas.microsoft.com/office/drawing/2010/main" xmlns="" w="9525">
+                <a14:hiddenLine xmlns:a14="http://schemas.microsoft.com/office/drawing/2010/main" w="9525">
                   <a:solidFill>
                     <a:srgbClr val="000000"/>
                   </a:solidFill>
@@ -1452,7 +1452,7 @@
             <p:cNvPr id="17" name="Freeform 15">
               <a:extLst>
                 <a:ext uri="{FF2B5EF4-FFF2-40B4-BE49-F238E27FC236}">
-                  <a16:creationId xmlns:a16="http://schemas.microsoft.com/office/drawing/2014/main" xmlns="" id="{A2BE192C-1768-890B-EC1B-5ED6E1F82590}"/>
+                  <a16:creationId xmlns:a16="http://schemas.microsoft.com/office/drawing/2014/main" id="{A2BE192C-1768-890B-EC1B-5ED6E1F82590}"/>
                 </a:ext>
               </a:extLst>
             </p:cNvPr>
@@ -1527,7 +1527,7 @@
             </a:ln>
             <a:extLst>
               <a:ext uri="{91240B29-F687-4F45-9708-019B960494DF}">
-                <a14:hiddenLine xmlns:a14="http://schemas.microsoft.com/office/drawing/2010/main" xmlns="" w="9525">
+                <a14:hiddenLine xmlns:a14="http://schemas.microsoft.com/office/drawing/2010/main" w="9525">
                   <a:solidFill>
                     <a:srgbClr val="000000"/>
                   </a:solidFill>
@@ -1554,7 +1554,7 @@
           <p:cNvPr id="16" name="Title 1">
             <a:extLst>
               <a:ext uri="{FF2B5EF4-FFF2-40B4-BE49-F238E27FC236}">
-                <a16:creationId xmlns:a16="http://schemas.microsoft.com/office/drawing/2014/main" xmlns="" id="{109B023A-F28F-184D-BA48-3F1C0502AE0A}"/>
+                <a16:creationId xmlns:a16="http://schemas.microsoft.com/office/drawing/2014/main" id="{109B023A-F28F-184D-BA48-3F1C0502AE0A}"/>
               </a:ext>
             </a:extLst>
           </p:cNvPr>
@@ -1601,10 +1601,10 @@
           <p:cNvPr id="4" name="Straight Connector 3">
             <a:extLst>
               <a:ext uri="{FF2B5EF4-FFF2-40B4-BE49-F238E27FC236}">
-                <a16:creationId xmlns:a16="http://schemas.microsoft.com/office/drawing/2014/main" xmlns="" id="{E66081BA-9135-73B1-DCE5-77FD12431F13}"/>
+                <a16:creationId xmlns:a16="http://schemas.microsoft.com/office/drawing/2014/main" id="{E66081BA-9135-73B1-DCE5-77FD12431F13}"/>
               </a:ext>
               <a:ext uri="{C183D7F6-B498-43B3-948B-1728B52AA6E4}">
-                <adec:decorative xmlns:adec="http://schemas.microsoft.com/office/drawing/2017/decorative" xmlns="" val="1"/>
+                <adec:decorative xmlns:adec="http://schemas.microsoft.com/office/drawing/2017/decorative" val="1"/>
               </a:ext>
             </a:extLst>
           </p:cNvPr>
@@ -1649,7 +1649,7 @@
           <p:cNvPr id="7" name="Content Placeholder 5">
             <a:extLst>
               <a:ext uri="{FF2B5EF4-FFF2-40B4-BE49-F238E27FC236}">
-                <a16:creationId xmlns:a16="http://schemas.microsoft.com/office/drawing/2014/main" xmlns="" id="{8007FA9C-C4D5-89EC-C457-5F329A338E1E}"/>
+                <a16:creationId xmlns:a16="http://schemas.microsoft.com/office/drawing/2014/main" id="{8007FA9C-C4D5-89EC-C457-5F329A338E1E}"/>
               </a:ext>
             </a:extLst>
           </p:cNvPr>
@@ -1750,7 +1750,7 @@
           <p:cNvPr id="6" name="Content Placeholder 5">
             <a:extLst>
               <a:ext uri="{FF2B5EF4-FFF2-40B4-BE49-F238E27FC236}">
-                <a16:creationId xmlns:a16="http://schemas.microsoft.com/office/drawing/2014/main" xmlns="" id="{5BCAAA28-C292-C527-AD35-90836B8BB978}"/>
+                <a16:creationId xmlns:a16="http://schemas.microsoft.com/office/drawing/2014/main" id="{5BCAAA28-C292-C527-AD35-90836B8BB978}"/>
               </a:ext>
             </a:extLst>
           </p:cNvPr>
@@ -1846,7 +1846,7 @@
           <p:cNvPr id="10" name="Slide Number Placeholder 9">
             <a:extLst>
               <a:ext uri="{FF2B5EF4-FFF2-40B4-BE49-F238E27FC236}">
-                <a16:creationId xmlns:a16="http://schemas.microsoft.com/office/drawing/2014/main" xmlns="" id="{05D79B4B-A9BD-581F-536E-DE7CF728F84E}"/>
+                <a16:creationId xmlns:a16="http://schemas.microsoft.com/office/drawing/2014/main" id="{05D79B4B-A9BD-581F-536E-DE7CF728F84E}"/>
               </a:ext>
             </a:extLst>
           </p:cNvPr>
@@ -1876,7 +1876,7 @@
           <p:cNvPr id="8" name="Date Placeholder 7">
             <a:extLst>
               <a:ext uri="{FF2B5EF4-FFF2-40B4-BE49-F238E27FC236}">
-                <a16:creationId xmlns:a16="http://schemas.microsoft.com/office/drawing/2014/main" xmlns="" id="{C5EA2E64-5690-A56B-7051-476EC7BADA55}"/>
+                <a16:creationId xmlns:a16="http://schemas.microsoft.com/office/drawing/2014/main" id="{C5EA2E64-5690-A56B-7051-476EC7BADA55}"/>
               </a:ext>
             </a:extLst>
           </p:cNvPr>
@@ -1895,7 +1895,7 @@
             <a:fld id="{28C33A21-5030-4D7B-A261-646E7F8EB457}" type="datetimeFigureOut">
               <a:rPr lang="en-IN" smtClean="0"/>
               <a:pPr/>
-              <a:t>14-01-2025</a:t>
+              <a:t>10-02-2026</a:t>
             </a:fld>
             <a:endParaRPr lang="en-IN"/>
           </a:p>
@@ -1904,7 +1904,7 @@
     </p:spTree>
     <p:extLst>
       <p:ext uri="{BB962C8B-B14F-4D97-AF65-F5344CB8AC3E}">
-        <p14:creationId xmlns:p14="http://schemas.microsoft.com/office/powerpoint/2010/main" xmlns="" val="2081669067"/>
+        <p14:creationId xmlns:p14="http://schemas.microsoft.com/office/powerpoint/2010/main" val="2081669067"/>
       </p:ext>
     </p:extLst>
   </p:cSld>
@@ -1913,7 +1913,7 @@
   </p:clrMapOvr>
   <p:extLst>
     <p:ext uri="{DCECCB84-F9BA-43D5-87BE-67443E8EF086}">
-      <p15:sldGuideLst xmlns:p15="http://schemas.microsoft.com/office/powerpoint/2012/main" xmlns="">
+      <p15:sldGuideLst xmlns:p15="http://schemas.microsoft.com/office/powerpoint/2012/main">
         <p15:guide id="1" pos="600">
           <p15:clr>
             <a:srgbClr val="FBAE40"/>
@@ -1995,10 +1995,10 @@
           <p:cNvPr id="11" name="Group 10">
             <a:extLst>
               <a:ext uri="{FF2B5EF4-FFF2-40B4-BE49-F238E27FC236}">
-                <a16:creationId xmlns:a16="http://schemas.microsoft.com/office/drawing/2014/main" xmlns="" id="{C97D5AF2-684A-4A8D-3D82-B57D7AC44677}"/>
+                <a16:creationId xmlns:a16="http://schemas.microsoft.com/office/drawing/2014/main" id="{C97D5AF2-684A-4A8D-3D82-B57D7AC44677}"/>
               </a:ext>
               <a:ext uri="{C183D7F6-B498-43B3-948B-1728B52AA6E4}">
-                <adec:decorative xmlns:adec="http://schemas.microsoft.com/office/drawing/2017/decorative" xmlns="" val="1"/>
+                <adec:decorative xmlns:adec="http://schemas.microsoft.com/office/drawing/2017/decorative" val="1"/>
               </a:ext>
             </a:extLst>
           </p:cNvPr>
@@ -2020,7 +2020,7 @@
             <p:cNvPr id="12" name="Freeform 4">
               <a:extLst>
                 <a:ext uri="{FF2B5EF4-FFF2-40B4-BE49-F238E27FC236}">
-                  <a16:creationId xmlns:a16="http://schemas.microsoft.com/office/drawing/2014/main" xmlns="" id="{8CF5F650-F8F0-F4FE-44DA-1F14ADE428B2}"/>
+                  <a16:creationId xmlns:a16="http://schemas.microsoft.com/office/drawing/2014/main" id="{8CF5F650-F8F0-F4FE-44DA-1F14ADE428B2}"/>
                 </a:ext>
               </a:extLst>
             </p:cNvPr>
@@ -2101,7 +2101,7 @@
             </a:ln>
             <a:extLst>
               <a:ext uri="{91240B29-F687-4F45-9708-019B960494DF}">
-                <a14:hiddenLine xmlns:a14="http://schemas.microsoft.com/office/drawing/2010/main" xmlns="" w="9525">
+                <a14:hiddenLine xmlns:a14="http://schemas.microsoft.com/office/drawing/2010/main" w="9525">
                   <a:solidFill>
                     <a:srgbClr val="000000"/>
                   </a:solidFill>
@@ -2127,7 +2127,7 @@
             <p:cNvPr id="13" name="Freeform 5">
               <a:extLst>
                 <a:ext uri="{FF2B5EF4-FFF2-40B4-BE49-F238E27FC236}">
-                  <a16:creationId xmlns:a16="http://schemas.microsoft.com/office/drawing/2014/main" xmlns="" id="{18870924-E47D-404F-59B5-BD1C58F7B04C}"/>
+                  <a16:creationId xmlns:a16="http://schemas.microsoft.com/office/drawing/2014/main" id="{18870924-E47D-404F-59B5-BD1C58F7B04C}"/>
                 </a:ext>
               </a:extLst>
             </p:cNvPr>
@@ -2199,7 +2199,7 @@
             </a:ln>
             <a:extLst>
               <a:ext uri="{91240B29-F687-4F45-9708-019B960494DF}">
-                <a14:hiddenLine xmlns:a14="http://schemas.microsoft.com/office/drawing/2010/main" xmlns="" w="9525">
+                <a14:hiddenLine xmlns:a14="http://schemas.microsoft.com/office/drawing/2010/main" w="9525">
                   <a:solidFill>
                     <a:srgbClr val="000000"/>
                   </a:solidFill>
@@ -2225,7 +2225,7 @@
             <p:cNvPr id="14" name="Freeform 7">
               <a:extLst>
                 <a:ext uri="{FF2B5EF4-FFF2-40B4-BE49-F238E27FC236}">
-                  <a16:creationId xmlns:a16="http://schemas.microsoft.com/office/drawing/2014/main" xmlns="" id="{80806A65-E4FC-2F52-65B3-CC181E620C29}"/>
+                  <a16:creationId xmlns:a16="http://schemas.microsoft.com/office/drawing/2014/main" id="{80806A65-E4FC-2F52-65B3-CC181E620C29}"/>
                 </a:ext>
               </a:extLst>
             </p:cNvPr>
@@ -2300,7 +2300,7 @@
             </a:ln>
             <a:extLst>
               <a:ext uri="{91240B29-F687-4F45-9708-019B960494DF}">
-                <a14:hiddenLine xmlns:a14="http://schemas.microsoft.com/office/drawing/2010/main" xmlns="" w="9525">
+                <a14:hiddenLine xmlns:a14="http://schemas.microsoft.com/office/drawing/2010/main" w="9525">
                   <a:solidFill>
                     <a:srgbClr val="000000"/>
                   </a:solidFill>
@@ -2327,7 +2327,7 @@
           <p:cNvPr id="16" name="Title 1">
             <a:extLst>
               <a:ext uri="{FF2B5EF4-FFF2-40B4-BE49-F238E27FC236}">
-                <a16:creationId xmlns:a16="http://schemas.microsoft.com/office/drawing/2014/main" xmlns="" id="{109B023A-F28F-184D-BA48-3F1C0502AE0A}"/>
+                <a16:creationId xmlns:a16="http://schemas.microsoft.com/office/drawing/2014/main" id="{109B023A-F28F-184D-BA48-3F1C0502AE0A}"/>
               </a:ext>
             </a:extLst>
           </p:cNvPr>
@@ -2374,10 +2374,10 @@
           <p:cNvPr id="4" name="Straight Connector 3">
             <a:extLst>
               <a:ext uri="{FF2B5EF4-FFF2-40B4-BE49-F238E27FC236}">
-                <a16:creationId xmlns:a16="http://schemas.microsoft.com/office/drawing/2014/main" xmlns="" id="{E66081BA-9135-73B1-DCE5-77FD12431F13}"/>
+                <a16:creationId xmlns:a16="http://schemas.microsoft.com/office/drawing/2014/main" id="{E66081BA-9135-73B1-DCE5-77FD12431F13}"/>
               </a:ext>
               <a:ext uri="{C183D7F6-B498-43B3-948B-1728B52AA6E4}">
-                <adec:decorative xmlns:adec="http://schemas.microsoft.com/office/drawing/2017/decorative" xmlns="" val="1"/>
+                <adec:decorative xmlns:adec="http://schemas.microsoft.com/office/drawing/2017/decorative" val="1"/>
               </a:ext>
             </a:extLst>
           </p:cNvPr>
@@ -2422,7 +2422,7 @@
           <p:cNvPr id="6" name="Content Placeholder 5">
             <a:extLst>
               <a:ext uri="{FF2B5EF4-FFF2-40B4-BE49-F238E27FC236}">
-                <a16:creationId xmlns:a16="http://schemas.microsoft.com/office/drawing/2014/main" xmlns="" id="{5BCAAA28-C292-C527-AD35-90836B8BB978}"/>
+                <a16:creationId xmlns:a16="http://schemas.microsoft.com/office/drawing/2014/main" id="{5BCAAA28-C292-C527-AD35-90836B8BB978}"/>
               </a:ext>
             </a:extLst>
           </p:cNvPr>
@@ -2518,7 +2518,7 @@
           <p:cNvPr id="7" name="Content Placeholder 5">
             <a:extLst>
               <a:ext uri="{FF2B5EF4-FFF2-40B4-BE49-F238E27FC236}">
-                <a16:creationId xmlns:a16="http://schemas.microsoft.com/office/drawing/2014/main" xmlns="" id="{8007FA9C-C4D5-89EC-C457-5F329A338E1E}"/>
+                <a16:creationId xmlns:a16="http://schemas.microsoft.com/office/drawing/2014/main" id="{8007FA9C-C4D5-89EC-C457-5F329A338E1E}"/>
               </a:ext>
             </a:extLst>
           </p:cNvPr>
@@ -2615,7 +2615,7 @@
           <p:cNvPr id="8" name="Date Placeholder 7">
             <a:extLst>
               <a:ext uri="{FF2B5EF4-FFF2-40B4-BE49-F238E27FC236}">
-                <a16:creationId xmlns:a16="http://schemas.microsoft.com/office/drawing/2014/main" xmlns="" id="{C5EA2E64-5690-A56B-7051-476EC7BADA55}"/>
+                <a16:creationId xmlns:a16="http://schemas.microsoft.com/office/drawing/2014/main" id="{C5EA2E64-5690-A56B-7051-476EC7BADA55}"/>
               </a:ext>
             </a:extLst>
           </p:cNvPr>
@@ -2634,7 +2634,7 @@
             <a:fld id="{28C33A21-5030-4D7B-A261-646E7F8EB457}" type="datetimeFigureOut">
               <a:rPr lang="en-IN" smtClean="0"/>
               <a:pPr/>
-              <a:t>14-01-2025</a:t>
+              <a:t>10-02-2026</a:t>
             </a:fld>
             <a:endParaRPr lang="en-IN"/>
           </a:p>
@@ -2645,7 +2645,7 @@
           <p:cNvPr id="10" name="Slide Number Placeholder 9">
             <a:extLst>
               <a:ext uri="{FF2B5EF4-FFF2-40B4-BE49-F238E27FC236}">
-                <a16:creationId xmlns:a16="http://schemas.microsoft.com/office/drawing/2014/main" xmlns="" id="{05D79B4B-A9BD-581F-536E-DE7CF728F84E}"/>
+                <a16:creationId xmlns:a16="http://schemas.microsoft.com/office/drawing/2014/main" id="{05D79B4B-A9BD-581F-536E-DE7CF728F84E}"/>
               </a:ext>
             </a:extLst>
           </p:cNvPr>
@@ -2673,7 +2673,7 @@
     </p:spTree>
     <p:extLst>
       <p:ext uri="{BB962C8B-B14F-4D97-AF65-F5344CB8AC3E}">
-        <p14:creationId xmlns:p14="http://schemas.microsoft.com/office/powerpoint/2010/main" xmlns="" val="3766540214"/>
+        <p14:creationId xmlns:p14="http://schemas.microsoft.com/office/powerpoint/2010/main" val="3766540214"/>
       </p:ext>
     </p:extLst>
   </p:cSld>
@@ -2682,7 +2682,7 @@
   </p:clrMapOvr>
   <p:extLst>
     <p:ext uri="{DCECCB84-F9BA-43D5-87BE-67443E8EF086}">
-      <p15:sldGuideLst xmlns:p15="http://schemas.microsoft.com/office/powerpoint/2012/main" xmlns="">
+      <p15:sldGuideLst xmlns:p15="http://schemas.microsoft.com/office/powerpoint/2012/main">
         <p15:guide id="1" pos="600">
           <p15:clr>
             <a:srgbClr val="FBAE40"/>
@@ -2764,7 +2764,7 @@
           <p:cNvPr id="16" name="Title 1">
             <a:extLst>
               <a:ext uri="{FF2B5EF4-FFF2-40B4-BE49-F238E27FC236}">
-                <a16:creationId xmlns:a16="http://schemas.microsoft.com/office/drawing/2014/main" xmlns="" id="{109B023A-F28F-184D-BA48-3F1C0502AE0A}"/>
+                <a16:creationId xmlns:a16="http://schemas.microsoft.com/office/drawing/2014/main" id="{109B023A-F28F-184D-BA48-3F1C0502AE0A}"/>
               </a:ext>
             </a:extLst>
           </p:cNvPr>
@@ -2811,7 +2811,7 @@
           <p:cNvPr id="9" name="Table Placeholder 2">
             <a:extLst>
               <a:ext uri="{FF2B5EF4-FFF2-40B4-BE49-F238E27FC236}">
-                <a16:creationId xmlns:a16="http://schemas.microsoft.com/office/drawing/2014/main" xmlns="" id="{1506B022-475A-6647-98FF-D5C319A0C7C4}"/>
+                <a16:creationId xmlns:a16="http://schemas.microsoft.com/office/drawing/2014/main" id="{1506B022-475A-6647-98FF-D5C319A0C7C4}"/>
               </a:ext>
             </a:extLst>
           </p:cNvPr>
@@ -2851,7 +2851,7 @@
           <p:cNvPr id="10" name="Slide Number Placeholder 9">
             <a:extLst>
               <a:ext uri="{FF2B5EF4-FFF2-40B4-BE49-F238E27FC236}">
-                <a16:creationId xmlns:a16="http://schemas.microsoft.com/office/drawing/2014/main" xmlns="" id="{05D79B4B-A9BD-581F-536E-DE7CF728F84E}"/>
+                <a16:creationId xmlns:a16="http://schemas.microsoft.com/office/drawing/2014/main" id="{05D79B4B-A9BD-581F-536E-DE7CF728F84E}"/>
               </a:ext>
             </a:extLst>
           </p:cNvPr>
@@ -2881,7 +2881,7 @@
           <p:cNvPr id="8" name="Date Placeholder 7">
             <a:extLst>
               <a:ext uri="{FF2B5EF4-FFF2-40B4-BE49-F238E27FC236}">
-                <a16:creationId xmlns:a16="http://schemas.microsoft.com/office/drawing/2014/main" xmlns="" id="{C5EA2E64-5690-A56B-7051-476EC7BADA55}"/>
+                <a16:creationId xmlns:a16="http://schemas.microsoft.com/office/drawing/2014/main" id="{C5EA2E64-5690-A56B-7051-476EC7BADA55}"/>
               </a:ext>
             </a:extLst>
           </p:cNvPr>
@@ -2900,7 +2900,7 @@
             <a:fld id="{28C33A21-5030-4D7B-A261-646E7F8EB457}" type="datetimeFigureOut">
               <a:rPr lang="en-IN" smtClean="0"/>
               <a:pPr/>
-              <a:t>14-01-2025</a:t>
+              <a:t>10-02-2026</a:t>
             </a:fld>
             <a:endParaRPr lang="en-IN"/>
           </a:p>
@@ -2911,10 +2911,10 @@
           <p:cNvPr id="4" name="Straight Connector 3">
             <a:extLst>
               <a:ext uri="{FF2B5EF4-FFF2-40B4-BE49-F238E27FC236}">
-                <a16:creationId xmlns:a16="http://schemas.microsoft.com/office/drawing/2014/main" xmlns="" id="{E66081BA-9135-73B1-DCE5-77FD12431F13}"/>
+                <a16:creationId xmlns:a16="http://schemas.microsoft.com/office/drawing/2014/main" id="{E66081BA-9135-73B1-DCE5-77FD12431F13}"/>
               </a:ext>
               <a:ext uri="{C183D7F6-B498-43B3-948B-1728B52AA6E4}">
-                <adec:decorative xmlns:adec="http://schemas.microsoft.com/office/drawing/2017/decorative" xmlns="" val="1"/>
+                <adec:decorative xmlns:adec="http://schemas.microsoft.com/office/drawing/2017/decorative" val="1"/>
               </a:ext>
             </a:extLst>
           </p:cNvPr>
@@ -2957,7 +2957,7 @@
     </p:spTree>
     <p:extLst>
       <p:ext uri="{BB962C8B-B14F-4D97-AF65-F5344CB8AC3E}">
-        <p14:creationId xmlns:p14="http://schemas.microsoft.com/office/powerpoint/2010/main" xmlns="" val="2140709494"/>
+        <p14:creationId xmlns:p14="http://schemas.microsoft.com/office/powerpoint/2010/main" val="2140709494"/>
       </p:ext>
     </p:extLst>
   </p:cSld>
@@ -2966,7 +2966,7 @@
   </p:clrMapOvr>
   <p:extLst>
     <p:ext uri="{DCECCB84-F9BA-43D5-87BE-67443E8EF086}">
-      <p15:sldGuideLst xmlns:p15="http://schemas.microsoft.com/office/powerpoint/2012/main" xmlns="">
+      <p15:sldGuideLst xmlns:p15="http://schemas.microsoft.com/office/powerpoint/2012/main">
         <p15:guide id="1" pos="600">
           <p15:clr>
             <a:srgbClr val="FBAE40"/>
@@ -3048,7 +3048,7 @@
           <p:cNvPr id="2" name="Title 1">
             <a:extLst>
               <a:ext uri="{FF2B5EF4-FFF2-40B4-BE49-F238E27FC236}">
-                <a16:creationId xmlns:a16="http://schemas.microsoft.com/office/drawing/2014/main" xmlns="" id="{E3B6987D-0137-DE42-B76B-FF621E808D90}"/>
+                <a16:creationId xmlns:a16="http://schemas.microsoft.com/office/drawing/2014/main" id="{E3B6987D-0137-DE42-B76B-FF621E808D90}"/>
               </a:ext>
             </a:extLst>
           </p:cNvPr>
@@ -3098,10 +3098,10 @@
           <p:cNvPr id="9" name="Group 8">
             <a:extLst>
               <a:ext uri="{FF2B5EF4-FFF2-40B4-BE49-F238E27FC236}">
-                <a16:creationId xmlns:a16="http://schemas.microsoft.com/office/drawing/2014/main" xmlns="" id="{C26C18C3-ED25-DD4B-BA72-24932D54DE37}"/>
+                <a16:creationId xmlns:a16="http://schemas.microsoft.com/office/drawing/2014/main" id="{C26C18C3-ED25-DD4B-BA72-24932D54DE37}"/>
               </a:ext>
               <a:ext uri="{C183D7F6-B498-43B3-948B-1728B52AA6E4}">
-                <adec:decorative xmlns:adec="http://schemas.microsoft.com/office/drawing/2017/decorative" xmlns="" val="1"/>
+                <adec:decorative xmlns:adec="http://schemas.microsoft.com/office/drawing/2017/decorative" val="1"/>
               </a:ext>
             </a:extLst>
           </p:cNvPr>
@@ -3123,7 +3123,7 @@
             <p:cNvPr id="10" name="Freeform 9">
               <a:extLst>
                 <a:ext uri="{FF2B5EF4-FFF2-40B4-BE49-F238E27FC236}">
-                  <a16:creationId xmlns:a16="http://schemas.microsoft.com/office/drawing/2014/main" xmlns="" id="{C07CC263-2515-F147-8CC5-F8E9FF9FA8E4}"/>
+                  <a16:creationId xmlns:a16="http://schemas.microsoft.com/office/drawing/2014/main" id="{C07CC263-2515-F147-8CC5-F8E9FF9FA8E4}"/>
                 </a:ext>
               </a:extLst>
             </p:cNvPr>
@@ -3204,7 +3204,7 @@
             </a:ln>
             <a:extLst>
               <a:ext uri="{91240B29-F687-4F45-9708-019B960494DF}">
-                <a14:hiddenLine xmlns:a14="http://schemas.microsoft.com/office/drawing/2010/main" xmlns="" w="9525">
+                <a14:hiddenLine xmlns:a14="http://schemas.microsoft.com/office/drawing/2010/main" w="9525">
                   <a:solidFill>
                     <a:srgbClr val="000000"/>
                   </a:solidFill>
@@ -3230,7 +3230,7 @@
             <p:cNvPr id="11" name="Freeform 10">
               <a:extLst>
                 <a:ext uri="{FF2B5EF4-FFF2-40B4-BE49-F238E27FC236}">
-                  <a16:creationId xmlns:a16="http://schemas.microsoft.com/office/drawing/2014/main" xmlns="" id="{43B40037-7481-524B-8685-404D965690F2}"/>
+                  <a16:creationId xmlns:a16="http://schemas.microsoft.com/office/drawing/2014/main" id="{43B40037-7481-524B-8685-404D965690F2}"/>
                 </a:ext>
               </a:extLst>
             </p:cNvPr>
@@ -3302,7 +3302,7 @@
             </a:ln>
             <a:extLst>
               <a:ext uri="{91240B29-F687-4F45-9708-019B960494DF}">
-                <a14:hiddenLine xmlns:a14="http://schemas.microsoft.com/office/drawing/2010/main" xmlns="" w="9525">
+                <a14:hiddenLine xmlns:a14="http://schemas.microsoft.com/office/drawing/2010/main" w="9525">
                   <a:solidFill>
                     <a:srgbClr val="000000"/>
                   </a:solidFill>
@@ -3328,7 +3328,7 @@
             <p:cNvPr id="12" name="Freeform 11">
               <a:extLst>
                 <a:ext uri="{FF2B5EF4-FFF2-40B4-BE49-F238E27FC236}">
-                  <a16:creationId xmlns:a16="http://schemas.microsoft.com/office/drawing/2014/main" xmlns="" id="{7B759713-8408-EE47-9394-3DA6F5E4B624}"/>
+                  <a16:creationId xmlns:a16="http://schemas.microsoft.com/office/drawing/2014/main" id="{7B759713-8408-EE47-9394-3DA6F5E4B624}"/>
                 </a:ext>
               </a:extLst>
             </p:cNvPr>
@@ -3403,7 +3403,7 @@
             </a:ln>
             <a:extLst>
               <a:ext uri="{91240B29-F687-4F45-9708-019B960494DF}">
-                <a14:hiddenLine xmlns:a14="http://schemas.microsoft.com/office/drawing/2010/main" xmlns="" w="9525">
+                <a14:hiddenLine xmlns:a14="http://schemas.microsoft.com/office/drawing/2010/main" w="9525">
                   <a:solidFill>
                     <a:srgbClr val="000000"/>
                   </a:solidFill>
@@ -3430,7 +3430,7 @@
           <p:cNvPr id="18" name="Text Placeholder 29">
             <a:extLst>
               <a:ext uri="{FF2B5EF4-FFF2-40B4-BE49-F238E27FC236}">
-                <a16:creationId xmlns:a16="http://schemas.microsoft.com/office/drawing/2014/main" xmlns="" id="{276A9CD7-E675-3048-86D3-3546A2F6B456}"/>
+                <a16:creationId xmlns:a16="http://schemas.microsoft.com/office/drawing/2014/main" id="{276A9CD7-E675-3048-86D3-3546A2F6B456}"/>
               </a:ext>
             </a:extLst>
           </p:cNvPr>
@@ -3490,10 +3490,10 @@
           <p:cNvPr id="4" name="Straight Connector 3">
             <a:extLst>
               <a:ext uri="{FF2B5EF4-FFF2-40B4-BE49-F238E27FC236}">
-                <a16:creationId xmlns:a16="http://schemas.microsoft.com/office/drawing/2014/main" xmlns="" id="{58B149C6-5AAC-B8E5-5411-EA38821F6754}"/>
+                <a16:creationId xmlns:a16="http://schemas.microsoft.com/office/drawing/2014/main" id="{58B149C6-5AAC-B8E5-5411-EA38821F6754}"/>
               </a:ext>
               <a:ext uri="{C183D7F6-B498-43B3-948B-1728B52AA6E4}">
-                <adec:decorative xmlns:adec="http://schemas.microsoft.com/office/drawing/2017/decorative" xmlns="" val="1"/>
+                <adec:decorative xmlns:adec="http://schemas.microsoft.com/office/drawing/2017/decorative" val="1"/>
               </a:ext>
             </a:extLst>
           </p:cNvPr>
@@ -3536,7 +3536,7 @@
     </p:spTree>
     <p:extLst>
       <p:ext uri="{BB962C8B-B14F-4D97-AF65-F5344CB8AC3E}">
-        <p14:creationId xmlns:p14="http://schemas.microsoft.com/office/powerpoint/2010/main" xmlns="" val="817288033"/>
+        <p14:creationId xmlns:p14="http://schemas.microsoft.com/office/powerpoint/2010/main" val="817288033"/>
       </p:ext>
     </p:extLst>
   </p:cSld>
@@ -3680,7 +3680,7 @@
     </p:spTree>
     <p:extLst>
       <p:ext uri="{BB962C8B-B14F-4D97-AF65-F5344CB8AC3E}">
-        <p14:creationId xmlns:p14="http://schemas.microsoft.com/office/powerpoint/2010/main" xmlns="" val="2340068023"/>
+        <p14:creationId xmlns:p14="http://schemas.microsoft.com/office/powerpoint/2010/main" val="2340068023"/>
       </p:ext>
     </p:extLst>
   </p:cSld>
@@ -3725,7 +3725,7 @@
             <a:fld id="{28C33A21-5030-4D7B-A261-646E7F8EB457}" type="datetimeFigureOut">
               <a:rPr lang="en-IN" smtClean="0"/>
               <a:pPr/>
-              <a:t>14-01-2025</a:t>
+              <a:t>10-02-2026</a:t>
             </a:fld>
             <a:endParaRPr lang="en-IN"/>
           </a:p>
@@ -3777,7 +3777,7 @@
     </p:spTree>
     <p:extLst>
       <p:ext uri="{BB962C8B-B14F-4D97-AF65-F5344CB8AC3E}">
-        <p14:creationId xmlns:p14="http://schemas.microsoft.com/office/powerpoint/2010/main" xmlns="" val="2698683866"/>
+        <p14:creationId xmlns:p14="http://schemas.microsoft.com/office/powerpoint/2010/main" val="2698683866"/>
       </p:ext>
     </p:extLst>
   </p:cSld>
@@ -3966,7 +3966,7 @@
             <a:fld id="{1D8BD707-D9CF-40AE-B4C6-C98DA3205C09}" type="datetimeFigureOut">
               <a:rPr lang="en-US"/>
               <a:pPr/>
-              <a:t>1/14/2025</a:t>
+              <a:t>2/10/2026</a:t>
             </a:fld>
             <a:endParaRPr lang="en-US"/>
           </a:p>
@@ -4018,7 +4018,7 @@
     </p:spTree>
     <p:extLst>
       <p:ext uri="{BB962C8B-B14F-4D97-AF65-F5344CB8AC3E}">
-        <p14:creationId xmlns:p14="http://schemas.microsoft.com/office/powerpoint/2010/main" xmlns="" val="1857545706"/>
+        <p14:creationId xmlns:p14="http://schemas.microsoft.com/office/powerpoint/2010/main" val="1857545706"/>
       </p:ext>
     </p:extLst>
   </p:cSld>
@@ -4050,10 +4050,10 @@
           <p:cNvPr id="6" name="Group 5">
             <a:extLst>
               <a:ext uri="{FF2B5EF4-FFF2-40B4-BE49-F238E27FC236}">
-                <a16:creationId xmlns:a16="http://schemas.microsoft.com/office/drawing/2014/main" xmlns="" id="{806C6F65-35CD-D64B-992A-0C1C1E00384D}"/>
+                <a16:creationId xmlns:a16="http://schemas.microsoft.com/office/drawing/2014/main" id="{806C6F65-35CD-D64B-992A-0C1C1E00384D}"/>
               </a:ext>
               <a:ext uri="{C183D7F6-B498-43B3-948B-1728B52AA6E4}">
-                <adec:decorative xmlns:adec="http://schemas.microsoft.com/office/drawing/2017/decorative" xmlns="" val="1"/>
+                <adec:decorative xmlns:adec="http://schemas.microsoft.com/office/drawing/2017/decorative" val="1"/>
               </a:ext>
             </a:extLst>
           </p:cNvPr>
@@ -4073,7 +4073,7 @@
             <p:cNvPr id="7" name="AutoShape 24">
               <a:extLst>
                 <a:ext uri="{FF2B5EF4-FFF2-40B4-BE49-F238E27FC236}">
-                  <a16:creationId xmlns:a16="http://schemas.microsoft.com/office/drawing/2014/main" xmlns="" id="{CFD467E2-FF13-7E4F-BEF9-EA1A17665B2D}"/>
+                  <a16:creationId xmlns:a16="http://schemas.microsoft.com/office/drawing/2014/main" id="{CFD467E2-FF13-7E4F-BEF9-EA1A17665B2D}"/>
                 </a:ext>
               </a:extLst>
             </p:cNvPr>
@@ -4198,7 +4198,7 @@
             </a:ln>
             <a:extLst>
               <a:ext uri="{91240B29-F687-4F45-9708-019B960494DF}">
-                <a14:hiddenLine xmlns:a14="http://schemas.microsoft.com/office/drawing/2010/main" xmlns="" w="9525">
+                <a14:hiddenLine xmlns:a14="http://schemas.microsoft.com/office/drawing/2010/main" w="9525">
                   <a:solidFill>
                     <a:srgbClr val="000000"/>
                   </a:solidFill>
@@ -4224,7 +4224,7 @@
             <p:cNvPr id="8" name="Freeform 7">
               <a:extLst>
                 <a:ext uri="{FF2B5EF4-FFF2-40B4-BE49-F238E27FC236}">
-                  <a16:creationId xmlns:a16="http://schemas.microsoft.com/office/drawing/2014/main" xmlns="" id="{CA85A327-3157-B442-993A-6900F71249AC}"/>
+                  <a16:creationId xmlns:a16="http://schemas.microsoft.com/office/drawing/2014/main" id="{CA85A327-3157-B442-993A-6900F71249AC}"/>
                 </a:ext>
               </a:extLst>
             </p:cNvPr>
@@ -4310,7 +4310,7 @@
             </a:ln>
             <a:extLst>
               <a:ext uri="{91240B29-F687-4F45-9708-019B960494DF}">
-                <a14:hiddenLine xmlns:a14="http://schemas.microsoft.com/office/drawing/2010/main" xmlns="" w="9525">
+                <a14:hiddenLine xmlns:a14="http://schemas.microsoft.com/office/drawing/2010/main" w="9525">
                   <a:solidFill>
                     <a:srgbClr val="000000"/>
                   </a:solidFill>
@@ -4336,7 +4336,7 @@
             <p:cNvPr id="9" name="Freeform 8">
               <a:extLst>
                 <a:ext uri="{FF2B5EF4-FFF2-40B4-BE49-F238E27FC236}">
-                  <a16:creationId xmlns:a16="http://schemas.microsoft.com/office/drawing/2014/main" xmlns="" id="{9A459CB4-74AF-0544-AB1E-7CC6D10F84EB}"/>
+                  <a16:creationId xmlns:a16="http://schemas.microsoft.com/office/drawing/2014/main" id="{9A459CB4-74AF-0544-AB1E-7CC6D10F84EB}"/>
                 </a:ext>
               </a:extLst>
             </p:cNvPr>
@@ -4408,7 +4408,7 @@
             </a:ln>
             <a:extLst>
               <a:ext uri="{91240B29-F687-4F45-9708-019B960494DF}">
-                <a14:hiddenLine xmlns:a14="http://schemas.microsoft.com/office/drawing/2010/main" xmlns="" w="9525">
+                <a14:hiddenLine xmlns:a14="http://schemas.microsoft.com/office/drawing/2010/main" w="9525">
                   <a:solidFill>
                     <a:srgbClr val="000000"/>
                   </a:solidFill>
@@ -4434,7 +4434,7 @@
             <p:cNvPr id="10" name="Freeform 9">
               <a:extLst>
                 <a:ext uri="{FF2B5EF4-FFF2-40B4-BE49-F238E27FC236}">
-                  <a16:creationId xmlns:a16="http://schemas.microsoft.com/office/drawing/2014/main" xmlns="" id="{95A20BFD-9142-D64A-A78A-61B75FCA0D76}"/>
+                  <a16:creationId xmlns:a16="http://schemas.microsoft.com/office/drawing/2014/main" id="{95A20BFD-9142-D64A-A78A-61B75FCA0D76}"/>
                 </a:ext>
               </a:extLst>
             </p:cNvPr>
@@ -4534,7 +4534,7 @@
             <p:cNvPr id="11" name="Freeform 10">
               <a:extLst>
                 <a:ext uri="{FF2B5EF4-FFF2-40B4-BE49-F238E27FC236}">
-                  <a16:creationId xmlns:a16="http://schemas.microsoft.com/office/drawing/2014/main" xmlns="" id="{B80736DF-C890-DB47-AEAA-D3D92505E632}"/>
+                  <a16:creationId xmlns:a16="http://schemas.microsoft.com/office/drawing/2014/main" id="{B80736DF-C890-DB47-AEAA-D3D92505E632}"/>
                 </a:ext>
               </a:extLst>
             </p:cNvPr>
@@ -4619,7 +4619,7 @@
             </a:ln>
             <a:extLst>
               <a:ext uri="{91240B29-F687-4F45-9708-019B960494DF}">
-                <a14:hiddenLine xmlns:a14="http://schemas.microsoft.com/office/drawing/2010/main" xmlns="" w="9525">
+                <a14:hiddenLine xmlns:a14="http://schemas.microsoft.com/office/drawing/2010/main" w="9525">
                   <a:solidFill>
                     <a:srgbClr val="000000"/>
                   </a:solidFill>
@@ -4646,7 +4646,7 @@
           <p:cNvPr id="12" name="Title 1">
             <a:extLst>
               <a:ext uri="{FF2B5EF4-FFF2-40B4-BE49-F238E27FC236}">
-                <a16:creationId xmlns:a16="http://schemas.microsoft.com/office/drawing/2014/main" xmlns="" id="{39F93F26-ED5C-E74E-BFBD-E3054DC1B9C1}"/>
+                <a16:creationId xmlns:a16="http://schemas.microsoft.com/office/drawing/2014/main" id="{39F93F26-ED5C-E74E-BFBD-E3054DC1B9C1}"/>
               </a:ext>
             </a:extLst>
           </p:cNvPr>
@@ -4690,7 +4690,7 @@
           <p:cNvPr id="2" name="Content Placeholder 5">
             <a:extLst>
               <a:ext uri="{FF2B5EF4-FFF2-40B4-BE49-F238E27FC236}">
-                <a16:creationId xmlns:a16="http://schemas.microsoft.com/office/drawing/2014/main" xmlns="" id="{186153BD-9D2B-47EB-3553-1D3F6663B2A3}"/>
+                <a16:creationId xmlns:a16="http://schemas.microsoft.com/office/drawing/2014/main" id="{186153BD-9D2B-47EB-3553-1D3F6663B2A3}"/>
               </a:ext>
             </a:extLst>
           </p:cNvPr>
@@ -4799,7 +4799,7 @@
           <p:cNvPr id="43" name="Slide Number Placeholder 42">
             <a:extLst>
               <a:ext uri="{FF2B5EF4-FFF2-40B4-BE49-F238E27FC236}">
-                <a16:creationId xmlns:a16="http://schemas.microsoft.com/office/drawing/2014/main" xmlns="" id="{D80CCC8F-9CF1-9621-04EB-DFA68FEE42D2}"/>
+                <a16:creationId xmlns:a16="http://schemas.microsoft.com/office/drawing/2014/main" id="{D80CCC8F-9CF1-9621-04EB-DFA68FEE42D2}"/>
               </a:ext>
             </a:extLst>
           </p:cNvPr>
@@ -4829,7 +4829,7 @@
           <p:cNvPr id="42" name="Date Placeholder 41">
             <a:extLst>
               <a:ext uri="{FF2B5EF4-FFF2-40B4-BE49-F238E27FC236}">
-                <a16:creationId xmlns:a16="http://schemas.microsoft.com/office/drawing/2014/main" xmlns="" id="{29CE2856-DB8F-5603-C085-74C70560FAC8}"/>
+                <a16:creationId xmlns:a16="http://schemas.microsoft.com/office/drawing/2014/main" id="{29CE2856-DB8F-5603-C085-74C70560FAC8}"/>
               </a:ext>
             </a:extLst>
           </p:cNvPr>
@@ -4848,7 +4848,7 @@
             <a:fld id="{28C33A21-5030-4D7B-A261-646E7F8EB457}" type="datetimeFigureOut">
               <a:rPr lang="en-IN" smtClean="0"/>
               <a:pPr/>
-              <a:t>14-01-2025</a:t>
+              <a:t>10-02-2026</a:t>
             </a:fld>
             <a:endParaRPr lang="en-IN"/>
           </a:p>
@@ -4859,10 +4859,10 @@
           <p:cNvPr id="4" name="Straight Connector 3">
             <a:extLst>
               <a:ext uri="{FF2B5EF4-FFF2-40B4-BE49-F238E27FC236}">
-                <a16:creationId xmlns:a16="http://schemas.microsoft.com/office/drawing/2014/main" xmlns="" id="{979826C1-7A52-DA25-F422-EE62DED7D1B6}"/>
+                <a16:creationId xmlns:a16="http://schemas.microsoft.com/office/drawing/2014/main" id="{979826C1-7A52-DA25-F422-EE62DED7D1B6}"/>
               </a:ext>
               <a:ext uri="{C183D7F6-B498-43B3-948B-1728B52AA6E4}">
-                <adec:decorative xmlns:adec="http://schemas.microsoft.com/office/drawing/2017/decorative" xmlns="" val="1"/>
+                <adec:decorative xmlns:adec="http://schemas.microsoft.com/office/drawing/2017/decorative" val="1"/>
               </a:ext>
             </a:extLst>
           </p:cNvPr>
@@ -4905,7 +4905,7 @@
     </p:spTree>
     <p:extLst>
       <p:ext uri="{BB962C8B-B14F-4D97-AF65-F5344CB8AC3E}">
-        <p14:creationId xmlns:p14="http://schemas.microsoft.com/office/powerpoint/2010/main" xmlns="" val="3634417197"/>
+        <p14:creationId xmlns:p14="http://schemas.microsoft.com/office/powerpoint/2010/main" val="3634417197"/>
       </p:ext>
     </p:extLst>
   </p:cSld>
@@ -4945,7 +4945,7 @@
           <p:cNvPr id="4" name="Picture Placeholder 3">
             <a:extLst>
               <a:ext uri="{FF2B5EF4-FFF2-40B4-BE49-F238E27FC236}">
-                <a16:creationId xmlns:a16="http://schemas.microsoft.com/office/drawing/2014/main" xmlns="" id="{B79D0555-EBDC-B53A-212D-A5921795FEC8}"/>
+                <a16:creationId xmlns:a16="http://schemas.microsoft.com/office/drawing/2014/main" id="{B79D0555-EBDC-B53A-212D-A5921795FEC8}"/>
               </a:ext>
             </a:extLst>
           </p:cNvPr>
@@ -5069,7 +5069,7 @@
           <p:cNvPr id="18" name="Title 1">
             <a:extLst>
               <a:ext uri="{FF2B5EF4-FFF2-40B4-BE49-F238E27FC236}">
-                <a16:creationId xmlns:a16="http://schemas.microsoft.com/office/drawing/2014/main" xmlns="" id="{8D492973-78E3-D34E-835E-CF2D4517016D}"/>
+                <a16:creationId xmlns:a16="http://schemas.microsoft.com/office/drawing/2014/main" id="{8D492973-78E3-D34E-835E-CF2D4517016D}"/>
               </a:ext>
             </a:extLst>
           </p:cNvPr>
@@ -5116,10 +5116,10 @@
           <p:cNvPr id="7" name="Rectangle 6">
             <a:extLst>
               <a:ext uri="{FF2B5EF4-FFF2-40B4-BE49-F238E27FC236}">
-                <a16:creationId xmlns:a16="http://schemas.microsoft.com/office/drawing/2014/main" xmlns="" id="{D96BA398-1ED2-1FCA-63B9-8915A8C7A524}"/>
+                <a16:creationId xmlns:a16="http://schemas.microsoft.com/office/drawing/2014/main" id="{D96BA398-1ED2-1FCA-63B9-8915A8C7A524}"/>
               </a:ext>
               <a:ext uri="{C183D7F6-B498-43B3-948B-1728B52AA6E4}">
-                <adec:decorative xmlns:adec="http://schemas.microsoft.com/office/drawing/2017/decorative" xmlns="" val="1"/>
+                <adec:decorative xmlns:adec="http://schemas.microsoft.com/office/drawing/2017/decorative" val="1"/>
               </a:ext>
             </a:extLst>
           </p:cNvPr>
@@ -5169,7 +5169,7 @@
     </p:spTree>
     <p:extLst>
       <p:ext uri="{BB962C8B-B14F-4D97-AF65-F5344CB8AC3E}">
-        <p14:creationId xmlns:p14="http://schemas.microsoft.com/office/powerpoint/2010/main" xmlns="" val="3018473279"/>
+        <p14:creationId xmlns:p14="http://schemas.microsoft.com/office/powerpoint/2010/main" val="3018473279"/>
       </p:ext>
     </p:extLst>
   </p:cSld>
@@ -5178,7 +5178,7 @@
   </p:clrMapOvr>
   <p:extLst>
     <p:ext uri="{DCECCB84-F9BA-43D5-87BE-67443E8EF086}">
-      <p15:sldGuideLst xmlns:p15="http://schemas.microsoft.com/office/powerpoint/2012/main" xmlns="">
+      <p15:sldGuideLst xmlns:p15="http://schemas.microsoft.com/office/powerpoint/2012/main">
         <p15:guide id="2" pos="7104">
           <p15:clr>
             <a:srgbClr val="FBAE40"/>
@@ -5235,7 +5235,7 @@
           <p:cNvPr id="2" name="Title 1">
             <a:extLst>
               <a:ext uri="{FF2B5EF4-FFF2-40B4-BE49-F238E27FC236}">
-                <a16:creationId xmlns:a16="http://schemas.microsoft.com/office/drawing/2014/main" xmlns="" id="{E3B6987D-0137-DE42-B76B-FF621E808D90}"/>
+                <a16:creationId xmlns:a16="http://schemas.microsoft.com/office/drawing/2014/main" id="{E3B6987D-0137-DE42-B76B-FF621E808D90}"/>
               </a:ext>
             </a:extLst>
           </p:cNvPr>
@@ -5285,7 +5285,7 @@
           <p:cNvPr id="6" name="Picture Placeholder 5">
             <a:extLst>
               <a:ext uri="{FF2B5EF4-FFF2-40B4-BE49-F238E27FC236}">
-                <a16:creationId xmlns:a16="http://schemas.microsoft.com/office/drawing/2014/main" xmlns="" id="{A9973BC6-F6E5-0B3B-C8AB-0AC4020D4E8B}"/>
+                <a16:creationId xmlns:a16="http://schemas.microsoft.com/office/drawing/2014/main" id="{A9973BC6-F6E5-0B3B-C8AB-0AC4020D4E8B}"/>
               </a:ext>
             </a:extLst>
           </p:cNvPr>
@@ -5326,7 +5326,7 @@
           <p:cNvPr id="18" name="Text Placeholder 29">
             <a:extLst>
               <a:ext uri="{FF2B5EF4-FFF2-40B4-BE49-F238E27FC236}">
-                <a16:creationId xmlns:a16="http://schemas.microsoft.com/office/drawing/2014/main" xmlns="" id="{276A9CD7-E675-3048-86D3-3546A2F6B456}"/>
+                <a16:creationId xmlns:a16="http://schemas.microsoft.com/office/drawing/2014/main" id="{276A9CD7-E675-3048-86D3-3546A2F6B456}"/>
               </a:ext>
             </a:extLst>
           </p:cNvPr>
@@ -5386,10 +5386,10 @@
           <p:cNvPr id="7" name="Straight Connector 6">
             <a:extLst>
               <a:ext uri="{FF2B5EF4-FFF2-40B4-BE49-F238E27FC236}">
-                <a16:creationId xmlns:a16="http://schemas.microsoft.com/office/drawing/2014/main" xmlns="" id="{29169ED6-4B82-6844-119F-AC15CDF2D3E5}"/>
+                <a16:creationId xmlns:a16="http://schemas.microsoft.com/office/drawing/2014/main" id="{29169ED6-4B82-6844-119F-AC15CDF2D3E5}"/>
               </a:ext>
               <a:ext uri="{C183D7F6-B498-43B3-948B-1728B52AA6E4}">
-                <adec:decorative xmlns:adec="http://schemas.microsoft.com/office/drawing/2017/decorative" xmlns="" val="1"/>
+                <adec:decorative xmlns:adec="http://schemas.microsoft.com/office/drawing/2017/decorative" val="1"/>
               </a:ext>
             </a:extLst>
           </p:cNvPr>
@@ -5432,7 +5432,7 @@
     </p:spTree>
     <p:extLst>
       <p:ext uri="{BB962C8B-B14F-4D97-AF65-F5344CB8AC3E}">
-        <p14:creationId xmlns:p14="http://schemas.microsoft.com/office/powerpoint/2010/main" xmlns="" val="3051950514"/>
+        <p14:creationId xmlns:p14="http://schemas.microsoft.com/office/powerpoint/2010/main" val="3051950514"/>
       </p:ext>
     </p:extLst>
   </p:cSld>
@@ -5472,10 +5472,10 @@
           <p:cNvPr id="9" name="Straight Connector 8">
             <a:extLst>
               <a:ext uri="{FF2B5EF4-FFF2-40B4-BE49-F238E27FC236}">
-                <a16:creationId xmlns:a16="http://schemas.microsoft.com/office/drawing/2014/main" xmlns="" id="{C57F1500-1A16-D1EF-4F0C-030852B291FC}"/>
+                <a16:creationId xmlns:a16="http://schemas.microsoft.com/office/drawing/2014/main" id="{C57F1500-1A16-D1EF-4F0C-030852B291FC}"/>
               </a:ext>
               <a:ext uri="{C183D7F6-B498-43B3-948B-1728B52AA6E4}">
-                <adec:decorative xmlns:adec="http://schemas.microsoft.com/office/drawing/2017/decorative" xmlns="" val="1"/>
+                <adec:decorative xmlns:adec="http://schemas.microsoft.com/office/drawing/2017/decorative" val="1"/>
               </a:ext>
             </a:extLst>
           </p:cNvPr>
@@ -5520,10 +5520,10 @@
           <p:cNvPr id="10" name="Group 9">
             <a:extLst>
               <a:ext uri="{FF2B5EF4-FFF2-40B4-BE49-F238E27FC236}">
-                <a16:creationId xmlns:a16="http://schemas.microsoft.com/office/drawing/2014/main" xmlns="" id="{2D07A0BE-3890-193E-9439-F294E61A71B9}"/>
+                <a16:creationId xmlns:a16="http://schemas.microsoft.com/office/drawing/2014/main" id="{2D07A0BE-3890-193E-9439-F294E61A71B9}"/>
               </a:ext>
               <a:ext uri="{C183D7F6-B498-43B3-948B-1728B52AA6E4}">
-                <adec:decorative xmlns:adec="http://schemas.microsoft.com/office/drawing/2017/decorative" xmlns="" val="1"/>
+                <adec:decorative xmlns:adec="http://schemas.microsoft.com/office/drawing/2017/decorative" val="1"/>
               </a:ext>
             </a:extLst>
           </p:cNvPr>
@@ -5545,7 +5545,7 @@
             <p:cNvPr id="11" name="Freeform 19">
               <a:extLst>
                 <a:ext uri="{FF2B5EF4-FFF2-40B4-BE49-F238E27FC236}">
-                  <a16:creationId xmlns:a16="http://schemas.microsoft.com/office/drawing/2014/main" xmlns="" id="{C05217ED-C258-E6CE-BA7F-28A6EA41BCD3}"/>
+                  <a16:creationId xmlns:a16="http://schemas.microsoft.com/office/drawing/2014/main" id="{C05217ED-C258-E6CE-BA7F-28A6EA41BCD3}"/>
                 </a:ext>
               </a:extLst>
             </p:cNvPr>
@@ -5626,7 +5626,7 @@
             </a:ln>
             <a:extLst>
               <a:ext uri="{91240B29-F687-4F45-9708-019B960494DF}">
-                <a14:hiddenLine xmlns:a14="http://schemas.microsoft.com/office/drawing/2010/main" xmlns="" w="9525">
+                <a14:hiddenLine xmlns:a14="http://schemas.microsoft.com/office/drawing/2010/main" w="9525">
                   <a:solidFill>
                     <a:srgbClr val="000000"/>
                   </a:solidFill>
@@ -5652,7 +5652,7 @@
             <p:cNvPr id="12" name="Freeform 20">
               <a:extLst>
                 <a:ext uri="{FF2B5EF4-FFF2-40B4-BE49-F238E27FC236}">
-                  <a16:creationId xmlns:a16="http://schemas.microsoft.com/office/drawing/2014/main" xmlns="" id="{F3E11A1F-14DD-BA35-D7D7-4D4ADEAA3484}"/>
+                  <a16:creationId xmlns:a16="http://schemas.microsoft.com/office/drawing/2014/main" id="{F3E11A1F-14DD-BA35-D7D7-4D4ADEAA3484}"/>
                 </a:ext>
               </a:extLst>
             </p:cNvPr>
@@ -5724,7 +5724,7 @@
             </a:ln>
             <a:extLst>
               <a:ext uri="{91240B29-F687-4F45-9708-019B960494DF}">
-                <a14:hiddenLine xmlns:a14="http://schemas.microsoft.com/office/drawing/2010/main" xmlns="" w="9525">
+                <a14:hiddenLine xmlns:a14="http://schemas.microsoft.com/office/drawing/2010/main" w="9525">
                   <a:solidFill>
                     <a:srgbClr val="000000"/>
                   </a:solidFill>
@@ -5750,7 +5750,7 @@
             <p:cNvPr id="13" name="Freeform 21">
               <a:extLst>
                 <a:ext uri="{FF2B5EF4-FFF2-40B4-BE49-F238E27FC236}">
-                  <a16:creationId xmlns:a16="http://schemas.microsoft.com/office/drawing/2014/main" xmlns="" id="{F14541B0-973F-7E21-1019-D2FB83C8C0D0}"/>
+                  <a16:creationId xmlns:a16="http://schemas.microsoft.com/office/drawing/2014/main" id="{F14541B0-973F-7E21-1019-D2FB83C8C0D0}"/>
                 </a:ext>
               </a:extLst>
             </p:cNvPr>
@@ -5825,7 +5825,7 @@
             </a:ln>
             <a:extLst>
               <a:ext uri="{91240B29-F687-4F45-9708-019B960494DF}">
-                <a14:hiddenLine xmlns:a14="http://schemas.microsoft.com/office/drawing/2010/main" xmlns="" w="9525">
+                <a14:hiddenLine xmlns:a14="http://schemas.microsoft.com/office/drawing/2010/main" w="9525">
                   <a:solidFill>
                     <a:srgbClr val="000000"/>
                   </a:solidFill>
@@ -5852,7 +5852,7 @@
           <p:cNvPr id="32" name="Title 1">
             <a:extLst>
               <a:ext uri="{FF2B5EF4-FFF2-40B4-BE49-F238E27FC236}">
-                <a16:creationId xmlns:a16="http://schemas.microsoft.com/office/drawing/2014/main" xmlns="" id="{467E05B6-B7CB-1E4F-96BA-4B8CFE8B63D9}"/>
+                <a16:creationId xmlns:a16="http://schemas.microsoft.com/office/drawing/2014/main" id="{467E05B6-B7CB-1E4F-96BA-4B8CFE8B63D9}"/>
               </a:ext>
             </a:extLst>
           </p:cNvPr>
@@ -5896,7 +5896,7 @@
           <p:cNvPr id="2" name="Content Placeholder 5">
             <a:extLst>
               <a:ext uri="{FF2B5EF4-FFF2-40B4-BE49-F238E27FC236}">
-                <a16:creationId xmlns:a16="http://schemas.microsoft.com/office/drawing/2014/main" xmlns="" id="{F6FE0DC0-B0D7-F4D6-8038-177AD7A8C211}"/>
+                <a16:creationId xmlns:a16="http://schemas.microsoft.com/office/drawing/2014/main" id="{F6FE0DC0-B0D7-F4D6-8038-177AD7A8C211}"/>
               </a:ext>
             </a:extLst>
           </p:cNvPr>
@@ -5993,7 +5993,7 @@
           <p:cNvPr id="8" name="Slide Number Placeholder 7">
             <a:extLst>
               <a:ext uri="{FF2B5EF4-FFF2-40B4-BE49-F238E27FC236}">
-                <a16:creationId xmlns:a16="http://schemas.microsoft.com/office/drawing/2014/main" xmlns="" id="{7ED58739-4346-5104-B1AC-89ED035912AF}"/>
+                <a16:creationId xmlns:a16="http://schemas.microsoft.com/office/drawing/2014/main" id="{7ED58739-4346-5104-B1AC-89ED035912AF}"/>
               </a:ext>
             </a:extLst>
           </p:cNvPr>
@@ -6023,7 +6023,7 @@
           <p:cNvPr id="5" name="Date Placeholder 4">
             <a:extLst>
               <a:ext uri="{FF2B5EF4-FFF2-40B4-BE49-F238E27FC236}">
-                <a16:creationId xmlns:a16="http://schemas.microsoft.com/office/drawing/2014/main" xmlns="" id="{E9272B8D-F380-9F1A-C8E6-BDD2352B1763}"/>
+                <a16:creationId xmlns:a16="http://schemas.microsoft.com/office/drawing/2014/main" id="{E9272B8D-F380-9F1A-C8E6-BDD2352B1763}"/>
               </a:ext>
             </a:extLst>
           </p:cNvPr>
@@ -6042,7 +6042,7 @@
             <a:fld id="{28C33A21-5030-4D7B-A261-646E7F8EB457}" type="datetimeFigureOut">
               <a:rPr lang="en-IN" smtClean="0"/>
               <a:pPr/>
-              <a:t>14-01-2025</a:t>
+              <a:t>10-02-2026</a:t>
             </a:fld>
             <a:endParaRPr lang="en-IN"/>
           </a:p>
@@ -6051,7 +6051,7 @@
     </p:spTree>
     <p:extLst>
       <p:ext uri="{BB962C8B-B14F-4D97-AF65-F5344CB8AC3E}">
-        <p14:creationId xmlns:p14="http://schemas.microsoft.com/office/powerpoint/2010/main" xmlns="" val="724110838"/>
+        <p14:creationId xmlns:p14="http://schemas.microsoft.com/office/powerpoint/2010/main" val="724110838"/>
       </p:ext>
     </p:extLst>
   </p:cSld>
@@ -6060,7 +6060,7 @@
   </p:clrMapOvr>
   <p:extLst>
     <p:ext uri="{DCECCB84-F9BA-43D5-87BE-67443E8EF086}">
-      <p15:sldGuideLst xmlns:p15="http://schemas.microsoft.com/office/powerpoint/2012/main" xmlns="">
+      <p15:sldGuideLst xmlns:p15="http://schemas.microsoft.com/office/powerpoint/2012/main">
         <p15:guide id="1" pos="600">
           <p15:clr>
             <a:srgbClr val="FBAE40"/>
@@ -6152,7 +6152,7 @@
           <p:cNvPr id="2" name="Title 1">
             <a:extLst>
               <a:ext uri="{FF2B5EF4-FFF2-40B4-BE49-F238E27FC236}">
-                <a16:creationId xmlns:a16="http://schemas.microsoft.com/office/drawing/2014/main" xmlns="" id="{E3B6987D-0137-DE42-B76B-FF621E808D90}"/>
+                <a16:creationId xmlns:a16="http://schemas.microsoft.com/office/drawing/2014/main" id="{E3B6987D-0137-DE42-B76B-FF621E808D90}"/>
               </a:ext>
             </a:extLst>
           </p:cNvPr>
@@ -6202,10 +6202,10 @@
           <p:cNvPr id="9" name="Group 8">
             <a:extLst>
               <a:ext uri="{FF2B5EF4-FFF2-40B4-BE49-F238E27FC236}">
-                <a16:creationId xmlns:a16="http://schemas.microsoft.com/office/drawing/2014/main" xmlns="" id="{C26C18C3-ED25-DD4B-BA72-24932D54DE37}"/>
+                <a16:creationId xmlns:a16="http://schemas.microsoft.com/office/drawing/2014/main" id="{C26C18C3-ED25-DD4B-BA72-24932D54DE37}"/>
               </a:ext>
               <a:ext uri="{C183D7F6-B498-43B3-948B-1728B52AA6E4}">
-                <adec:decorative xmlns:adec="http://schemas.microsoft.com/office/drawing/2017/decorative" xmlns="" val="1"/>
+                <adec:decorative xmlns:adec="http://schemas.microsoft.com/office/drawing/2017/decorative" val="1"/>
               </a:ext>
             </a:extLst>
           </p:cNvPr>
@@ -6227,7 +6227,7 @@
             <p:cNvPr id="10" name="Freeform 9">
               <a:extLst>
                 <a:ext uri="{FF2B5EF4-FFF2-40B4-BE49-F238E27FC236}">
-                  <a16:creationId xmlns:a16="http://schemas.microsoft.com/office/drawing/2014/main" xmlns="" id="{C07CC263-2515-F147-8CC5-F8E9FF9FA8E4}"/>
+                  <a16:creationId xmlns:a16="http://schemas.microsoft.com/office/drawing/2014/main" id="{C07CC263-2515-F147-8CC5-F8E9FF9FA8E4}"/>
                 </a:ext>
               </a:extLst>
             </p:cNvPr>
@@ -6308,7 +6308,7 @@
             </a:ln>
             <a:extLst>
               <a:ext uri="{91240B29-F687-4F45-9708-019B960494DF}">
-                <a14:hiddenLine xmlns:a14="http://schemas.microsoft.com/office/drawing/2010/main" xmlns="" w="9525">
+                <a14:hiddenLine xmlns:a14="http://schemas.microsoft.com/office/drawing/2010/main" w="9525">
                   <a:solidFill>
                     <a:srgbClr val="000000"/>
                   </a:solidFill>
@@ -6334,7 +6334,7 @@
             <p:cNvPr id="11" name="Freeform 10">
               <a:extLst>
                 <a:ext uri="{FF2B5EF4-FFF2-40B4-BE49-F238E27FC236}">
-                  <a16:creationId xmlns:a16="http://schemas.microsoft.com/office/drawing/2014/main" xmlns="" id="{43B40037-7481-524B-8685-404D965690F2}"/>
+                  <a16:creationId xmlns:a16="http://schemas.microsoft.com/office/drawing/2014/main" id="{43B40037-7481-524B-8685-404D965690F2}"/>
                 </a:ext>
               </a:extLst>
             </p:cNvPr>
@@ -6406,7 +6406,7 @@
             </a:ln>
             <a:extLst>
               <a:ext uri="{91240B29-F687-4F45-9708-019B960494DF}">
-                <a14:hiddenLine xmlns:a14="http://schemas.microsoft.com/office/drawing/2010/main" xmlns="" w="9525">
+                <a14:hiddenLine xmlns:a14="http://schemas.microsoft.com/office/drawing/2010/main" w="9525">
                   <a:solidFill>
                     <a:srgbClr val="000000"/>
                   </a:solidFill>
@@ -6432,7 +6432,7 @@
             <p:cNvPr id="12" name="Freeform 11">
               <a:extLst>
                 <a:ext uri="{FF2B5EF4-FFF2-40B4-BE49-F238E27FC236}">
-                  <a16:creationId xmlns:a16="http://schemas.microsoft.com/office/drawing/2014/main" xmlns="" id="{7B759713-8408-EE47-9394-3DA6F5E4B624}"/>
+                  <a16:creationId xmlns:a16="http://schemas.microsoft.com/office/drawing/2014/main" id="{7B759713-8408-EE47-9394-3DA6F5E4B624}"/>
                 </a:ext>
               </a:extLst>
             </p:cNvPr>
@@ -6507,7 +6507,7 @@
             </a:ln>
             <a:extLst>
               <a:ext uri="{91240B29-F687-4F45-9708-019B960494DF}">
-                <a14:hiddenLine xmlns:a14="http://schemas.microsoft.com/office/drawing/2010/main" xmlns="" w="9525">
+                <a14:hiddenLine xmlns:a14="http://schemas.microsoft.com/office/drawing/2010/main" w="9525">
                   <a:solidFill>
                     <a:srgbClr val="000000"/>
                   </a:solidFill>
@@ -6534,10 +6534,10 @@
           <p:cNvPr id="13" name="Straight Connector 12">
             <a:extLst>
               <a:ext uri="{FF2B5EF4-FFF2-40B4-BE49-F238E27FC236}">
-                <a16:creationId xmlns:a16="http://schemas.microsoft.com/office/drawing/2014/main" xmlns="" id="{A69706A2-3726-FE4E-B923-E75D48597816}"/>
+                <a16:creationId xmlns:a16="http://schemas.microsoft.com/office/drawing/2014/main" id="{A69706A2-3726-FE4E-B923-E75D48597816}"/>
               </a:ext>
               <a:ext uri="{C183D7F6-B498-43B3-948B-1728B52AA6E4}">
-                <adec:decorative xmlns:adec="http://schemas.microsoft.com/office/drawing/2017/decorative" xmlns="" val="1"/>
+                <adec:decorative xmlns:adec="http://schemas.microsoft.com/office/drawing/2017/decorative" val="1"/>
               </a:ext>
             </a:extLst>
           </p:cNvPr>
@@ -6582,7 +6582,7 @@
           <p:cNvPr id="18" name="Text Placeholder 29">
             <a:extLst>
               <a:ext uri="{FF2B5EF4-FFF2-40B4-BE49-F238E27FC236}">
-                <a16:creationId xmlns:a16="http://schemas.microsoft.com/office/drawing/2014/main" xmlns="" id="{276A9CD7-E675-3048-86D3-3546A2F6B456}"/>
+                <a16:creationId xmlns:a16="http://schemas.microsoft.com/office/drawing/2014/main" id="{276A9CD7-E675-3048-86D3-3546A2F6B456}"/>
               </a:ext>
             </a:extLst>
           </p:cNvPr>
@@ -6640,7 +6640,7 @@
     </p:spTree>
     <p:extLst>
       <p:ext uri="{BB962C8B-B14F-4D97-AF65-F5344CB8AC3E}">
-        <p14:creationId xmlns:p14="http://schemas.microsoft.com/office/powerpoint/2010/main" xmlns="" val="1019475422"/>
+        <p14:creationId xmlns:p14="http://schemas.microsoft.com/office/powerpoint/2010/main" val="1019475422"/>
       </p:ext>
     </p:extLst>
   </p:cSld>
@@ -6680,10 +6680,10 @@
           <p:cNvPr id="11" name="Group 10">
             <a:extLst>
               <a:ext uri="{FF2B5EF4-FFF2-40B4-BE49-F238E27FC236}">
-                <a16:creationId xmlns:a16="http://schemas.microsoft.com/office/drawing/2014/main" xmlns="" id="{C97D5AF2-684A-4A8D-3D82-B57D7AC44677}"/>
+                <a16:creationId xmlns:a16="http://schemas.microsoft.com/office/drawing/2014/main" id="{C97D5AF2-684A-4A8D-3D82-B57D7AC44677}"/>
               </a:ext>
               <a:ext uri="{C183D7F6-B498-43B3-948B-1728B52AA6E4}">
-                <adec:decorative xmlns:adec="http://schemas.microsoft.com/office/drawing/2017/decorative" xmlns="" val="1"/>
+                <adec:decorative xmlns:adec="http://schemas.microsoft.com/office/drawing/2017/decorative" val="1"/>
               </a:ext>
             </a:extLst>
           </p:cNvPr>
@@ -6705,7 +6705,7 @@
             <p:cNvPr id="12" name="Freeform 4">
               <a:extLst>
                 <a:ext uri="{FF2B5EF4-FFF2-40B4-BE49-F238E27FC236}">
-                  <a16:creationId xmlns:a16="http://schemas.microsoft.com/office/drawing/2014/main" xmlns="" id="{8CF5F650-F8F0-F4FE-44DA-1F14ADE428B2}"/>
+                  <a16:creationId xmlns:a16="http://schemas.microsoft.com/office/drawing/2014/main" id="{8CF5F650-F8F0-F4FE-44DA-1F14ADE428B2}"/>
                 </a:ext>
               </a:extLst>
             </p:cNvPr>
@@ -6786,7 +6786,7 @@
             </a:ln>
             <a:extLst>
               <a:ext uri="{91240B29-F687-4F45-9708-019B960494DF}">
-                <a14:hiddenLine xmlns:a14="http://schemas.microsoft.com/office/drawing/2010/main" xmlns="" w="9525">
+                <a14:hiddenLine xmlns:a14="http://schemas.microsoft.com/office/drawing/2010/main" w="9525">
                   <a:solidFill>
                     <a:srgbClr val="000000"/>
                   </a:solidFill>
@@ -6812,7 +6812,7 @@
             <p:cNvPr id="13" name="Freeform 5">
               <a:extLst>
                 <a:ext uri="{FF2B5EF4-FFF2-40B4-BE49-F238E27FC236}">
-                  <a16:creationId xmlns:a16="http://schemas.microsoft.com/office/drawing/2014/main" xmlns="" id="{18870924-E47D-404F-59B5-BD1C58F7B04C}"/>
+                  <a16:creationId xmlns:a16="http://schemas.microsoft.com/office/drawing/2014/main" id="{18870924-E47D-404F-59B5-BD1C58F7B04C}"/>
                 </a:ext>
               </a:extLst>
             </p:cNvPr>
@@ -6884,7 +6884,7 @@
             </a:ln>
             <a:extLst>
               <a:ext uri="{91240B29-F687-4F45-9708-019B960494DF}">
-                <a14:hiddenLine xmlns:a14="http://schemas.microsoft.com/office/drawing/2010/main" xmlns="" w="9525">
+                <a14:hiddenLine xmlns:a14="http://schemas.microsoft.com/office/drawing/2010/main" w="9525">
                   <a:solidFill>
                     <a:srgbClr val="000000"/>
                   </a:solidFill>
@@ -6910,7 +6910,7 @@
             <p:cNvPr id="14" name="Freeform 7">
               <a:extLst>
                 <a:ext uri="{FF2B5EF4-FFF2-40B4-BE49-F238E27FC236}">
-                  <a16:creationId xmlns:a16="http://schemas.microsoft.com/office/drawing/2014/main" xmlns="" id="{80806A65-E4FC-2F52-65B3-CC181E620C29}"/>
+                  <a16:creationId xmlns:a16="http://schemas.microsoft.com/office/drawing/2014/main" id="{80806A65-E4FC-2F52-65B3-CC181E620C29}"/>
                 </a:ext>
               </a:extLst>
             </p:cNvPr>
@@ -6985,7 +6985,7 @@
             </a:ln>
             <a:extLst>
               <a:ext uri="{91240B29-F687-4F45-9708-019B960494DF}">
-                <a14:hiddenLine xmlns:a14="http://schemas.microsoft.com/office/drawing/2010/main" xmlns="" w="9525">
+                <a14:hiddenLine xmlns:a14="http://schemas.microsoft.com/office/drawing/2010/main" w="9525">
                   <a:solidFill>
                     <a:srgbClr val="000000"/>
                   </a:solidFill>
@@ -7012,7 +7012,7 @@
           <p:cNvPr id="16" name="Title 1">
             <a:extLst>
               <a:ext uri="{FF2B5EF4-FFF2-40B4-BE49-F238E27FC236}">
-                <a16:creationId xmlns:a16="http://schemas.microsoft.com/office/drawing/2014/main" xmlns="" id="{109B023A-F28F-184D-BA48-3F1C0502AE0A}"/>
+                <a16:creationId xmlns:a16="http://schemas.microsoft.com/office/drawing/2014/main" id="{109B023A-F28F-184D-BA48-3F1C0502AE0A}"/>
               </a:ext>
             </a:extLst>
           </p:cNvPr>
@@ -7059,7 +7059,7 @@
           <p:cNvPr id="2" name="Content Placeholder 5">
             <a:extLst>
               <a:ext uri="{FF2B5EF4-FFF2-40B4-BE49-F238E27FC236}">
-                <a16:creationId xmlns:a16="http://schemas.microsoft.com/office/drawing/2014/main" xmlns="" id="{F14DA3C5-63E4-BAFB-1D68-47F71EEEE538}"/>
+                <a16:creationId xmlns:a16="http://schemas.microsoft.com/office/drawing/2014/main" id="{F14DA3C5-63E4-BAFB-1D68-47F71EEEE538}"/>
               </a:ext>
             </a:extLst>
           </p:cNvPr>
@@ -7156,7 +7156,7 @@
           <p:cNvPr id="3" name="Content Placeholder 5">
             <a:extLst>
               <a:ext uri="{FF2B5EF4-FFF2-40B4-BE49-F238E27FC236}">
-                <a16:creationId xmlns:a16="http://schemas.microsoft.com/office/drawing/2014/main" xmlns="" id="{BD11386D-847E-8CF5-E56A-42E80A65A089}"/>
+                <a16:creationId xmlns:a16="http://schemas.microsoft.com/office/drawing/2014/main" id="{BD11386D-847E-8CF5-E56A-42E80A65A089}"/>
               </a:ext>
             </a:extLst>
           </p:cNvPr>
@@ -7253,7 +7253,7 @@
           <p:cNvPr id="10" name="Slide Number Placeholder 9">
             <a:extLst>
               <a:ext uri="{FF2B5EF4-FFF2-40B4-BE49-F238E27FC236}">
-                <a16:creationId xmlns:a16="http://schemas.microsoft.com/office/drawing/2014/main" xmlns="" id="{05D79B4B-A9BD-581F-536E-DE7CF728F84E}"/>
+                <a16:creationId xmlns:a16="http://schemas.microsoft.com/office/drawing/2014/main" id="{05D79B4B-A9BD-581F-536E-DE7CF728F84E}"/>
               </a:ext>
             </a:extLst>
           </p:cNvPr>
@@ -7283,7 +7283,7 @@
           <p:cNvPr id="8" name="Date Placeholder 7">
             <a:extLst>
               <a:ext uri="{FF2B5EF4-FFF2-40B4-BE49-F238E27FC236}">
-                <a16:creationId xmlns:a16="http://schemas.microsoft.com/office/drawing/2014/main" xmlns="" id="{C5EA2E64-5690-A56B-7051-476EC7BADA55}"/>
+                <a16:creationId xmlns:a16="http://schemas.microsoft.com/office/drawing/2014/main" id="{C5EA2E64-5690-A56B-7051-476EC7BADA55}"/>
               </a:ext>
             </a:extLst>
           </p:cNvPr>
@@ -7302,7 +7302,7 @@
             <a:fld id="{28C33A21-5030-4D7B-A261-646E7F8EB457}" type="datetimeFigureOut">
               <a:rPr lang="en-IN" smtClean="0"/>
               <a:pPr/>
-              <a:t>14-01-2025</a:t>
+              <a:t>10-02-2026</a:t>
             </a:fld>
             <a:endParaRPr lang="en-IN"/>
           </a:p>
@@ -7313,10 +7313,10 @@
           <p:cNvPr id="4" name="Straight Connector 3">
             <a:extLst>
               <a:ext uri="{FF2B5EF4-FFF2-40B4-BE49-F238E27FC236}">
-                <a16:creationId xmlns:a16="http://schemas.microsoft.com/office/drawing/2014/main" xmlns="" id="{E66081BA-9135-73B1-DCE5-77FD12431F13}"/>
+                <a16:creationId xmlns:a16="http://schemas.microsoft.com/office/drawing/2014/main" id="{E66081BA-9135-73B1-DCE5-77FD12431F13}"/>
               </a:ext>
               <a:ext uri="{C183D7F6-B498-43B3-948B-1728B52AA6E4}">
-                <adec:decorative xmlns:adec="http://schemas.microsoft.com/office/drawing/2017/decorative" xmlns="" val="1"/>
+                <adec:decorative xmlns:adec="http://schemas.microsoft.com/office/drawing/2017/decorative" val="1"/>
               </a:ext>
             </a:extLst>
           </p:cNvPr>
@@ -7359,7 +7359,7 @@
     </p:spTree>
     <p:extLst>
       <p:ext uri="{BB962C8B-B14F-4D97-AF65-F5344CB8AC3E}">
-        <p14:creationId xmlns:p14="http://schemas.microsoft.com/office/powerpoint/2010/main" xmlns="" val="4094066142"/>
+        <p14:creationId xmlns:p14="http://schemas.microsoft.com/office/powerpoint/2010/main" val="4094066142"/>
       </p:ext>
     </p:extLst>
   </p:cSld>
@@ -7368,7 +7368,7 @@
   </p:clrMapOvr>
   <p:extLst>
     <p:ext uri="{DCECCB84-F9BA-43D5-87BE-67443E8EF086}">
-      <p15:sldGuideLst xmlns:p15="http://schemas.microsoft.com/office/powerpoint/2012/main" xmlns="">
+      <p15:sldGuideLst xmlns:p15="http://schemas.microsoft.com/office/powerpoint/2012/main">
         <p15:guide id="1" pos="600">
           <p15:clr>
             <a:srgbClr val="FBAE40"/>
@@ -7450,10 +7450,10 @@
           <p:cNvPr id="11" name="Group 10">
             <a:extLst>
               <a:ext uri="{FF2B5EF4-FFF2-40B4-BE49-F238E27FC236}">
-                <a16:creationId xmlns:a16="http://schemas.microsoft.com/office/drawing/2014/main" xmlns="" id="{42E558A9-6DD6-E21D-3A8F-6707E1DD19F1}"/>
+                <a16:creationId xmlns:a16="http://schemas.microsoft.com/office/drawing/2014/main" id="{42E558A9-6DD6-E21D-3A8F-6707E1DD19F1}"/>
               </a:ext>
               <a:ext uri="{C183D7F6-B498-43B3-948B-1728B52AA6E4}">
-                <adec:decorative xmlns:adec="http://schemas.microsoft.com/office/drawing/2017/decorative" xmlns="" val="1"/>
+                <adec:decorative xmlns:adec="http://schemas.microsoft.com/office/drawing/2017/decorative" val="1"/>
               </a:ext>
             </a:extLst>
           </p:cNvPr>
@@ -7473,7 +7473,7 @@
             <p:cNvPr id="12" name="AutoShape 24">
               <a:extLst>
                 <a:ext uri="{FF2B5EF4-FFF2-40B4-BE49-F238E27FC236}">
-                  <a16:creationId xmlns:a16="http://schemas.microsoft.com/office/drawing/2014/main" xmlns="" id="{3FC994E4-318C-1E66-B4E4-8F8FD08E098F}"/>
+                  <a16:creationId xmlns:a16="http://schemas.microsoft.com/office/drawing/2014/main" id="{3FC994E4-318C-1E66-B4E4-8F8FD08E098F}"/>
                 </a:ext>
               </a:extLst>
             </p:cNvPr>
@@ -7598,7 +7598,7 @@
             </a:ln>
             <a:extLst>
               <a:ext uri="{91240B29-F687-4F45-9708-019B960494DF}">
-                <a14:hiddenLine xmlns:a14="http://schemas.microsoft.com/office/drawing/2010/main" xmlns="" w="9525">
+                <a14:hiddenLine xmlns:a14="http://schemas.microsoft.com/office/drawing/2010/main" w="9525">
                   <a:solidFill>
                     <a:srgbClr val="000000"/>
                   </a:solidFill>
@@ -7624,7 +7624,7 @@
             <p:cNvPr id="13" name="Freeform 7">
               <a:extLst>
                 <a:ext uri="{FF2B5EF4-FFF2-40B4-BE49-F238E27FC236}">
-                  <a16:creationId xmlns:a16="http://schemas.microsoft.com/office/drawing/2014/main" xmlns="" id="{17C00E6B-F625-6D6C-8364-9DD9F3C3628F}"/>
+                  <a16:creationId xmlns:a16="http://schemas.microsoft.com/office/drawing/2014/main" id="{17C00E6B-F625-6D6C-8364-9DD9F3C3628F}"/>
                 </a:ext>
               </a:extLst>
             </p:cNvPr>
@@ -7710,7 +7710,7 @@
             </a:ln>
             <a:extLst>
               <a:ext uri="{91240B29-F687-4F45-9708-019B960494DF}">
-                <a14:hiddenLine xmlns:a14="http://schemas.microsoft.com/office/drawing/2010/main" xmlns="" w="9525">
+                <a14:hiddenLine xmlns:a14="http://schemas.microsoft.com/office/drawing/2010/main" w="9525">
                   <a:solidFill>
                     <a:srgbClr val="000000"/>
                   </a:solidFill>
@@ -7736,7 +7736,7 @@
             <p:cNvPr id="14" name="Freeform 8">
               <a:extLst>
                 <a:ext uri="{FF2B5EF4-FFF2-40B4-BE49-F238E27FC236}">
-                  <a16:creationId xmlns:a16="http://schemas.microsoft.com/office/drawing/2014/main" xmlns="" id="{C6197B87-4F65-7981-9463-84830CD3687F}"/>
+                  <a16:creationId xmlns:a16="http://schemas.microsoft.com/office/drawing/2014/main" id="{C6197B87-4F65-7981-9463-84830CD3687F}"/>
                 </a:ext>
               </a:extLst>
             </p:cNvPr>
@@ -7808,7 +7808,7 @@
             </a:ln>
             <a:extLst>
               <a:ext uri="{91240B29-F687-4F45-9708-019B960494DF}">
-                <a14:hiddenLine xmlns:a14="http://schemas.microsoft.com/office/drawing/2010/main" xmlns="" w="9525">
+                <a14:hiddenLine xmlns:a14="http://schemas.microsoft.com/office/drawing/2010/main" w="9525">
                   <a:solidFill>
                     <a:srgbClr val="000000"/>
                   </a:solidFill>
@@ -7834,7 +7834,7 @@
             <p:cNvPr id="18" name="Freeform 9">
               <a:extLst>
                 <a:ext uri="{FF2B5EF4-FFF2-40B4-BE49-F238E27FC236}">
-                  <a16:creationId xmlns:a16="http://schemas.microsoft.com/office/drawing/2014/main" xmlns="" id="{86AA517C-7217-D864-B7E7-40984A2880DB}"/>
+                  <a16:creationId xmlns:a16="http://schemas.microsoft.com/office/drawing/2014/main" id="{86AA517C-7217-D864-B7E7-40984A2880DB}"/>
                 </a:ext>
               </a:extLst>
             </p:cNvPr>
@@ -7934,7 +7934,7 @@
             <p:cNvPr id="19" name="Freeform 10">
               <a:extLst>
                 <a:ext uri="{FF2B5EF4-FFF2-40B4-BE49-F238E27FC236}">
-                  <a16:creationId xmlns:a16="http://schemas.microsoft.com/office/drawing/2014/main" xmlns="" id="{524013C6-491C-CAA2-5BD6-7C73596711CC}"/>
+                  <a16:creationId xmlns:a16="http://schemas.microsoft.com/office/drawing/2014/main" id="{524013C6-491C-CAA2-5BD6-7C73596711CC}"/>
                 </a:ext>
               </a:extLst>
             </p:cNvPr>
@@ -8019,7 +8019,7 @@
             </a:ln>
             <a:extLst>
               <a:ext uri="{91240B29-F687-4F45-9708-019B960494DF}">
-                <a14:hiddenLine xmlns:a14="http://schemas.microsoft.com/office/drawing/2010/main" xmlns="" w="9525">
+                <a14:hiddenLine xmlns:a14="http://schemas.microsoft.com/office/drawing/2010/main" w="9525">
                   <a:solidFill>
                     <a:srgbClr val="000000"/>
                   </a:solidFill>
@@ -8046,7 +8046,7 @@
           <p:cNvPr id="16" name="Title 1">
             <a:extLst>
               <a:ext uri="{FF2B5EF4-FFF2-40B4-BE49-F238E27FC236}">
-                <a16:creationId xmlns:a16="http://schemas.microsoft.com/office/drawing/2014/main" xmlns="" id="{109B023A-F28F-184D-BA48-3F1C0502AE0A}"/>
+                <a16:creationId xmlns:a16="http://schemas.microsoft.com/office/drawing/2014/main" id="{109B023A-F28F-184D-BA48-3F1C0502AE0A}"/>
               </a:ext>
             </a:extLst>
           </p:cNvPr>
@@ -8093,10 +8093,10 @@
           <p:cNvPr id="4" name="Straight Connector 3">
             <a:extLst>
               <a:ext uri="{FF2B5EF4-FFF2-40B4-BE49-F238E27FC236}">
-                <a16:creationId xmlns:a16="http://schemas.microsoft.com/office/drawing/2014/main" xmlns="" id="{E66081BA-9135-73B1-DCE5-77FD12431F13}"/>
+                <a16:creationId xmlns:a16="http://schemas.microsoft.com/office/drawing/2014/main" id="{E66081BA-9135-73B1-DCE5-77FD12431F13}"/>
               </a:ext>
               <a:ext uri="{C183D7F6-B498-43B3-948B-1728B52AA6E4}">
-                <adec:decorative xmlns:adec="http://schemas.microsoft.com/office/drawing/2017/decorative" xmlns="" val="1"/>
+                <adec:decorative xmlns:adec="http://schemas.microsoft.com/office/drawing/2017/decorative" val="1"/>
               </a:ext>
             </a:extLst>
           </p:cNvPr>
@@ -8141,7 +8141,7 @@
           <p:cNvPr id="7" name="Content Placeholder 5">
             <a:extLst>
               <a:ext uri="{FF2B5EF4-FFF2-40B4-BE49-F238E27FC236}">
-                <a16:creationId xmlns:a16="http://schemas.microsoft.com/office/drawing/2014/main" xmlns="" id="{8007FA9C-C4D5-89EC-C457-5F329A338E1E}"/>
+                <a16:creationId xmlns:a16="http://schemas.microsoft.com/office/drawing/2014/main" id="{8007FA9C-C4D5-89EC-C457-5F329A338E1E}"/>
               </a:ext>
             </a:extLst>
           </p:cNvPr>
@@ -8236,7 +8236,7 @@
           <p:cNvPr id="2" name="Content Placeholder 5">
             <a:extLst>
               <a:ext uri="{FF2B5EF4-FFF2-40B4-BE49-F238E27FC236}">
-                <a16:creationId xmlns:a16="http://schemas.microsoft.com/office/drawing/2014/main" xmlns="" id="{3AC171DA-232D-44C1-6B93-40BACB298F4B}"/>
+                <a16:creationId xmlns:a16="http://schemas.microsoft.com/office/drawing/2014/main" id="{3AC171DA-232D-44C1-6B93-40BACB298F4B}"/>
               </a:ext>
             </a:extLst>
           </p:cNvPr>
@@ -8333,7 +8333,7 @@
           <p:cNvPr id="10" name="Slide Number Placeholder 9">
             <a:extLst>
               <a:ext uri="{FF2B5EF4-FFF2-40B4-BE49-F238E27FC236}">
-                <a16:creationId xmlns:a16="http://schemas.microsoft.com/office/drawing/2014/main" xmlns="" id="{05D79B4B-A9BD-581F-536E-DE7CF728F84E}"/>
+                <a16:creationId xmlns:a16="http://schemas.microsoft.com/office/drawing/2014/main" id="{05D79B4B-A9BD-581F-536E-DE7CF728F84E}"/>
               </a:ext>
             </a:extLst>
           </p:cNvPr>
@@ -8363,7 +8363,7 @@
           <p:cNvPr id="8" name="Date Placeholder 7">
             <a:extLst>
               <a:ext uri="{FF2B5EF4-FFF2-40B4-BE49-F238E27FC236}">
-                <a16:creationId xmlns:a16="http://schemas.microsoft.com/office/drawing/2014/main" xmlns="" id="{C5EA2E64-5690-A56B-7051-476EC7BADA55}"/>
+                <a16:creationId xmlns:a16="http://schemas.microsoft.com/office/drawing/2014/main" id="{C5EA2E64-5690-A56B-7051-476EC7BADA55}"/>
               </a:ext>
             </a:extLst>
           </p:cNvPr>
@@ -8382,7 +8382,7 @@
             <a:fld id="{28C33A21-5030-4D7B-A261-646E7F8EB457}" type="datetimeFigureOut">
               <a:rPr lang="en-IN" smtClean="0"/>
               <a:pPr/>
-              <a:t>14-01-2025</a:t>
+              <a:t>10-02-2026</a:t>
             </a:fld>
             <a:endParaRPr lang="en-IN"/>
           </a:p>
@@ -8391,7 +8391,7 @@
     </p:spTree>
     <p:extLst>
       <p:ext uri="{BB962C8B-B14F-4D97-AF65-F5344CB8AC3E}">
-        <p14:creationId xmlns:p14="http://schemas.microsoft.com/office/powerpoint/2010/main" xmlns="" val="2630509431"/>
+        <p14:creationId xmlns:p14="http://schemas.microsoft.com/office/powerpoint/2010/main" val="2630509431"/>
       </p:ext>
     </p:extLst>
   </p:cSld>
@@ -8400,7 +8400,7 @@
   </p:clrMapOvr>
   <p:extLst>
     <p:ext uri="{DCECCB84-F9BA-43D5-87BE-67443E8EF086}">
-      <p15:sldGuideLst xmlns:p15="http://schemas.microsoft.com/office/powerpoint/2012/main" xmlns="">
+      <p15:sldGuideLst xmlns:p15="http://schemas.microsoft.com/office/powerpoint/2012/main">
         <p15:guide id="1" pos="600">
           <p15:clr>
             <a:srgbClr val="FBAE40"/>
@@ -8482,7 +8482,7 @@
           <p:cNvPr id="16" name="Title 1">
             <a:extLst>
               <a:ext uri="{FF2B5EF4-FFF2-40B4-BE49-F238E27FC236}">
-                <a16:creationId xmlns:a16="http://schemas.microsoft.com/office/drawing/2014/main" xmlns="" id="{109B023A-F28F-184D-BA48-3F1C0502AE0A}"/>
+                <a16:creationId xmlns:a16="http://schemas.microsoft.com/office/drawing/2014/main" id="{109B023A-F28F-184D-BA48-3F1C0502AE0A}"/>
               </a:ext>
             </a:extLst>
           </p:cNvPr>
@@ -8529,7 +8529,7 @@
           <p:cNvPr id="3" name="Content Placeholder 5">
             <a:extLst>
               <a:ext uri="{FF2B5EF4-FFF2-40B4-BE49-F238E27FC236}">
-                <a16:creationId xmlns:a16="http://schemas.microsoft.com/office/drawing/2014/main" xmlns="" id="{1EF4505D-6803-3813-7738-049963427819}"/>
+                <a16:creationId xmlns:a16="http://schemas.microsoft.com/office/drawing/2014/main" id="{1EF4505D-6803-3813-7738-049963427819}"/>
               </a:ext>
             </a:extLst>
           </p:cNvPr>
@@ -8626,10 +8626,10 @@
           <p:cNvPr id="4" name="Straight Connector 3">
             <a:extLst>
               <a:ext uri="{FF2B5EF4-FFF2-40B4-BE49-F238E27FC236}">
-                <a16:creationId xmlns:a16="http://schemas.microsoft.com/office/drawing/2014/main" xmlns="" id="{E66081BA-9135-73B1-DCE5-77FD12431F13}"/>
+                <a16:creationId xmlns:a16="http://schemas.microsoft.com/office/drawing/2014/main" id="{E66081BA-9135-73B1-DCE5-77FD12431F13}"/>
               </a:ext>
               <a:ext uri="{C183D7F6-B498-43B3-948B-1728B52AA6E4}">
-                <adec:decorative xmlns:adec="http://schemas.microsoft.com/office/drawing/2017/decorative" xmlns="" val="1"/>
+                <adec:decorative xmlns:adec="http://schemas.microsoft.com/office/drawing/2017/decorative" val="1"/>
               </a:ext>
             </a:extLst>
           </p:cNvPr>
@@ -8674,7 +8674,7 @@
           <p:cNvPr id="12" name="Picture Placeholder 11">
             <a:extLst>
               <a:ext uri="{FF2B5EF4-FFF2-40B4-BE49-F238E27FC236}">
-                <a16:creationId xmlns:a16="http://schemas.microsoft.com/office/drawing/2014/main" xmlns="" id="{4658637A-5D36-6127-19BC-C203E23FA49F}"/>
+                <a16:creationId xmlns:a16="http://schemas.microsoft.com/office/drawing/2014/main" id="{4658637A-5D36-6127-19BC-C203E23FA49F}"/>
               </a:ext>
             </a:extLst>
           </p:cNvPr>
@@ -8719,7 +8719,7 @@
           <p:cNvPr id="10" name="Slide Number Placeholder 9">
             <a:extLst>
               <a:ext uri="{FF2B5EF4-FFF2-40B4-BE49-F238E27FC236}">
-                <a16:creationId xmlns:a16="http://schemas.microsoft.com/office/drawing/2014/main" xmlns="" id="{05D79B4B-A9BD-581F-536E-DE7CF728F84E}"/>
+                <a16:creationId xmlns:a16="http://schemas.microsoft.com/office/drawing/2014/main" id="{05D79B4B-A9BD-581F-536E-DE7CF728F84E}"/>
               </a:ext>
             </a:extLst>
           </p:cNvPr>
@@ -8749,7 +8749,7 @@
           <p:cNvPr id="8" name="Date Placeholder 7">
             <a:extLst>
               <a:ext uri="{FF2B5EF4-FFF2-40B4-BE49-F238E27FC236}">
-                <a16:creationId xmlns:a16="http://schemas.microsoft.com/office/drawing/2014/main" xmlns="" id="{C5EA2E64-5690-A56B-7051-476EC7BADA55}"/>
+                <a16:creationId xmlns:a16="http://schemas.microsoft.com/office/drawing/2014/main" id="{C5EA2E64-5690-A56B-7051-476EC7BADA55}"/>
               </a:ext>
             </a:extLst>
           </p:cNvPr>
@@ -8768,7 +8768,7 @@
             <a:fld id="{28C33A21-5030-4D7B-A261-646E7F8EB457}" type="datetimeFigureOut">
               <a:rPr lang="en-IN" smtClean="0"/>
               <a:pPr/>
-              <a:t>14-01-2025</a:t>
+              <a:t>10-02-2026</a:t>
             </a:fld>
             <a:endParaRPr lang="en-IN"/>
           </a:p>
@@ -8777,7 +8777,7 @@
     </p:spTree>
     <p:extLst>
       <p:ext uri="{BB962C8B-B14F-4D97-AF65-F5344CB8AC3E}">
-        <p14:creationId xmlns:p14="http://schemas.microsoft.com/office/powerpoint/2010/main" xmlns="" val="2403767472"/>
+        <p14:creationId xmlns:p14="http://schemas.microsoft.com/office/powerpoint/2010/main" val="2403767472"/>
       </p:ext>
     </p:extLst>
   </p:cSld>
@@ -8786,7 +8786,7 @@
   </p:clrMapOvr>
   <p:extLst>
     <p:ext uri="{DCECCB84-F9BA-43D5-87BE-67443E8EF086}">
-      <p15:sldGuideLst xmlns:p15="http://schemas.microsoft.com/office/powerpoint/2012/main" xmlns="">
+      <p15:sldGuideLst xmlns:p15="http://schemas.microsoft.com/office/powerpoint/2012/main">
         <p15:guide id="1" pos="600">
           <p15:clr>
             <a:srgbClr val="FBAE40"/>
@@ -8868,7 +8868,7 @@
           <p:cNvPr id="3" name="Text Placeholder 2">
             <a:extLst>
               <a:ext uri="{FF2B5EF4-FFF2-40B4-BE49-F238E27FC236}">
-                <a16:creationId xmlns:a16="http://schemas.microsoft.com/office/drawing/2014/main" xmlns="" id="{8EED84C6-50E6-6C43-8031-AFF6268E0C06}"/>
+                <a16:creationId xmlns:a16="http://schemas.microsoft.com/office/drawing/2014/main" id="{8EED84C6-50E6-6C43-8031-AFF6268E0C06}"/>
               </a:ext>
             </a:extLst>
           </p:cNvPr>
@@ -8936,7 +8936,7 @@
           <p:cNvPr id="12" name="Title Placeholder 11">
             <a:extLst>
               <a:ext uri="{FF2B5EF4-FFF2-40B4-BE49-F238E27FC236}">
-                <a16:creationId xmlns:a16="http://schemas.microsoft.com/office/drawing/2014/main" xmlns="" id="{D41FC0AE-253D-D242-9C88-017078F8A23A}"/>
+                <a16:creationId xmlns:a16="http://schemas.microsoft.com/office/drawing/2014/main" id="{D41FC0AE-253D-D242-9C88-017078F8A23A}"/>
               </a:ext>
             </a:extLst>
           </p:cNvPr>
@@ -8975,7 +8975,7 @@
           <p:cNvPr id="30" name="Date Placeholder 3">
             <a:extLst>
               <a:ext uri="{FF2B5EF4-FFF2-40B4-BE49-F238E27FC236}">
-                <a16:creationId xmlns:a16="http://schemas.microsoft.com/office/drawing/2014/main" xmlns="" id="{EF47083A-6D76-4B4D-87CA-E08E212F781D}"/>
+                <a16:creationId xmlns:a16="http://schemas.microsoft.com/office/drawing/2014/main" id="{EF47083A-6D76-4B4D-87CA-E08E212F781D}"/>
               </a:ext>
             </a:extLst>
           </p:cNvPr>
@@ -9011,7 +9011,7 @@
             <a:fld id="{28C33A21-5030-4D7B-A261-646E7F8EB457}" type="datetimeFigureOut">
               <a:rPr lang="en-IN" smtClean="0"/>
               <a:pPr/>
-              <a:t>14-01-2025</a:t>
+              <a:t>10-02-2026</a:t>
             </a:fld>
             <a:endParaRPr lang="en-IN"/>
           </a:p>
@@ -9022,7 +9022,7 @@
           <p:cNvPr id="32" name="Slide Number Placeholder 5">
             <a:extLst>
               <a:ext uri="{FF2B5EF4-FFF2-40B4-BE49-F238E27FC236}">
-                <a16:creationId xmlns:a16="http://schemas.microsoft.com/office/drawing/2014/main" xmlns="" id="{C8ADA0DF-3751-9A48-8A21-59F01C782D7C}"/>
+                <a16:creationId xmlns:a16="http://schemas.microsoft.com/office/drawing/2014/main" id="{C8ADA0DF-3751-9A48-8A21-59F01C782D7C}"/>
               </a:ext>
             </a:extLst>
           </p:cNvPr>
@@ -9067,7 +9067,7 @@
     </p:spTree>
     <p:extLst>
       <p:ext uri="{BB962C8B-B14F-4D97-AF65-F5344CB8AC3E}">
-        <p14:creationId xmlns:p14="http://schemas.microsoft.com/office/powerpoint/2010/main" xmlns="" val="3148395023"/>
+        <p14:creationId xmlns:p14="http://schemas.microsoft.com/office/powerpoint/2010/main" val="3148395023"/>
       </p:ext>
     </p:extLst>
   </p:cSld>
@@ -9428,7 +9428,7 @@
   </p:txStyles>
   <p:extLst>
     <p:ext uri="{27BBF7A9-308A-43DC-89C8-2F10F3537804}">
-      <p15:sldGuideLst xmlns:p15="http://schemas.microsoft.com/office/powerpoint/2012/main" xmlns="">
+      <p15:sldGuideLst xmlns:p15="http://schemas.microsoft.com/office/powerpoint/2012/main">
         <p15:guide id="1" orient="horz" pos="2160">
           <p15:clr>
             <a:srgbClr val="A4A3A4"/>
@@ -9608,13 +9608,6 @@
   <p:clrMapOvr>
     <a:masterClrMapping/>
   </p:clrMapOvr>
-  <p:timing>
-    <p:tnLst>
-      <p:par>
-        <p:cTn id="1" dur="indefinite" restart="never" nodeType="tmRoot"/>
-      </p:par>
-    </p:tnLst>
-  </p:timing>
 </p:sld>
 </file>
 
@@ -9640,7 +9633,7 @@
           <p:cNvPr id="10242" name="Text Box 1">
             <a:extLst>
               <a:ext uri="{FF2B5EF4-FFF2-40B4-BE49-F238E27FC236}">
-                <a16:creationId xmlns:a16="http://schemas.microsoft.com/office/drawing/2014/main" xmlns="" id="{52D8AABF-8150-4DB0-179A-D08727AEBA0B}"/>
+                <a16:creationId xmlns:a16="http://schemas.microsoft.com/office/drawing/2014/main" id="{52D8AABF-8150-4DB0-179A-D08727AEBA0B}"/>
               </a:ext>
             </a:extLst>
           </p:cNvPr>
@@ -9663,14 +9656,14 @@
           </a:ln>
           <a:extLst>
             <a:ext uri="{909E8E84-426E-40DD-AFC4-6F175D3DCCD1}">
-              <a14:hiddenFill xmlns:a14="http://schemas.microsoft.com/office/drawing/2010/main" xmlns="">
+              <a14:hiddenFill xmlns:a14="http://schemas.microsoft.com/office/drawing/2010/main">
                 <a:solidFill>
                   <a:srgbClr val="FFFFFF"/>
                 </a:solidFill>
               </a14:hiddenFill>
             </a:ext>
             <a:ext uri="{91240B29-F687-4F45-9708-019B960494DF}">
-              <a14:hiddenLine xmlns:a14="http://schemas.microsoft.com/office/drawing/2010/main" xmlns="" w="9525">
+              <a14:hiddenLine xmlns:a14="http://schemas.microsoft.com/office/drawing/2010/main" w="9525">
                 <a:solidFill>
                   <a:srgbClr val="000000"/>
                 </a:solidFill>
@@ -10087,7 +10080,7 @@
           <p:cNvPr id="13314" name="Text Box 2">
             <a:extLst>
               <a:ext uri="{FF2B5EF4-FFF2-40B4-BE49-F238E27FC236}">
-                <a16:creationId xmlns:a16="http://schemas.microsoft.com/office/drawing/2014/main" xmlns="" id="{AC4E3C81-A98A-43E0-B8D3-51771FA98F59}"/>
+                <a16:creationId xmlns:a16="http://schemas.microsoft.com/office/drawing/2014/main" id="{AC4E3C81-A98A-43E0-B8D3-51771FA98F59}"/>
               </a:ext>
             </a:extLst>
           </p:cNvPr>
@@ -10525,7 +10518,7 @@
           <p:cNvPr id="5" name="Picture 4">
             <a:extLst>
               <a:ext uri="{FF2B5EF4-FFF2-40B4-BE49-F238E27FC236}">
-                <a16:creationId xmlns:a16="http://schemas.microsoft.com/office/drawing/2014/main" xmlns="" id="{1DE225C6-4803-DBFA-865A-C75C2B30C94B}"/>
+                <a16:creationId xmlns:a16="http://schemas.microsoft.com/office/drawing/2014/main" id="{1DE225C6-4803-DBFA-865A-C75C2B30C94B}"/>
               </a:ext>
             </a:extLst>
           </p:cNvPr>
@@ -10538,7 +10531,7 @@
           <a:blip r:embed="rId2">
             <a:extLst>
               <a:ext uri="{28A0092B-C50C-407E-A947-70E740481C1C}">
-                <a14:useLocalDpi xmlns:a14="http://schemas.microsoft.com/office/drawing/2010/main" xmlns="" val="0"/>
+                <a14:useLocalDpi xmlns:a14="http://schemas.microsoft.com/office/drawing/2010/main" val="0"/>
               </a:ext>
             </a:extLst>
           </a:blip>
@@ -10560,7 +10553,7 @@
           <p:cNvPr id="2" name="Title 1">
             <a:extLst>
               <a:ext uri="{FF2B5EF4-FFF2-40B4-BE49-F238E27FC236}">
-                <a16:creationId xmlns:a16="http://schemas.microsoft.com/office/drawing/2014/main" xmlns="" id="{F5D384CA-E7EA-AA7E-605E-102EB90DA481}"/>
+                <a16:creationId xmlns:a16="http://schemas.microsoft.com/office/drawing/2014/main" id="{F5D384CA-E7EA-AA7E-605E-102EB90DA481}"/>
               </a:ext>
             </a:extLst>
           </p:cNvPr>
@@ -10595,7 +10588,7 @@
           <p:cNvPr id="7" name="Content Placeholder 3">
             <a:extLst>
               <a:ext uri="{FF2B5EF4-FFF2-40B4-BE49-F238E27FC236}">
-                <a16:creationId xmlns:a16="http://schemas.microsoft.com/office/drawing/2014/main" xmlns="" id="{786D016A-BB63-BC72-7B6D-7929EDD32604}"/>
+                <a16:creationId xmlns:a16="http://schemas.microsoft.com/office/drawing/2014/main" id="{786D016A-BB63-BC72-7B6D-7929EDD32604}"/>
               </a:ext>
             </a:extLst>
           </p:cNvPr>
@@ -10724,20 +10717,13 @@
     </p:spTree>
     <p:extLst>
       <p:ext uri="{BB962C8B-B14F-4D97-AF65-F5344CB8AC3E}">
-        <p14:creationId xmlns:p14="http://schemas.microsoft.com/office/powerpoint/2010/main" xmlns="" val="2509487536"/>
+        <p14:creationId xmlns:p14="http://schemas.microsoft.com/office/powerpoint/2010/main" val="2509487536"/>
       </p:ext>
     </p:extLst>
   </p:cSld>
   <p:clrMapOvr>
     <a:masterClrMapping/>
   </p:clrMapOvr>
-  <p:timing>
-    <p:tnLst>
-      <p:par>
-        <p:cTn id="1" dur="indefinite" restart="never" nodeType="tmRoot"/>
-      </p:par>
-    </p:tnLst>
-  </p:timing>
 </p:sld>
 </file>
 
@@ -10763,7 +10749,7 @@
           <p:cNvPr id="2" name="Title 1">
             <a:extLst>
               <a:ext uri="{FF2B5EF4-FFF2-40B4-BE49-F238E27FC236}">
-                <a16:creationId xmlns:a16="http://schemas.microsoft.com/office/drawing/2014/main" xmlns="" id="{3F3AAE83-E854-CBC8-81E2-69A2892FD42B}"/>
+                <a16:creationId xmlns:a16="http://schemas.microsoft.com/office/drawing/2014/main" id="{3F3AAE83-E854-CBC8-81E2-69A2892FD42B}"/>
               </a:ext>
             </a:extLst>
           </p:cNvPr>
@@ -10792,7 +10778,7 @@
           <p:cNvPr id="3" name="Content Placeholder 2">
             <a:extLst>
               <a:ext uri="{FF2B5EF4-FFF2-40B4-BE49-F238E27FC236}">
-                <a16:creationId xmlns:a16="http://schemas.microsoft.com/office/drawing/2014/main" xmlns="" id="{94C78C9A-ED2A-D365-8FB6-B2355E309873}"/>
+                <a16:creationId xmlns:a16="http://schemas.microsoft.com/office/drawing/2014/main" id="{94C78C9A-ED2A-D365-8FB6-B2355E309873}"/>
               </a:ext>
             </a:extLst>
           </p:cNvPr>
@@ -10870,7 +10856,7 @@
     </p:spTree>
     <p:extLst>
       <p:ext uri="{BB962C8B-B14F-4D97-AF65-F5344CB8AC3E}">
-        <p14:creationId xmlns:p14="http://schemas.microsoft.com/office/powerpoint/2010/main" xmlns="" val="716212152"/>
+        <p14:creationId xmlns:p14="http://schemas.microsoft.com/office/powerpoint/2010/main" val="716212152"/>
       </p:ext>
     </p:extLst>
   </p:cSld>
@@ -10907,7 +10893,7 @@
           <p:nvPr>
             <p:extLst>
               <p:ext uri="{D42A27DB-BD31-4B8C-83A1-F6EECF244321}">
-                <p14:modId xmlns:p14="http://schemas.microsoft.com/office/powerpoint/2010/main" xmlns="" val="1726365024"/>
+                <p14:modId xmlns:p14="http://schemas.microsoft.com/office/powerpoint/2010/main" val="1726365024"/>
               </p:ext>
             </p:extLst>
           </p:nvPr>
@@ -10926,21 +10912,21 @@
                 <a:gridCol w="386603">
                   <a:extLst>
                     <a:ext uri="{9D8B030D-6E8A-4147-A177-3AD203B41FA5}">
-                      <a16:colId xmlns:a16="http://schemas.microsoft.com/office/drawing/2014/main" xmlns="" val="20000"/>
+                      <a16:colId xmlns:a16="http://schemas.microsoft.com/office/drawing/2014/main" val="20000"/>
                     </a:ext>
                   </a:extLst>
                 </a:gridCol>
                 <a:gridCol w="408454">
                   <a:extLst>
                     <a:ext uri="{9D8B030D-6E8A-4147-A177-3AD203B41FA5}">
-                      <a16:colId xmlns:a16="http://schemas.microsoft.com/office/drawing/2014/main" xmlns="" val="20001"/>
+                      <a16:colId xmlns:a16="http://schemas.microsoft.com/office/drawing/2014/main" val="20001"/>
                     </a:ext>
                   </a:extLst>
                 </a:gridCol>
                 <a:gridCol w="386603">
                   <a:extLst>
                     <a:ext uri="{9D8B030D-6E8A-4147-A177-3AD203B41FA5}">
-                      <a16:colId xmlns:a16="http://schemas.microsoft.com/office/drawing/2014/main" xmlns="" val="20002"/>
+                      <a16:colId xmlns:a16="http://schemas.microsoft.com/office/drawing/2014/main" val="20002"/>
                     </a:ext>
                   </a:extLst>
                 </a:gridCol>
@@ -11056,7 +11042,7 @@
                 </a:tc>
                 <a:extLst>
                   <a:ext uri="{0D108BD9-81ED-4DB2-BD59-A6C34878D82A}">
-                    <a16:rowId xmlns:a16="http://schemas.microsoft.com/office/drawing/2014/main" xmlns="" val="10000"/>
+                    <a16:rowId xmlns:a16="http://schemas.microsoft.com/office/drawing/2014/main" val="10000"/>
                   </a:ext>
                 </a:extLst>
               </a:tr>
@@ -11171,7 +11157,7 @@
                 </a:tc>
                 <a:extLst>
                   <a:ext uri="{0D108BD9-81ED-4DB2-BD59-A6C34878D82A}">
-                    <a16:rowId xmlns:a16="http://schemas.microsoft.com/office/drawing/2014/main" xmlns="" val="10001"/>
+                    <a16:rowId xmlns:a16="http://schemas.microsoft.com/office/drawing/2014/main" val="10001"/>
                   </a:ext>
                 </a:extLst>
               </a:tr>
@@ -15943,7 +15929,7 @@
           <p:cNvPr id="89" name="Title 88">
             <a:extLst>
               <a:ext uri="{FF2B5EF4-FFF2-40B4-BE49-F238E27FC236}">
-                <a16:creationId xmlns:a16="http://schemas.microsoft.com/office/drawing/2014/main" xmlns="" id="{E8684748-C819-99FB-5A7D-0CA200094B70}"/>
+                <a16:creationId xmlns:a16="http://schemas.microsoft.com/office/drawing/2014/main" id="{E8684748-C819-99FB-5A7D-0CA200094B70}"/>
               </a:ext>
             </a:extLst>
           </p:cNvPr>
@@ -15977,7 +15963,7 @@
           <p:cNvPr id="3" name="Arrow: Up 2">
             <a:extLst>
               <a:ext uri="{FF2B5EF4-FFF2-40B4-BE49-F238E27FC236}">
-                <a16:creationId xmlns:a16="http://schemas.microsoft.com/office/drawing/2014/main" xmlns="" id="{B7F830AE-CEB7-5F97-4646-4124AB5BD2E1}"/>
+                <a16:creationId xmlns:a16="http://schemas.microsoft.com/office/drawing/2014/main" id="{B7F830AE-CEB7-5F97-4646-4124AB5BD2E1}"/>
               </a:ext>
             </a:extLst>
           </p:cNvPr>
@@ -16032,7 +16018,7 @@
           <p:cNvPr id="36" name="Arrow: Up 35">
             <a:extLst>
               <a:ext uri="{FF2B5EF4-FFF2-40B4-BE49-F238E27FC236}">
-                <a16:creationId xmlns:a16="http://schemas.microsoft.com/office/drawing/2014/main" xmlns="" id="{D1227515-A613-6346-71CC-3731330B4FBC}"/>
+                <a16:creationId xmlns:a16="http://schemas.microsoft.com/office/drawing/2014/main" id="{D1227515-A613-6346-71CC-3731330B4FBC}"/>
               </a:ext>
             </a:extLst>
           </p:cNvPr>
@@ -16087,13 +16073,6 @@
   <p:clrMapOvr>
     <a:masterClrMapping/>
   </p:clrMapOvr>
-  <p:timing>
-    <p:tnLst>
-      <p:par>
-        <p:cTn id="1" dur="indefinite" restart="never" nodeType="tmRoot"/>
-      </p:par>
-    </p:tnLst>
-  </p:timing>
 </p:sld>
 </file>
 
@@ -18120,13 +18099,6 @@
   <p:clrMapOvr>
     <a:masterClrMapping/>
   </p:clrMapOvr>
-  <p:timing>
-    <p:tnLst>
-      <p:par>
-        <p:cTn id="1" dur="indefinite" restart="never" nodeType="tmRoot"/>
-      </p:par>
-    </p:tnLst>
-  </p:timing>
 </p:sld>
 </file>
 
@@ -18152,7 +18124,7 @@
           <p:cNvPr id="2" name="Title 1">
             <a:extLst>
               <a:ext uri="{FF2B5EF4-FFF2-40B4-BE49-F238E27FC236}">
-                <a16:creationId xmlns:a16="http://schemas.microsoft.com/office/drawing/2014/main" xmlns="" id="{6CB6FDEE-75F8-B72C-FA82-6E1FCBD48167}"/>
+                <a16:creationId xmlns:a16="http://schemas.microsoft.com/office/drawing/2014/main" id="{6CB6FDEE-75F8-B72C-FA82-6E1FCBD48167}"/>
               </a:ext>
             </a:extLst>
           </p:cNvPr>
@@ -18186,7 +18158,7 @@
           <p:cNvPr id="7" name="Content Placeholder 3">
             <a:extLst>
               <a:ext uri="{FF2B5EF4-FFF2-40B4-BE49-F238E27FC236}">
-                <a16:creationId xmlns:a16="http://schemas.microsoft.com/office/drawing/2014/main" xmlns="" id="{786D016A-BB63-BC72-7B6D-7929EDD32604}"/>
+                <a16:creationId xmlns:a16="http://schemas.microsoft.com/office/drawing/2014/main" id="{786D016A-BB63-BC72-7B6D-7929EDD32604}"/>
               </a:ext>
             </a:extLst>
           </p:cNvPr>
@@ -18278,7 +18250,7 @@
     </p:spTree>
     <p:extLst>
       <p:ext uri="{BB962C8B-B14F-4D97-AF65-F5344CB8AC3E}">
-        <p14:creationId xmlns:p14="http://schemas.microsoft.com/office/powerpoint/2010/main" xmlns="" val="96655054"/>
+        <p14:creationId xmlns:p14="http://schemas.microsoft.com/office/powerpoint/2010/main" val="96655054"/>
       </p:ext>
     </p:extLst>
   </p:cSld>
@@ -18311,7 +18283,7 @@
           <p:cNvPr id="76" name="Title 75">
             <a:extLst>
               <a:ext uri="{FF2B5EF4-FFF2-40B4-BE49-F238E27FC236}">
-                <a16:creationId xmlns:a16="http://schemas.microsoft.com/office/drawing/2014/main" xmlns="" id="{21839979-3F7E-ADFC-17CA-7F2AAB159A35}"/>
+                <a16:creationId xmlns:a16="http://schemas.microsoft.com/office/drawing/2014/main" id="{21839979-3F7E-ADFC-17CA-7F2AAB159A35}"/>
               </a:ext>
             </a:extLst>
           </p:cNvPr>
@@ -22840,7 +22812,7 @@
             <p:cNvPr id="79" name="object 45">
               <a:extLst>
                 <a:ext uri="{FF2B5EF4-FFF2-40B4-BE49-F238E27FC236}">
-                  <a16:creationId xmlns:a16="http://schemas.microsoft.com/office/drawing/2014/main" xmlns="" id="{14DB4014-ABAC-8F1B-C678-4DC5B5B3A1CF}"/>
+                  <a16:creationId xmlns:a16="http://schemas.microsoft.com/office/drawing/2014/main" id="{14DB4014-ABAC-8F1B-C678-4DC5B5B3A1CF}"/>
                 </a:ext>
               </a:extLst>
             </p:cNvPr>
@@ -22927,7 +22899,7 @@
             <p:cNvPr id="81" name="TextBox 80">
               <a:extLst>
                 <a:ext uri="{FF2B5EF4-FFF2-40B4-BE49-F238E27FC236}">
-                  <a16:creationId xmlns:a16="http://schemas.microsoft.com/office/drawing/2014/main" xmlns="" id="{F5A24CEB-3589-6837-72ED-0685EBF21CC1}"/>
+                  <a16:creationId xmlns:a16="http://schemas.microsoft.com/office/drawing/2014/main" id="{F5A24CEB-3589-6837-72ED-0685EBF21CC1}"/>
                 </a:ext>
               </a:extLst>
             </p:cNvPr>
@@ -23087,13 +23059,6 @@
   <p:clrMapOvr>
     <a:masterClrMapping/>
   </p:clrMapOvr>
-  <p:timing>
-    <p:tnLst>
-      <p:par>
-        <p:cTn id="1" dur="indefinite" restart="never" nodeType="tmRoot"/>
-      </p:par>
-    </p:tnLst>
-  </p:timing>
 </p:sld>
 </file>
 
@@ -23119,7 +23084,7 @@
           <p:cNvPr id="2" name="Title 1">
             <a:extLst>
               <a:ext uri="{FF2B5EF4-FFF2-40B4-BE49-F238E27FC236}">
-                <a16:creationId xmlns:a16="http://schemas.microsoft.com/office/drawing/2014/main" xmlns="" id="{2D611CD9-C2B2-DB7E-DF14-62E794E71B29}"/>
+                <a16:creationId xmlns:a16="http://schemas.microsoft.com/office/drawing/2014/main" id="{2D611CD9-C2B2-DB7E-DF14-62E794E71B29}"/>
               </a:ext>
             </a:extLst>
           </p:cNvPr>
@@ -23180,7 +23145,7 @@
             <p:cNvPr id="3" name="Content Placeholder 2">
               <a:extLst>
                 <a:ext uri="{FF2B5EF4-FFF2-40B4-BE49-F238E27FC236}">
-                  <a16:creationId xmlns:a16="http://schemas.microsoft.com/office/drawing/2014/main" xmlns="" id="{9C86B71A-487C-51BE-9A62-727519F6358A}"/>
+                  <a16:creationId xmlns:a16="http://schemas.microsoft.com/office/drawing/2014/main" id="{9C86B71A-487C-51BE-9A62-727519F6358A}"/>
                 </a:ext>
               </a:extLst>
             </p:cNvPr>
@@ -23327,7 +23292,7 @@
               <p:cNvPr id="37892" name="AutoShape 5">
                 <a:extLst>
                   <a:ext uri="{FF2B5EF4-FFF2-40B4-BE49-F238E27FC236}">
-                    <a16:creationId xmlns:a16="http://schemas.microsoft.com/office/drawing/2014/main" xmlns="" id="{A38332CF-727C-2D83-BE44-464CF6081B8C}"/>
+                    <a16:creationId xmlns:a16="http://schemas.microsoft.com/office/drawing/2014/main" id="{A38332CF-727C-2D83-BE44-464CF6081B8C}"/>
                   </a:ext>
                 </a:extLst>
               </p:cNvPr>
@@ -23350,14 +23315,14 @@
               </a:ln>
               <a:extLst>
                 <a:ext uri="{909E8E84-426E-40DD-AFC4-6F175D3DCCD1}">
-                  <a14:hiddenFill xmlns:a14="http://schemas.microsoft.com/office/drawing/2010/main" xmlns="">
+                  <a14:hiddenFill xmlns:a14="http://schemas.microsoft.com/office/drawing/2010/main">
                     <a:solidFill>
                       <a:srgbClr val="FFFFFF"/>
                     </a:solidFill>
                   </a14:hiddenFill>
                 </a:ext>
                 <a:ext uri="{91240B29-F687-4F45-9708-019B960494DF}">
-                  <a14:hiddenLine xmlns:a14="http://schemas.microsoft.com/office/drawing/2010/main" xmlns="" w="9525">
+                  <a14:hiddenLine xmlns:a14="http://schemas.microsoft.com/office/drawing/2010/main" w="9525">
                     <a:solidFill>
                       <a:srgbClr val="000000"/>
                     </a:solidFill>
@@ -23389,7 +23354,7 @@
               <p:cNvPr id="37893" name="Text Box 6">
                 <a:extLst>
                   <a:ext uri="{FF2B5EF4-FFF2-40B4-BE49-F238E27FC236}">
-                    <a16:creationId xmlns:a16="http://schemas.microsoft.com/office/drawing/2014/main" xmlns="" id="{40952226-A037-E0DB-5D48-8BC2E3BE778F}"/>
+                    <a16:creationId xmlns:a16="http://schemas.microsoft.com/office/drawing/2014/main" id="{40952226-A037-E0DB-5D48-8BC2E3BE778F}"/>
                   </a:ext>
                 </a:extLst>
               </p:cNvPr>
@@ -23446,7 +23411,7 @@
               <p:cNvPr id="37894" name="Text Box 7">
                 <a:extLst>
                   <a:ext uri="{FF2B5EF4-FFF2-40B4-BE49-F238E27FC236}">
-                    <a16:creationId xmlns:a16="http://schemas.microsoft.com/office/drawing/2014/main" xmlns="" id="{0DEB3D55-E433-6E69-C093-352BFE7941DE}"/>
+                    <a16:creationId xmlns:a16="http://schemas.microsoft.com/office/drawing/2014/main" id="{0DEB3D55-E433-6E69-C093-352BFE7941DE}"/>
                   </a:ext>
                 </a:extLst>
               </p:cNvPr>
@@ -23526,7 +23491,7 @@
               <p:cNvPr id="37895" name="Text Box 8">
                 <a:extLst>
                   <a:ext uri="{FF2B5EF4-FFF2-40B4-BE49-F238E27FC236}">
-                    <a16:creationId xmlns:a16="http://schemas.microsoft.com/office/drawing/2014/main" xmlns="" id="{F32AFF38-5546-C82C-9FE3-835E88387E69}"/>
+                    <a16:creationId xmlns:a16="http://schemas.microsoft.com/office/drawing/2014/main" id="{F32AFF38-5546-C82C-9FE3-835E88387E69}"/>
                   </a:ext>
                 </a:extLst>
               </p:cNvPr>
@@ -23606,7 +23571,7 @@
               <p:cNvPr id="37896" name="Text Box 9">
                 <a:extLst>
                   <a:ext uri="{FF2B5EF4-FFF2-40B4-BE49-F238E27FC236}">
-                    <a16:creationId xmlns:a16="http://schemas.microsoft.com/office/drawing/2014/main" xmlns="" id="{A4CBB53E-8C31-572A-2C8F-0AC668E9BD40}"/>
+                    <a16:creationId xmlns:a16="http://schemas.microsoft.com/office/drawing/2014/main" id="{A4CBB53E-8C31-572A-2C8F-0AC668E9BD40}"/>
                   </a:ext>
                 </a:extLst>
               </p:cNvPr>
@@ -23686,7 +23651,7 @@
               <p:cNvPr id="37897" name="Text Box 10">
                 <a:extLst>
                   <a:ext uri="{FF2B5EF4-FFF2-40B4-BE49-F238E27FC236}">
-                    <a16:creationId xmlns:a16="http://schemas.microsoft.com/office/drawing/2014/main" xmlns="" id="{8CF1F06E-6469-30D7-7AE0-524AA657A345}"/>
+                    <a16:creationId xmlns:a16="http://schemas.microsoft.com/office/drawing/2014/main" id="{8CF1F06E-6469-30D7-7AE0-524AA657A345}"/>
                   </a:ext>
                 </a:extLst>
               </p:cNvPr>
@@ -23743,7 +23708,7 @@
               <p:cNvPr id="37898" name="Text Box 11">
                 <a:extLst>
                   <a:ext uri="{FF2B5EF4-FFF2-40B4-BE49-F238E27FC236}">
-                    <a16:creationId xmlns:a16="http://schemas.microsoft.com/office/drawing/2014/main" xmlns="" id="{C7A718FF-A0EF-4BF2-E00D-07E2EA5C76ED}"/>
+                    <a16:creationId xmlns:a16="http://schemas.microsoft.com/office/drawing/2014/main" id="{C7A718FF-A0EF-4BF2-E00D-07E2EA5C76ED}"/>
                   </a:ext>
                 </a:extLst>
               </p:cNvPr>
@@ -23805,7 +23770,7 @@
               <p:cNvPr id="37899" name="Text Box 12">
                 <a:extLst>
                   <a:ext uri="{FF2B5EF4-FFF2-40B4-BE49-F238E27FC236}">
-                    <a16:creationId xmlns:a16="http://schemas.microsoft.com/office/drawing/2014/main" xmlns="" id="{FE599266-149E-9844-5D2C-57F4AF73273B}"/>
+                    <a16:creationId xmlns:a16="http://schemas.microsoft.com/office/drawing/2014/main" id="{FE599266-149E-9844-5D2C-57F4AF73273B}"/>
                   </a:ext>
                 </a:extLst>
               </p:cNvPr>
@@ -23885,7 +23850,7 @@
               <p:cNvPr id="37900" name="Text Box 13">
                 <a:extLst>
                   <a:ext uri="{FF2B5EF4-FFF2-40B4-BE49-F238E27FC236}">
-                    <a16:creationId xmlns:a16="http://schemas.microsoft.com/office/drawing/2014/main" xmlns="" id="{BB3199FF-754D-80E1-231E-DB35453F3B8F}"/>
+                    <a16:creationId xmlns:a16="http://schemas.microsoft.com/office/drawing/2014/main" id="{BB3199FF-754D-80E1-231E-DB35453F3B8F}"/>
                   </a:ext>
                 </a:extLst>
               </p:cNvPr>
@@ -23947,7 +23912,7 @@
               <p:cNvPr id="37901" name="Text Box 14">
                 <a:extLst>
                   <a:ext uri="{FF2B5EF4-FFF2-40B4-BE49-F238E27FC236}">
-                    <a16:creationId xmlns:a16="http://schemas.microsoft.com/office/drawing/2014/main" xmlns="" id="{76551C1D-CCF4-7A29-F1B1-41FCB6C362FE}"/>
+                    <a16:creationId xmlns:a16="http://schemas.microsoft.com/office/drawing/2014/main" id="{76551C1D-CCF4-7A29-F1B1-41FCB6C362FE}"/>
                   </a:ext>
                 </a:extLst>
               </p:cNvPr>
@@ -24009,7 +23974,7 @@
               <p:cNvPr id="37902" name="Line 15">
                 <a:extLst>
                   <a:ext uri="{FF2B5EF4-FFF2-40B4-BE49-F238E27FC236}">
-                    <a16:creationId xmlns:a16="http://schemas.microsoft.com/office/drawing/2014/main" xmlns="" id="{1A502EB6-9647-2341-C138-F5C916649419}"/>
+                    <a16:creationId xmlns:a16="http://schemas.microsoft.com/office/drawing/2014/main" id="{1A502EB6-9647-2341-C138-F5C916649419}"/>
                   </a:ext>
                 </a:extLst>
               </p:cNvPr>
@@ -24037,7 +24002,7 @@
               </a:ln>
               <a:extLst>
                 <a:ext uri="{909E8E84-426E-40DD-AFC4-6F175D3DCCD1}">
-                  <a14:hiddenFill xmlns:a14="http://schemas.microsoft.com/office/drawing/2010/main" xmlns="">
+                  <a14:hiddenFill xmlns:a14="http://schemas.microsoft.com/office/drawing/2010/main">
                     <a:noFill/>
                   </a14:hiddenFill>
                 </a:ext>
@@ -24056,7 +24021,7 @@
               <p:cNvPr id="37903" name="Line 16">
                 <a:extLst>
                   <a:ext uri="{FF2B5EF4-FFF2-40B4-BE49-F238E27FC236}">
-                    <a16:creationId xmlns:a16="http://schemas.microsoft.com/office/drawing/2014/main" xmlns="" id="{9FE5749B-4C7F-1BE0-C704-B90A2F31088E}"/>
+                    <a16:creationId xmlns:a16="http://schemas.microsoft.com/office/drawing/2014/main" id="{9FE5749B-4C7F-1BE0-C704-B90A2F31088E}"/>
                   </a:ext>
                 </a:extLst>
               </p:cNvPr>
@@ -24084,7 +24049,7 @@
               </a:ln>
               <a:extLst>
                 <a:ext uri="{909E8E84-426E-40DD-AFC4-6F175D3DCCD1}">
-                  <a14:hiddenFill xmlns:a14="http://schemas.microsoft.com/office/drawing/2010/main" xmlns="">
+                  <a14:hiddenFill xmlns:a14="http://schemas.microsoft.com/office/drawing/2010/main">
                     <a:noFill/>
                   </a14:hiddenFill>
                 </a:ext>
@@ -24103,7 +24068,7 @@
               <p:cNvPr id="37904" name="Line 17">
                 <a:extLst>
                   <a:ext uri="{FF2B5EF4-FFF2-40B4-BE49-F238E27FC236}">
-                    <a16:creationId xmlns:a16="http://schemas.microsoft.com/office/drawing/2014/main" xmlns="" id="{431775C0-5A77-775B-8D71-A449A6EE2865}"/>
+                    <a16:creationId xmlns:a16="http://schemas.microsoft.com/office/drawing/2014/main" id="{431775C0-5A77-775B-8D71-A449A6EE2865}"/>
                   </a:ext>
                 </a:extLst>
               </p:cNvPr>
@@ -24131,7 +24096,7 @@
               </a:ln>
               <a:extLst>
                 <a:ext uri="{909E8E84-426E-40DD-AFC4-6F175D3DCCD1}">
-                  <a14:hiddenFill xmlns:a14="http://schemas.microsoft.com/office/drawing/2010/main" xmlns="">
+                  <a14:hiddenFill xmlns:a14="http://schemas.microsoft.com/office/drawing/2010/main">
                     <a:noFill/>
                   </a14:hiddenFill>
                 </a:ext>
@@ -24150,7 +24115,7 @@
               <p:cNvPr id="37905" name="Line 18">
                 <a:extLst>
                   <a:ext uri="{FF2B5EF4-FFF2-40B4-BE49-F238E27FC236}">
-                    <a16:creationId xmlns:a16="http://schemas.microsoft.com/office/drawing/2014/main" xmlns="" id="{84CC76EA-190E-9451-75B3-F583C5711F55}"/>
+                    <a16:creationId xmlns:a16="http://schemas.microsoft.com/office/drawing/2014/main" id="{84CC76EA-190E-9451-75B3-F583C5711F55}"/>
                   </a:ext>
                 </a:extLst>
               </p:cNvPr>
@@ -24178,7 +24143,7 @@
               </a:ln>
               <a:extLst>
                 <a:ext uri="{909E8E84-426E-40DD-AFC4-6F175D3DCCD1}">
-                  <a14:hiddenFill xmlns:a14="http://schemas.microsoft.com/office/drawing/2010/main" xmlns="">
+                  <a14:hiddenFill xmlns:a14="http://schemas.microsoft.com/office/drawing/2010/main">
                     <a:noFill/>
                   </a14:hiddenFill>
                 </a:ext>
@@ -24197,7 +24162,7 @@
               <p:cNvPr id="37906" name="Line 19">
                 <a:extLst>
                   <a:ext uri="{FF2B5EF4-FFF2-40B4-BE49-F238E27FC236}">
-                    <a16:creationId xmlns:a16="http://schemas.microsoft.com/office/drawing/2014/main" xmlns="" id="{7AFB490C-CA2E-D3D1-735A-A92FB77CF1AF}"/>
+                    <a16:creationId xmlns:a16="http://schemas.microsoft.com/office/drawing/2014/main" id="{7AFB490C-CA2E-D3D1-735A-A92FB77CF1AF}"/>
                   </a:ext>
                 </a:extLst>
               </p:cNvPr>
@@ -24225,7 +24190,7 @@
               </a:ln>
               <a:extLst>
                 <a:ext uri="{909E8E84-426E-40DD-AFC4-6F175D3DCCD1}">
-                  <a14:hiddenFill xmlns:a14="http://schemas.microsoft.com/office/drawing/2010/main" xmlns="">
+                  <a14:hiddenFill xmlns:a14="http://schemas.microsoft.com/office/drawing/2010/main">
                     <a:noFill/>
                   </a14:hiddenFill>
                 </a:ext>
@@ -24244,7 +24209,7 @@
               <p:cNvPr id="37907" name="Line 20">
                 <a:extLst>
                   <a:ext uri="{FF2B5EF4-FFF2-40B4-BE49-F238E27FC236}">
-                    <a16:creationId xmlns:a16="http://schemas.microsoft.com/office/drawing/2014/main" xmlns="" id="{52C2564A-BE83-4F20-AE66-41525C361C54}"/>
+                    <a16:creationId xmlns:a16="http://schemas.microsoft.com/office/drawing/2014/main" id="{52C2564A-BE83-4F20-AE66-41525C361C54}"/>
                   </a:ext>
                 </a:extLst>
               </p:cNvPr>
@@ -24272,7 +24237,7 @@
               </a:ln>
               <a:extLst>
                 <a:ext uri="{909E8E84-426E-40DD-AFC4-6F175D3DCCD1}">
-                  <a14:hiddenFill xmlns:a14="http://schemas.microsoft.com/office/drawing/2010/main" xmlns="">
+                  <a14:hiddenFill xmlns:a14="http://schemas.microsoft.com/office/drawing/2010/main">
                     <a:noFill/>
                   </a14:hiddenFill>
                 </a:ext>
@@ -24291,7 +24256,7 @@
               <p:cNvPr id="37908" name="Text Box 21">
                 <a:extLst>
                   <a:ext uri="{FF2B5EF4-FFF2-40B4-BE49-F238E27FC236}">
-                    <a16:creationId xmlns:a16="http://schemas.microsoft.com/office/drawing/2014/main" xmlns="" id="{7BC1465E-D548-F375-8B01-DA46C8DB91EC}"/>
+                    <a16:creationId xmlns:a16="http://schemas.microsoft.com/office/drawing/2014/main" id="{7BC1465E-D548-F375-8B01-DA46C8DB91EC}"/>
                   </a:ext>
                 </a:extLst>
               </p:cNvPr>
@@ -24371,7 +24336,7 @@
               <p:cNvPr id="37909" name="Text Box 22">
                 <a:extLst>
                   <a:ext uri="{FF2B5EF4-FFF2-40B4-BE49-F238E27FC236}">
-                    <a16:creationId xmlns:a16="http://schemas.microsoft.com/office/drawing/2014/main" xmlns="" id="{52552D0B-43E1-29A9-49C6-930E97C7D1EB}"/>
+                    <a16:creationId xmlns:a16="http://schemas.microsoft.com/office/drawing/2014/main" id="{52552D0B-43E1-29A9-49C6-930E97C7D1EB}"/>
                   </a:ext>
                 </a:extLst>
               </p:cNvPr>
@@ -24433,7 +24398,7 @@
               <p:cNvPr id="37910" name="Text Box 23">
                 <a:extLst>
                   <a:ext uri="{FF2B5EF4-FFF2-40B4-BE49-F238E27FC236}">
-                    <a16:creationId xmlns:a16="http://schemas.microsoft.com/office/drawing/2014/main" xmlns="" id="{7AAE9CA8-D2BB-013C-4CA1-36AF7872C2A3}"/>
+                    <a16:creationId xmlns:a16="http://schemas.microsoft.com/office/drawing/2014/main" id="{7AAE9CA8-D2BB-013C-4CA1-36AF7872C2A3}"/>
                   </a:ext>
                 </a:extLst>
               </p:cNvPr>
@@ -24495,7 +24460,7 @@
               <p:cNvPr id="37911" name="Line 24">
                 <a:extLst>
                   <a:ext uri="{FF2B5EF4-FFF2-40B4-BE49-F238E27FC236}">
-                    <a16:creationId xmlns:a16="http://schemas.microsoft.com/office/drawing/2014/main" xmlns="" id="{ECC26DA8-E388-A18A-F36B-42CB9577F578}"/>
+                    <a16:creationId xmlns:a16="http://schemas.microsoft.com/office/drawing/2014/main" id="{ECC26DA8-E388-A18A-F36B-42CB9577F578}"/>
                   </a:ext>
                 </a:extLst>
               </p:cNvPr>
@@ -24523,7 +24488,7 @@
               </a:ln>
               <a:extLst>
                 <a:ext uri="{909E8E84-426E-40DD-AFC4-6F175D3DCCD1}">
-                  <a14:hiddenFill xmlns:a14="http://schemas.microsoft.com/office/drawing/2010/main" xmlns="">
+                  <a14:hiddenFill xmlns:a14="http://schemas.microsoft.com/office/drawing/2010/main">
                     <a:noFill/>
                   </a14:hiddenFill>
                 </a:ext>
@@ -24542,7 +24507,7 @@
               <p:cNvPr id="37912" name="Line 25">
                 <a:extLst>
                   <a:ext uri="{FF2B5EF4-FFF2-40B4-BE49-F238E27FC236}">
-                    <a16:creationId xmlns:a16="http://schemas.microsoft.com/office/drawing/2014/main" xmlns="" id="{5AEB1C1E-3152-822D-B477-658A87217257}"/>
+                    <a16:creationId xmlns:a16="http://schemas.microsoft.com/office/drawing/2014/main" id="{5AEB1C1E-3152-822D-B477-658A87217257}"/>
                   </a:ext>
                 </a:extLst>
               </p:cNvPr>
@@ -24570,7 +24535,7 @@
               </a:ln>
               <a:extLst>
                 <a:ext uri="{909E8E84-426E-40DD-AFC4-6F175D3DCCD1}">
-                  <a14:hiddenFill xmlns:a14="http://schemas.microsoft.com/office/drawing/2010/main" xmlns="">
+                  <a14:hiddenFill xmlns:a14="http://schemas.microsoft.com/office/drawing/2010/main">
                     <a:noFill/>
                   </a14:hiddenFill>
                 </a:ext>
@@ -24589,7 +24554,7 @@
               <p:cNvPr id="37913" name="Line 26">
                 <a:extLst>
                   <a:ext uri="{FF2B5EF4-FFF2-40B4-BE49-F238E27FC236}">
-                    <a16:creationId xmlns:a16="http://schemas.microsoft.com/office/drawing/2014/main" xmlns="" id="{29D094F3-FD4E-4D20-3684-DAFEA44D297C}"/>
+                    <a16:creationId xmlns:a16="http://schemas.microsoft.com/office/drawing/2014/main" id="{29D094F3-FD4E-4D20-3684-DAFEA44D297C}"/>
                   </a:ext>
                 </a:extLst>
               </p:cNvPr>
@@ -24617,7 +24582,7 @@
               </a:ln>
               <a:extLst>
                 <a:ext uri="{909E8E84-426E-40DD-AFC4-6F175D3DCCD1}">
-                  <a14:hiddenFill xmlns:a14="http://schemas.microsoft.com/office/drawing/2010/main" xmlns="">
+                  <a14:hiddenFill xmlns:a14="http://schemas.microsoft.com/office/drawing/2010/main">
                     <a:noFill/>
                   </a14:hiddenFill>
                 </a:ext>
@@ -24636,7 +24601,7 @@
               <p:cNvPr id="37914" name="Line 27">
                 <a:extLst>
                   <a:ext uri="{FF2B5EF4-FFF2-40B4-BE49-F238E27FC236}">
-                    <a16:creationId xmlns:a16="http://schemas.microsoft.com/office/drawing/2014/main" xmlns="" id="{F3A6FA08-FC4B-705E-D81A-CA00B1EEEED7}"/>
+                    <a16:creationId xmlns:a16="http://schemas.microsoft.com/office/drawing/2014/main" id="{F3A6FA08-FC4B-705E-D81A-CA00B1EEEED7}"/>
                   </a:ext>
                 </a:extLst>
               </p:cNvPr>
@@ -24664,7 +24629,7 @@
               </a:ln>
               <a:extLst>
                 <a:ext uri="{909E8E84-426E-40DD-AFC4-6F175D3DCCD1}">
-                  <a14:hiddenFill xmlns:a14="http://schemas.microsoft.com/office/drawing/2010/main" xmlns="">
+                  <a14:hiddenFill xmlns:a14="http://schemas.microsoft.com/office/drawing/2010/main">
                     <a:noFill/>
                   </a14:hiddenFill>
                 </a:ext>
@@ -24683,7 +24648,7 @@
               <p:cNvPr id="37915" name="Line 28">
                 <a:extLst>
                   <a:ext uri="{FF2B5EF4-FFF2-40B4-BE49-F238E27FC236}">
-                    <a16:creationId xmlns:a16="http://schemas.microsoft.com/office/drawing/2014/main" xmlns="" id="{1A197B82-9CFB-338D-E957-05C7DFC2273E}"/>
+                    <a16:creationId xmlns:a16="http://schemas.microsoft.com/office/drawing/2014/main" id="{1A197B82-9CFB-338D-E957-05C7DFC2273E}"/>
                   </a:ext>
                 </a:extLst>
               </p:cNvPr>
@@ -24711,7 +24676,7 @@
               </a:ln>
               <a:extLst>
                 <a:ext uri="{909E8E84-426E-40DD-AFC4-6F175D3DCCD1}">
-                  <a14:hiddenFill xmlns:a14="http://schemas.microsoft.com/office/drawing/2010/main" xmlns="">
+                  <a14:hiddenFill xmlns:a14="http://schemas.microsoft.com/office/drawing/2010/main">
                     <a:noFill/>
                   </a14:hiddenFill>
                 </a:ext>
@@ -24730,7 +24695,7 @@
               <p:cNvPr id="37916" name="Line 29">
                 <a:extLst>
                   <a:ext uri="{FF2B5EF4-FFF2-40B4-BE49-F238E27FC236}">
-                    <a16:creationId xmlns:a16="http://schemas.microsoft.com/office/drawing/2014/main" xmlns="" id="{B1BB2E01-6BE8-F559-680B-D40E7D867815}"/>
+                    <a16:creationId xmlns:a16="http://schemas.microsoft.com/office/drawing/2014/main" id="{B1BB2E01-6BE8-F559-680B-D40E7D867815}"/>
                   </a:ext>
                 </a:extLst>
               </p:cNvPr>
@@ -24758,7 +24723,7 @@
               </a:ln>
               <a:extLst>
                 <a:ext uri="{909E8E84-426E-40DD-AFC4-6F175D3DCCD1}">
-                  <a14:hiddenFill xmlns:a14="http://schemas.microsoft.com/office/drawing/2010/main" xmlns="">
+                  <a14:hiddenFill xmlns:a14="http://schemas.microsoft.com/office/drawing/2010/main">
                     <a:noFill/>
                   </a14:hiddenFill>
                 </a:ext>
@@ -24777,7 +24742,7 @@
               <p:cNvPr id="37917" name="Text Box 30">
                 <a:extLst>
                   <a:ext uri="{FF2B5EF4-FFF2-40B4-BE49-F238E27FC236}">
-                    <a16:creationId xmlns:a16="http://schemas.microsoft.com/office/drawing/2014/main" xmlns="" id="{762D1BF8-BEF0-F67B-06B3-7D2A31B2D1DE}"/>
+                    <a16:creationId xmlns:a16="http://schemas.microsoft.com/office/drawing/2014/main" id="{762D1BF8-BEF0-F67B-06B3-7D2A31B2D1DE}"/>
                   </a:ext>
                 </a:extLst>
               </p:cNvPr>
@@ -24839,7 +24804,7 @@
               <p:cNvPr id="37918" name="Text Box 31">
                 <a:extLst>
                   <a:ext uri="{FF2B5EF4-FFF2-40B4-BE49-F238E27FC236}">
-                    <a16:creationId xmlns:a16="http://schemas.microsoft.com/office/drawing/2014/main" xmlns="" id="{8AB27AF6-8244-9CBE-19A6-F5DEFA303024}"/>
+                    <a16:creationId xmlns:a16="http://schemas.microsoft.com/office/drawing/2014/main" id="{8AB27AF6-8244-9CBE-19A6-F5DEFA303024}"/>
                   </a:ext>
                 </a:extLst>
               </p:cNvPr>
@@ -24901,7 +24866,7 @@
               <p:cNvPr id="37919" name="Text Box 32">
                 <a:extLst>
                   <a:ext uri="{FF2B5EF4-FFF2-40B4-BE49-F238E27FC236}">
-                    <a16:creationId xmlns:a16="http://schemas.microsoft.com/office/drawing/2014/main" xmlns="" id="{0531FEB9-9BB4-F858-FF78-6F298649E925}"/>
+                    <a16:creationId xmlns:a16="http://schemas.microsoft.com/office/drawing/2014/main" id="{0531FEB9-9BB4-F858-FF78-6F298649E925}"/>
                   </a:ext>
                 </a:extLst>
               </p:cNvPr>
@@ -24981,7 +24946,7 @@
               <p:cNvPr id="37920" name="Text Box 33">
                 <a:extLst>
                   <a:ext uri="{FF2B5EF4-FFF2-40B4-BE49-F238E27FC236}">
-                    <a16:creationId xmlns:a16="http://schemas.microsoft.com/office/drawing/2014/main" xmlns="" id="{24FC9F17-74E1-45CB-258C-451538F9EE72}"/>
+                    <a16:creationId xmlns:a16="http://schemas.microsoft.com/office/drawing/2014/main" id="{24FC9F17-74E1-45CB-258C-451538F9EE72}"/>
                   </a:ext>
                 </a:extLst>
               </p:cNvPr>
@@ -25043,7 +25008,7 @@
               <p:cNvPr id="37921" name="Text Box 34">
                 <a:extLst>
                   <a:ext uri="{FF2B5EF4-FFF2-40B4-BE49-F238E27FC236}">
-                    <a16:creationId xmlns:a16="http://schemas.microsoft.com/office/drawing/2014/main" xmlns="" id="{B029C47E-F234-335B-DDEC-887F1A886B47}"/>
+                    <a16:creationId xmlns:a16="http://schemas.microsoft.com/office/drawing/2014/main" id="{B029C47E-F234-335B-DDEC-887F1A886B47}"/>
                   </a:ext>
                 </a:extLst>
               </p:cNvPr>
@@ -25105,7 +25070,7 @@
               <p:cNvPr id="37922" name="Line 35">
                 <a:extLst>
                   <a:ext uri="{FF2B5EF4-FFF2-40B4-BE49-F238E27FC236}">
-                    <a16:creationId xmlns:a16="http://schemas.microsoft.com/office/drawing/2014/main" xmlns="" id="{BAE53630-BA76-AD83-FE63-F33C84D025E6}"/>
+                    <a16:creationId xmlns:a16="http://schemas.microsoft.com/office/drawing/2014/main" id="{BAE53630-BA76-AD83-FE63-F33C84D025E6}"/>
                   </a:ext>
                 </a:extLst>
               </p:cNvPr>
@@ -25133,7 +25098,7 @@
               </a:ln>
               <a:extLst>
                 <a:ext uri="{909E8E84-426E-40DD-AFC4-6F175D3DCCD1}">
-                  <a14:hiddenFill xmlns:a14="http://schemas.microsoft.com/office/drawing/2010/main" xmlns="">
+                  <a14:hiddenFill xmlns:a14="http://schemas.microsoft.com/office/drawing/2010/main">
                     <a:noFill/>
                   </a14:hiddenFill>
                 </a:ext>
@@ -25152,7 +25117,7 @@
               <p:cNvPr id="37923" name="Line 36">
                 <a:extLst>
                   <a:ext uri="{FF2B5EF4-FFF2-40B4-BE49-F238E27FC236}">
-                    <a16:creationId xmlns:a16="http://schemas.microsoft.com/office/drawing/2014/main" xmlns="" id="{5D4E340F-12EA-5804-90D7-BCCBE0B20AE0}"/>
+                    <a16:creationId xmlns:a16="http://schemas.microsoft.com/office/drawing/2014/main" id="{5D4E340F-12EA-5804-90D7-BCCBE0B20AE0}"/>
                   </a:ext>
                 </a:extLst>
               </p:cNvPr>
@@ -25180,7 +25145,7 @@
               </a:ln>
               <a:extLst>
                 <a:ext uri="{909E8E84-426E-40DD-AFC4-6F175D3DCCD1}">
-                  <a14:hiddenFill xmlns:a14="http://schemas.microsoft.com/office/drawing/2010/main" xmlns="">
+                  <a14:hiddenFill xmlns:a14="http://schemas.microsoft.com/office/drawing/2010/main">
                     <a:noFill/>
                   </a14:hiddenFill>
                 </a:ext>
@@ -25199,7 +25164,7 @@
               <p:cNvPr id="37924" name="Line 37">
                 <a:extLst>
                   <a:ext uri="{FF2B5EF4-FFF2-40B4-BE49-F238E27FC236}">
-                    <a16:creationId xmlns:a16="http://schemas.microsoft.com/office/drawing/2014/main" xmlns="" id="{FA37D07E-3BDF-B50D-EBCE-AAA174FE284B}"/>
+                    <a16:creationId xmlns:a16="http://schemas.microsoft.com/office/drawing/2014/main" id="{FA37D07E-3BDF-B50D-EBCE-AAA174FE284B}"/>
                   </a:ext>
                 </a:extLst>
               </p:cNvPr>
@@ -25227,7 +25192,7 @@
               </a:ln>
               <a:extLst>
                 <a:ext uri="{909E8E84-426E-40DD-AFC4-6F175D3DCCD1}">
-                  <a14:hiddenFill xmlns:a14="http://schemas.microsoft.com/office/drawing/2010/main" xmlns="">
+                  <a14:hiddenFill xmlns:a14="http://schemas.microsoft.com/office/drawing/2010/main">
                     <a:noFill/>
                   </a14:hiddenFill>
                 </a:ext>
@@ -25246,7 +25211,7 @@
               <p:cNvPr id="37925" name="Line 38">
                 <a:extLst>
                   <a:ext uri="{FF2B5EF4-FFF2-40B4-BE49-F238E27FC236}">
-                    <a16:creationId xmlns:a16="http://schemas.microsoft.com/office/drawing/2014/main" xmlns="" id="{F82A7884-E702-BC6C-D802-DDA9F1714714}"/>
+                    <a16:creationId xmlns:a16="http://schemas.microsoft.com/office/drawing/2014/main" id="{F82A7884-E702-BC6C-D802-DDA9F1714714}"/>
                   </a:ext>
                 </a:extLst>
               </p:cNvPr>
@@ -25274,7 +25239,7 @@
               </a:ln>
               <a:extLst>
                 <a:ext uri="{909E8E84-426E-40DD-AFC4-6F175D3DCCD1}">
-                  <a14:hiddenFill xmlns:a14="http://schemas.microsoft.com/office/drawing/2010/main" xmlns="">
+                  <a14:hiddenFill xmlns:a14="http://schemas.microsoft.com/office/drawing/2010/main">
                     <a:noFill/>
                   </a14:hiddenFill>
                 </a:ext>
@@ -25293,7 +25258,7 @@
               <p:cNvPr id="37926" name="Line 39">
                 <a:extLst>
                   <a:ext uri="{FF2B5EF4-FFF2-40B4-BE49-F238E27FC236}">
-                    <a16:creationId xmlns:a16="http://schemas.microsoft.com/office/drawing/2014/main" xmlns="" id="{F333E811-A361-CF71-2EFD-D1736D7FE4F7}"/>
+                    <a16:creationId xmlns:a16="http://schemas.microsoft.com/office/drawing/2014/main" id="{F333E811-A361-CF71-2EFD-D1736D7FE4F7}"/>
                   </a:ext>
                 </a:extLst>
               </p:cNvPr>
@@ -25321,7 +25286,7 @@
               </a:ln>
               <a:extLst>
                 <a:ext uri="{909E8E84-426E-40DD-AFC4-6F175D3DCCD1}">
-                  <a14:hiddenFill xmlns:a14="http://schemas.microsoft.com/office/drawing/2010/main" xmlns="">
+                  <a14:hiddenFill xmlns:a14="http://schemas.microsoft.com/office/drawing/2010/main">
                     <a:noFill/>
                   </a14:hiddenFill>
                 </a:ext>
@@ -25340,7 +25305,7 @@
               <p:cNvPr id="37927" name="Line 40">
                 <a:extLst>
                   <a:ext uri="{FF2B5EF4-FFF2-40B4-BE49-F238E27FC236}">
-                    <a16:creationId xmlns:a16="http://schemas.microsoft.com/office/drawing/2014/main" xmlns="" id="{1B4E5235-C997-EB1C-625A-65B34B360C06}"/>
+                    <a16:creationId xmlns:a16="http://schemas.microsoft.com/office/drawing/2014/main" id="{1B4E5235-C997-EB1C-625A-65B34B360C06}"/>
                   </a:ext>
                 </a:extLst>
               </p:cNvPr>
@@ -25368,7 +25333,7 @@
               </a:ln>
               <a:extLst>
                 <a:ext uri="{909E8E84-426E-40DD-AFC4-6F175D3DCCD1}">
-                  <a14:hiddenFill xmlns:a14="http://schemas.microsoft.com/office/drawing/2010/main" xmlns="">
+                  <a14:hiddenFill xmlns:a14="http://schemas.microsoft.com/office/drawing/2010/main">
                     <a:noFill/>
                   </a14:hiddenFill>
                 </a:ext>
@@ -25387,7 +25352,7 @@
               <p:cNvPr id="37928" name="Text Box 41">
                 <a:extLst>
                   <a:ext uri="{FF2B5EF4-FFF2-40B4-BE49-F238E27FC236}">
-                    <a16:creationId xmlns:a16="http://schemas.microsoft.com/office/drawing/2014/main" xmlns="" id="{0667E8ED-92A4-7519-5BB5-5A4761882FE1}"/>
+                    <a16:creationId xmlns:a16="http://schemas.microsoft.com/office/drawing/2014/main" id="{0667E8ED-92A4-7519-5BB5-5A4761882FE1}"/>
                   </a:ext>
                 </a:extLst>
               </p:cNvPr>
@@ -25467,7 +25432,7 @@
               <p:cNvPr id="37929" name="Text Box 42">
                 <a:extLst>
                   <a:ext uri="{FF2B5EF4-FFF2-40B4-BE49-F238E27FC236}">
-                    <a16:creationId xmlns:a16="http://schemas.microsoft.com/office/drawing/2014/main" xmlns="" id="{814BF400-2B64-DF99-8C20-10AAC8E38EE0}"/>
+                    <a16:creationId xmlns:a16="http://schemas.microsoft.com/office/drawing/2014/main" id="{814BF400-2B64-DF99-8C20-10AAC8E38EE0}"/>
                   </a:ext>
                 </a:extLst>
               </p:cNvPr>
@@ -25529,7 +25494,7 @@
               <p:cNvPr id="37930" name="Text Box 43">
                 <a:extLst>
                   <a:ext uri="{FF2B5EF4-FFF2-40B4-BE49-F238E27FC236}">
-                    <a16:creationId xmlns:a16="http://schemas.microsoft.com/office/drawing/2014/main" xmlns="" id="{C8B40D6A-2AB4-E2B7-3C79-C6B408390180}"/>
+                    <a16:creationId xmlns:a16="http://schemas.microsoft.com/office/drawing/2014/main" id="{C8B40D6A-2AB4-E2B7-3C79-C6B408390180}"/>
                   </a:ext>
                 </a:extLst>
               </p:cNvPr>
@@ -25591,7 +25556,7 @@
               <p:cNvPr id="37931" name="Line 44">
                 <a:extLst>
                   <a:ext uri="{FF2B5EF4-FFF2-40B4-BE49-F238E27FC236}">
-                    <a16:creationId xmlns:a16="http://schemas.microsoft.com/office/drawing/2014/main" xmlns="" id="{6CEA1950-A9AC-0699-69A6-A4A0B949F240}"/>
+                    <a16:creationId xmlns:a16="http://schemas.microsoft.com/office/drawing/2014/main" id="{6CEA1950-A9AC-0699-69A6-A4A0B949F240}"/>
                   </a:ext>
                 </a:extLst>
               </p:cNvPr>
@@ -25619,7 +25584,7 @@
               </a:ln>
               <a:extLst>
                 <a:ext uri="{909E8E84-426E-40DD-AFC4-6F175D3DCCD1}">
-                  <a14:hiddenFill xmlns:a14="http://schemas.microsoft.com/office/drawing/2010/main" xmlns="">
+                  <a14:hiddenFill xmlns:a14="http://schemas.microsoft.com/office/drawing/2010/main">
                     <a:noFill/>
                   </a14:hiddenFill>
                 </a:ext>
@@ -25638,7 +25603,7 @@
               <p:cNvPr id="37932" name="Line 45">
                 <a:extLst>
                   <a:ext uri="{FF2B5EF4-FFF2-40B4-BE49-F238E27FC236}">
-                    <a16:creationId xmlns:a16="http://schemas.microsoft.com/office/drawing/2014/main" xmlns="" id="{D68CD663-06C3-2A36-AAB7-47AC61F06232}"/>
+                    <a16:creationId xmlns:a16="http://schemas.microsoft.com/office/drawing/2014/main" id="{D68CD663-06C3-2A36-AAB7-47AC61F06232}"/>
                   </a:ext>
                 </a:extLst>
               </p:cNvPr>
@@ -25666,7 +25631,7 @@
               </a:ln>
               <a:extLst>
                 <a:ext uri="{909E8E84-426E-40DD-AFC4-6F175D3DCCD1}">
-                  <a14:hiddenFill xmlns:a14="http://schemas.microsoft.com/office/drawing/2010/main" xmlns="">
+                  <a14:hiddenFill xmlns:a14="http://schemas.microsoft.com/office/drawing/2010/main">
                     <a:noFill/>
                   </a14:hiddenFill>
                 </a:ext>
@@ -25685,7 +25650,7 @@
               <p:cNvPr id="37933" name="Line 46">
                 <a:extLst>
                   <a:ext uri="{FF2B5EF4-FFF2-40B4-BE49-F238E27FC236}">
-                    <a16:creationId xmlns:a16="http://schemas.microsoft.com/office/drawing/2014/main" xmlns="" id="{3D59AD01-58F3-CAE3-B56C-0F4241D3EED5}"/>
+                    <a16:creationId xmlns:a16="http://schemas.microsoft.com/office/drawing/2014/main" id="{3D59AD01-58F3-CAE3-B56C-0F4241D3EED5}"/>
                   </a:ext>
                 </a:extLst>
               </p:cNvPr>
@@ -25713,7 +25678,7 @@
               </a:ln>
               <a:extLst>
                 <a:ext uri="{909E8E84-426E-40DD-AFC4-6F175D3DCCD1}">
-                  <a14:hiddenFill xmlns:a14="http://schemas.microsoft.com/office/drawing/2010/main" xmlns="">
+                  <a14:hiddenFill xmlns:a14="http://schemas.microsoft.com/office/drawing/2010/main">
                     <a:noFill/>
                   </a14:hiddenFill>
                 </a:ext>
@@ -25732,7 +25697,7 @@
               <p:cNvPr id="37934" name="Line 47">
                 <a:extLst>
                   <a:ext uri="{FF2B5EF4-FFF2-40B4-BE49-F238E27FC236}">
-                    <a16:creationId xmlns:a16="http://schemas.microsoft.com/office/drawing/2014/main" xmlns="" id="{876AFDFC-4531-BD33-0912-09981343A059}"/>
+                    <a16:creationId xmlns:a16="http://schemas.microsoft.com/office/drawing/2014/main" id="{876AFDFC-4531-BD33-0912-09981343A059}"/>
                   </a:ext>
                 </a:extLst>
               </p:cNvPr>
@@ -25760,7 +25725,7 @@
               </a:ln>
               <a:extLst>
                 <a:ext uri="{909E8E84-426E-40DD-AFC4-6F175D3DCCD1}">
-                  <a14:hiddenFill xmlns:a14="http://schemas.microsoft.com/office/drawing/2010/main" xmlns="">
+                  <a14:hiddenFill xmlns:a14="http://schemas.microsoft.com/office/drawing/2010/main">
                     <a:noFill/>
                   </a14:hiddenFill>
                 </a:ext>
@@ -25779,7 +25744,7 @@
               <p:cNvPr id="37935" name="Line 48">
                 <a:extLst>
                   <a:ext uri="{FF2B5EF4-FFF2-40B4-BE49-F238E27FC236}">
-                    <a16:creationId xmlns:a16="http://schemas.microsoft.com/office/drawing/2014/main" xmlns="" id="{4839C81D-64A9-C799-A9AC-C3056A3B5036}"/>
+                    <a16:creationId xmlns:a16="http://schemas.microsoft.com/office/drawing/2014/main" id="{4839C81D-64A9-C799-A9AC-C3056A3B5036}"/>
                   </a:ext>
                 </a:extLst>
               </p:cNvPr>
@@ -25807,7 +25772,7 @@
               </a:ln>
               <a:extLst>
                 <a:ext uri="{909E8E84-426E-40DD-AFC4-6F175D3DCCD1}">
-                  <a14:hiddenFill xmlns:a14="http://schemas.microsoft.com/office/drawing/2010/main" xmlns="">
+                  <a14:hiddenFill xmlns:a14="http://schemas.microsoft.com/office/drawing/2010/main">
                     <a:noFill/>
                   </a14:hiddenFill>
                 </a:ext>
@@ -25826,7 +25791,7 @@
               <p:cNvPr id="37936" name="Line 49">
                 <a:extLst>
                   <a:ext uri="{FF2B5EF4-FFF2-40B4-BE49-F238E27FC236}">
-                    <a16:creationId xmlns:a16="http://schemas.microsoft.com/office/drawing/2014/main" xmlns="" id="{7ACB172D-90E8-B1C0-D2DC-E7391E17A771}"/>
+                    <a16:creationId xmlns:a16="http://schemas.microsoft.com/office/drawing/2014/main" id="{7ACB172D-90E8-B1C0-D2DC-E7391E17A771}"/>
                   </a:ext>
                 </a:extLst>
               </p:cNvPr>
@@ -25854,7 +25819,7 @@
               </a:ln>
               <a:extLst>
                 <a:ext uri="{909E8E84-426E-40DD-AFC4-6F175D3DCCD1}">
-                  <a14:hiddenFill xmlns:a14="http://schemas.microsoft.com/office/drawing/2010/main" xmlns="">
+                  <a14:hiddenFill xmlns:a14="http://schemas.microsoft.com/office/drawing/2010/main">
                     <a:noFill/>
                   </a14:hiddenFill>
                 </a:ext>
@@ -25873,7 +25838,7 @@
               <p:cNvPr id="49" name="Text Box 50">
                 <a:extLst>
                   <a:ext uri="{FF2B5EF4-FFF2-40B4-BE49-F238E27FC236}">
-                    <a16:creationId xmlns:a16="http://schemas.microsoft.com/office/drawing/2014/main" xmlns="" id="{6F0E5539-E3FA-E819-E9CE-B71D9813DD94}"/>
+                    <a16:creationId xmlns:a16="http://schemas.microsoft.com/office/drawing/2014/main" id="{6F0E5539-E3FA-E819-E9CE-B71D9813DD94}"/>
                   </a:ext>
                 </a:extLst>
               </p:cNvPr>
@@ -25930,7 +25895,7 @@
               <p:cNvPr id="50" name="Line 51">
                 <a:extLst>
                   <a:ext uri="{FF2B5EF4-FFF2-40B4-BE49-F238E27FC236}">
-                    <a16:creationId xmlns:a16="http://schemas.microsoft.com/office/drawing/2014/main" xmlns="" id="{0D28B4D4-7ADD-21AD-2C79-9A03596BDF89}"/>
+                    <a16:creationId xmlns:a16="http://schemas.microsoft.com/office/drawing/2014/main" id="{0D28B4D4-7ADD-21AD-2C79-9A03596BDF89}"/>
                   </a:ext>
                 </a:extLst>
               </p:cNvPr>
@@ -25957,7 +25922,7 @@
               </a:ln>
               <a:extLst>
                 <a:ext uri="{909E8E84-426E-40DD-AFC4-6F175D3DCCD1}">
-                  <a14:hiddenFill xmlns:a14="http://schemas.microsoft.com/office/drawing/2010/main" xmlns="">
+                  <a14:hiddenFill xmlns:a14="http://schemas.microsoft.com/office/drawing/2010/main">
                     <a:noFill/>
                   </a14:hiddenFill>
                 </a:ext>
@@ -25976,7 +25941,7 @@
               <p:cNvPr id="51" name="Line 52">
                 <a:extLst>
                   <a:ext uri="{FF2B5EF4-FFF2-40B4-BE49-F238E27FC236}">
-                    <a16:creationId xmlns:a16="http://schemas.microsoft.com/office/drawing/2014/main" xmlns="" id="{22F168B8-0B24-C077-9C3E-7E39CA756D5B}"/>
+                    <a16:creationId xmlns:a16="http://schemas.microsoft.com/office/drawing/2014/main" id="{22F168B8-0B24-C077-9C3E-7E39CA756D5B}"/>
                   </a:ext>
                 </a:extLst>
               </p:cNvPr>
@@ -26004,7 +25969,7 @@
               </a:ln>
               <a:extLst>
                 <a:ext uri="{909E8E84-426E-40DD-AFC4-6F175D3DCCD1}">
-                  <a14:hiddenFill xmlns:a14="http://schemas.microsoft.com/office/drawing/2010/main" xmlns="">
+                  <a14:hiddenFill xmlns:a14="http://schemas.microsoft.com/office/drawing/2010/main">
                     <a:noFill/>
                   </a14:hiddenFill>
                 </a:ext>
@@ -26023,7 +25988,7 @@
               <p:cNvPr id="52" name="Line 53">
                 <a:extLst>
                   <a:ext uri="{FF2B5EF4-FFF2-40B4-BE49-F238E27FC236}">
-                    <a16:creationId xmlns:a16="http://schemas.microsoft.com/office/drawing/2014/main" xmlns="" id="{E1620664-0274-146C-C4CE-5F095318E049}"/>
+                    <a16:creationId xmlns:a16="http://schemas.microsoft.com/office/drawing/2014/main" id="{E1620664-0274-146C-C4CE-5F095318E049}"/>
                   </a:ext>
                 </a:extLst>
               </p:cNvPr>
@@ -26051,7 +26016,7 @@
               </a:ln>
               <a:extLst>
                 <a:ext uri="{909E8E84-426E-40DD-AFC4-6F175D3DCCD1}">
-                  <a14:hiddenFill xmlns:a14="http://schemas.microsoft.com/office/drawing/2010/main" xmlns="">
+                  <a14:hiddenFill xmlns:a14="http://schemas.microsoft.com/office/drawing/2010/main">
                     <a:noFill/>
                   </a14:hiddenFill>
                 </a:ext>
@@ -26072,7 +26037,7 @@
           <p:cNvPr id="4" name="Title 3">
             <a:extLst>
               <a:ext uri="{FF2B5EF4-FFF2-40B4-BE49-F238E27FC236}">
-                <a16:creationId xmlns:a16="http://schemas.microsoft.com/office/drawing/2014/main" xmlns="" id="{1A37AC4F-76E6-3653-86F4-E9F59B5775A7}"/>
+                <a16:creationId xmlns:a16="http://schemas.microsoft.com/office/drawing/2014/main" id="{1A37AC4F-76E6-3653-86F4-E9F59B5775A7}"/>
               </a:ext>
             </a:extLst>
           </p:cNvPr>
@@ -26123,16 +26088,6 @@
   <p:clrMapOvr>
     <a:masterClrMapping/>
   </p:clrMapOvr>
-  <p:timing>
-    <p:tnLst>
-      <p:par>
-        <p:cTn id="1" dur="indefinite" restart="never" nodeType="tmRoot"/>
-      </p:par>
-    </p:tnLst>
-    <p:bldLst>
-      <p:bldP spid="49" grpId="0" animBg="1"/>
-    </p:bldLst>
-  </p:timing>
 </p:sld>
 </file>
 
@@ -26158,7 +26113,7 @@
           <p:cNvPr id="5" name="Picture 4">
             <a:extLst>
               <a:ext uri="{FF2B5EF4-FFF2-40B4-BE49-F238E27FC236}">
-                <a16:creationId xmlns:a16="http://schemas.microsoft.com/office/drawing/2014/main" xmlns="" id="{BC8EC410-0937-B12B-7EEC-D65151240BCB}"/>
+                <a16:creationId xmlns:a16="http://schemas.microsoft.com/office/drawing/2014/main" id="{BC8EC410-0937-B12B-7EEC-D65151240BCB}"/>
               </a:ext>
             </a:extLst>
           </p:cNvPr>
@@ -26171,7 +26126,7 @@
           <a:blip r:embed="rId2">
             <a:extLst>
               <a:ext uri="{28A0092B-C50C-407E-A947-70E740481C1C}">
-                <a14:useLocalDpi xmlns:a14="http://schemas.microsoft.com/office/drawing/2010/main" xmlns="" val="0"/>
+                <a14:useLocalDpi xmlns:a14="http://schemas.microsoft.com/office/drawing/2010/main" val="0"/>
               </a:ext>
             </a:extLst>
           </a:blip>
@@ -26194,7 +26149,7 @@
           <p:cNvPr id="2" name="Title 1">
             <a:extLst>
               <a:ext uri="{FF2B5EF4-FFF2-40B4-BE49-F238E27FC236}">
-                <a16:creationId xmlns:a16="http://schemas.microsoft.com/office/drawing/2014/main" xmlns="" id="{CDFDF175-84D4-F138-AEC0-139CF5EB3395}"/>
+                <a16:creationId xmlns:a16="http://schemas.microsoft.com/office/drawing/2014/main" id="{CDFDF175-84D4-F138-AEC0-139CF5EB3395}"/>
               </a:ext>
             </a:extLst>
           </p:cNvPr>
@@ -26226,20 +26181,13 @@
     </p:spTree>
     <p:extLst>
       <p:ext uri="{BB962C8B-B14F-4D97-AF65-F5344CB8AC3E}">
-        <p14:creationId xmlns:p14="http://schemas.microsoft.com/office/powerpoint/2010/main" xmlns="" val="1686311767"/>
+        <p14:creationId xmlns:p14="http://schemas.microsoft.com/office/powerpoint/2010/main" val="1686311767"/>
       </p:ext>
     </p:extLst>
   </p:cSld>
   <p:clrMapOvr>
     <a:masterClrMapping/>
   </p:clrMapOvr>
-  <p:timing>
-    <p:tnLst>
-      <p:par>
-        <p:cTn id="1" dur="indefinite" restart="never" nodeType="tmRoot"/>
-      </p:par>
-    </p:tnLst>
-  </p:timing>
 </p:sld>
 </file>
 
@@ -26265,7 +26213,7 @@
           <p:cNvPr id="2" name="Title 1">
             <a:extLst>
               <a:ext uri="{FF2B5EF4-FFF2-40B4-BE49-F238E27FC236}">
-                <a16:creationId xmlns:a16="http://schemas.microsoft.com/office/drawing/2014/main" xmlns="" id="{CDFDF175-84D4-F138-AEC0-139CF5EB3395}"/>
+                <a16:creationId xmlns:a16="http://schemas.microsoft.com/office/drawing/2014/main" id="{CDFDF175-84D4-F138-AEC0-139CF5EB3395}"/>
               </a:ext>
             </a:extLst>
           </p:cNvPr>
@@ -26299,7 +26247,7 @@
           <p:cNvPr id="7" name="Content Placeholder 3">
             <a:extLst>
               <a:ext uri="{FF2B5EF4-FFF2-40B4-BE49-F238E27FC236}">
-                <a16:creationId xmlns:a16="http://schemas.microsoft.com/office/drawing/2014/main" xmlns="" id="{786D016A-BB63-BC72-7B6D-7929EDD32604}"/>
+                <a16:creationId xmlns:a16="http://schemas.microsoft.com/office/drawing/2014/main" id="{786D016A-BB63-BC72-7B6D-7929EDD32604}"/>
               </a:ext>
             </a:extLst>
           </p:cNvPr>
@@ -26371,20 +26319,13 @@
     </p:spTree>
     <p:extLst>
       <p:ext uri="{BB962C8B-B14F-4D97-AF65-F5344CB8AC3E}">
-        <p14:creationId xmlns:p14="http://schemas.microsoft.com/office/powerpoint/2010/main" xmlns="" val="1686311767"/>
+        <p14:creationId xmlns:p14="http://schemas.microsoft.com/office/powerpoint/2010/main" val="1686311767"/>
       </p:ext>
     </p:extLst>
   </p:cSld>
   <p:clrMapOvr>
     <a:masterClrMapping/>
   </p:clrMapOvr>
-  <p:timing>
-    <p:tnLst>
-      <p:par>
-        <p:cTn id="1" dur="indefinite" restart="never" nodeType="tmRoot"/>
-      </p:par>
-    </p:tnLst>
-  </p:timing>
 </p:sld>
 </file>
 
@@ -26490,13 +26431,8 @@
             </a:pPr>
             <a:r>
               <a:rPr lang="en-US" sz="3200" dirty="0"/>
-              <a:t>GPU as a </a:t>
-            </a:r>
-            <a:r>
-              <a:rPr lang="en-US" sz="3200" dirty="0" smtClean="0"/>
-              <a:t>Co-processor</a:t>
-            </a:r>
-            <a:endParaRPr lang="en-US" sz="3200" dirty="0"/>
+              <a:t>GPU as a Co-processor</a:t>
+            </a:r>
           </a:p>
           <a:p>
             <a:pPr>
@@ -26561,13 +26497,6 @@
   <p:clrMapOvr>
     <a:masterClrMapping/>
   </p:clrMapOvr>
-  <p:timing>
-    <p:tnLst>
-      <p:par>
-        <p:cTn id="1" dur="indefinite" restart="never" nodeType="tmRoot"/>
-      </p:par>
-    </p:tnLst>
-  </p:timing>
 </p:sld>
 </file>
 
@@ -26637,13 +26566,6 @@
   <p:clrMapOvr>
     <a:masterClrMapping/>
   </p:clrMapOvr>
-  <p:timing>
-    <p:tnLst>
-      <p:par>
-        <p:cTn id="1" dur="indefinite" restart="never" nodeType="tmRoot"/>
-      </p:par>
-    </p:tnLst>
-  </p:timing>
 </p:sld>
 </file>
 
@@ -26669,7 +26591,7 @@
           <p:cNvPr id="2" name="Title 1">
             <a:extLst>
               <a:ext uri="{FF2B5EF4-FFF2-40B4-BE49-F238E27FC236}">
-                <a16:creationId xmlns:a16="http://schemas.microsoft.com/office/drawing/2014/main" xmlns="" id="{8F320864-DD42-FFA5-F46E-60C1D9BE504A}"/>
+                <a16:creationId xmlns:a16="http://schemas.microsoft.com/office/drawing/2014/main" id="{8F320864-DD42-FFA5-F46E-60C1D9BE504A}"/>
               </a:ext>
             </a:extLst>
           </p:cNvPr>
@@ -26687,15 +26609,7 @@
           <a:p>
             <a:r>
               <a:rPr lang="en-GB" dirty="0"/>
-              <a:t>Evolution of </a:t>
-            </a:r>
-            <a:r>
-              <a:rPr lang="en-GB" dirty="0" smtClean="0"/>
-              <a:t>Performance (</a:t>
-            </a:r>
-            <a:r>
-              <a:rPr lang="en-GB" dirty="0"/>
-              <a:t>1)</a:t>
+              <a:t>Evolution of Performance (1)</a:t>
             </a:r>
             <a:endParaRPr lang="en-IN" dirty="0"/>
           </a:p>
@@ -26706,7 +26620,7 @@
           <p:cNvPr id="3" name="Content Placeholder 2">
             <a:extLst>
               <a:ext uri="{FF2B5EF4-FFF2-40B4-BE49-F238E27FC236}">
-                <a16:creationId xmlns:a16="http://schemas.microsoft.com/office/drawing/2014/main" xmlns="" id="{F9831B6D-DFCE-EC22-C52A-AD874D3A1DF2}"/>
+                <a16:creationId xmlns:a16="http://schemas.microsoft.com/office/drawing/2014/main" id="{F9831B6D-DFCE-EC22-C52A-AD874D3A1DF2}"/>
               </a:ext>
             </a:extLst>
           </p:cNvPr>
@@ -26742,106 +26656,72 @@
           <a:p>
             <a:pPr lvl="1"/>
             <a:r>
-              <a:rPr lang="en-GB" sz="2400" dirty="0" smtClean="0"/>
+              <a:rPr lang="en-GB" sz="2400" dirty="0"/>
               <a:t>Single core</a:t>
             </a:r>
           </a:p>
           <a:p>
             <a:pPr lvl="1"/>
             <a:r>
-              <a:rPr lang="en-GB" sz="2400" dirty="0" smtClean="0"/>
+              <a:rPr lang="en-GB" sz="2400" dirty="0"/>
               <a:t>Increase clock speed</a:t>
             </a:r>
           </a:p>
           <a:p>
             <a:pPr lvl="2"/>
             <a:r>
-              <a:rPr lang="en-IN" sz="2400" dirty="0" smtClean="0"/>
-              <a:t>Number of cycles per </a:t>
-            </a:r>
-            <a:r>
-              <a:rPr lang="en-IN" sz="2400" dirty="0" smtClean="0"/>
-              <a:t>second</a:t>
+              <a:rPr lang="en-IN" sz="2400" dirty="0"/>
+              <a:t>Number of cycles per second</a:t>
             </a:r>
           </a:p>
           <a:p>
             <a:pPr lvl="2"/>
             <a:r>
-              <a:rPr lang="en-IN" sz="2400" dirty="0" smtClean="0"/>
-              <a:t>Number of instructions </a:t>
-            </a:r>
-            <a:r>
-              <a:rPr lang="en-IN" sz="2400" dirty="0" smtClean="0"/>
-              <a:t>per second</a:t>
-            </a:r>
-            <a:endParaRPr lang="en-GB" sz="2400" dirty="0" smtClean="0"/>
+              <a:rPr lang="en-IN" sz="2400" dirty="0"/>
+              <a:t>Number of instructions per second</a:t>
+            </a:r>
+            <a:endParaRPr lang="en-GB" sz="2400" dirty="0"/>
           </a:p>
           <a:p>
             <a:pPr lvl="1"/>
             <a:r>
-              <a:rPr lang="en-GB" sz="2400" dirty="0" smtClean="0"/>
+              <a:rPr lang="en-GB" sz="2400" dirty="0"/>
               <a:t>Faster execution of individual instructions</a:t>
             </a:r>
-            <a:endParaRPr lang="en-GB" sz="2400" dirty="0"/>
           </a:p>
           <a:p>
             <a:pPr lvl="1"/>
             <a:r>
               <a:rPr lang="en-GB" sz="2400" dirty="0"/>
-              <a:t>Limitations of Clock </a:t>
-            </a:r>
-            <a:r>
-              <a:rPr lang="en-GB" sz="2400" dirty="0" smtClean="0"/>
-              <a:t>Speed</a:t>
+              <a:t>Limitations of Clock Speed</a:t>
             </a:r>
           </a:p>
           <a:p>
             <a:pPr lvl="2"/>
             <a:r>
-              <a:rPr lang="en-GB" sz="2400" dirty="0" smtClean="0"/>
-              <a:t>Physical </a:t>
-            </a:r>
-            <a:r>
               <a:rPr lang="en-GB" sz="2400" dirty="0"/>
-              <a:t>limits on </a:t>
-            </a:r>
-            <a:r>
-              <a:rPr lang="en-GB" sz="2400" dirty="0" smtClean="0"/>
-              <a:t>clock </a:t>
-            </a:r>
+              <a:t>Physical limits on clock speeds </a:t>
+            </a:r>
+          </a:p>
+          <a:p>
+            <a:pPr lvl="2"/>
             <a:r>
               <a:rPr lang="en-GB" sz="2400" dirty="0"/>
-              <a:t>speeds </a:t>
-            </a:r>
-            <a:endParaRPr lang="en-GB" sz="2400" dirty="0" smtClean="0"/>
-          </a:p>
-          <a:p>
-            <a:pPr lvl="2"/>
-            <a:r>
-              <a:rPr lang="en-GB" sz="2400" dirty="0" smtClean="0"/>
               <a:t>Power or heat dissipation</a:t>
             </a:r>
-            <a:endParaRPr lang="en-GB" sz="2400" dirty="0"/>
           </a:p>
         </p:txBody>
       </p:sp>
     </p:spTree>
     <p:extLst>
       <p:ext uri="{BB962C8B-B14F-4D97-AF65-F5344CB8AC3E}">
-        <p14:creationId xmlns:p14="http://schemas.microsoft.com/office/powerpoint/2010/main" xmlns="" val="2103164326"/>
+        <p14:creationId xmlns:p14="http://schemas.microsoft.com/office/powerpoint/2010/main" val="2103164326"/>
       </p:ext>
     </p:extLst>
   </p:cSld>
   <p:clrMapOvr>
     <a:masterClrMapping/>
   </p:clrMapOvr>
-  <p:timing>
-    <p:tnLst>
-      <p:par>
-        <p:cTn id="1" dur="indefinite" restart="never" nodeType="tmRoot"/>
-      </p:par>
-    </p:tnLst>
-  </p:timing>
 </p:sld>
 </file>
 
@@ -26867,7 +26747,7 @@
           <p:cNvPr id="2" name="Title 1">
             <a:extLst>
               <a:ext uri="{FF2B5EF4-FFF2-40B4-BE49-F238E27FC236}">
-                <a16:creationId xmlns:a16="http://schemas.microsoft.com/office/drawing/2014/main" xmlns="" id="{8F320864-DD42-FFA5-F46E-60C1D9BE504A}"/>
+                <a16:creationId xmlns:a16="http://schemas.microsoft.com/office/drawing/2014/main" id="{8F320864-DD42-FFA5-F46E-60C1D9BE504A}"/>
               </a:ext>
             </a:extLst>
           </p:cNvPr>
@@ -26885,11 +26765,7 @@
           <a:p>
             <a:r>
               <a:rPr lang="en-GB" dirty="0"/>
-              <a:t>Evolution of </a:t>
-            </a:r>
-            <a:r>
-              <a:rPr lang="en-GB" dirty="0" smtClean="0"/>
-              <a:t>Performance (2)</a:t>
+              <a:t>Evolution of Performance (2)</a:t>
             </a:r>
             <a:endParaRPr lang="en-IN" dirty="0"/>
           </a:p>
@@ -26900,7 +26776,7 @@
           <p:cNvPr id="3" name="Content Placeholder 2">
             <a:extLst>
               <a:ext uri="{FF2B5EF4-FFF2-40B4-BE49-F238E27FC236}">
-                <a16:creationId xmlns:a16="http://schemas.microsoft.com/office/drawing/2014/main" xmlns="" id="{F9831B6D-DFCE-EC22-C52A-AD874D3A1DF2}"/>
+                <a16:creationId xmlns:a16="http://schemas.microsoft.com/office/drawing/2014/main" id="{F9831B6D-DFCE-EC22-C52A-AD874D3A1DF2}"/>
               </a:ext>
             </a:extLst>
           </p:cNvPr>
@@ -26929,57 +26805,44 @@
               </a:spcBef>
             </a:pPr>
             <a:r>
-              <a:rPr lang="en-GB" sz="2400" b="1" dirty="0" smtClean="0"/>
-              <a:t>Multi Core </a:t>
-            </a:r>
-            <a:r>
               <a:rPr lang="en-GB" sz="2400" b="1" dirty="0"/>
-              <a:t>Architecture:</a:t>
+              <a:t>Multi Core Architecture:</a:t>
             </a:r>
           </a:p>
           <a:p>
             <a:pPr lvl="1"/>
             <a:r>
-              <a:rPr lang="en-GB" sz="2400" dirty="0" smtClean="0"/>
+              <a:rPr lang="en-GB" sz="2400" dirty="0"/>
               <a:t>Multiple cores on Single chip</a:t>
             </a:r>
-            <a:endParaRPr lang="en-GB" sz="2400" dirty="0" smtClean="0"/>
           </a:p>
           <a:p>
             <a:pPr lvl="1"/>
             <a:r>
-              <a:rPr lang="en-GB" sz="2400" dirty="0" smtClean="0"/>
-              <a:t>Parallel </a:t>
-            </a:r>
-            <a:r>
-              <a:rPr lang="en-GB" sz="2400" dirty="0" smtClean="0"/>
-              <a:t>execution of tasks</a:t>
-            </a:r>
-            <a:endParaRPr lang="en-GB" sz="2400" dirty="0" smtClean="0"/>
+              <a:rPr lang="en-GB" sz="2400" dirty="0"/>
+              <a:t>Parallel execution of tasks</a:t>
+            </a:r>
           </a:p>
           <a:p>
             <a:pPr lvl="1"/>
             <a:r>
-              <a:rPr lang="en-GB" sz="2400" dirty="0" smtClean="0"/>
+              <a:rPr lang="en-GB" sz="2400" dirty="0"/>
               <a:t>Significant overall performance improvement </a:t>
             </a:r>
-            <a:endParaRPr lang="en-GB" sz="2400" dirty="0"/>
           </a:p>
           <a:p>
             <a:pPr lvl="1"/>
             <a:r>
-              <a:rPr lang="en-GB" sz="2400" dirty="0" smtClean="0"/>
+              <a:rPr lang="en-GB" sz="2400" dirty="0"/>
               <a:t>Multiple cores – Different threads – Simultaneous execution </a:t>
             </a:r>
-            <a:endParaRPr lang="en-GB" sz="2400" dirty="0" smtClean="0"/>
           </a:p>
           <a:p>
             <a:pPr lvl="1"/>
             <a:r>
-              <a:rPr lang="en-GB" sz="2400" dirty="0" smtClean="0"/>
+              <a:rPr lang="en-GB" sz="2400" dirty="0"/>
               <a:t>Multi threaded tasks – Performance improvement </a:t>
             </a:r>
-            <a:endParaRPr lang="en-GB" sz="2400" dirty="0"/>
           </a:p>
           <a:p>
             <a:pPr lvl="1"/>
@@ -26987,66 +26850,40 @@
               <a:rPr lang="en-GB" sz="2400" dirty="0"/>
               <a:t>Power Efficiency: </a:t>
             </a:r>
-            <a:endParaRPr lang="en-GB" sz="2400" dirty="0" smtClean="0"/>
           </a:p>
           <a:p>
             <a:pPr lvl="2"/>
             <a:r>
-              <a:rPr lang="en-GB" sz="2400" dirty="0" smtClean="0"/>
-              <a:t>I</a:t>
-            </a:r>
-            <a:r>
-              <a:rPr lang="en-GB" sz="2400" dirty="0" smtClean="0"/>
-              <a:t>ndividual </a:t>
-            </a:r>
-            <a:r>
               <a:rPr lang="en-GB" sz="2400" dirty="0"/>
-              <a:t>cores </a:t>
-            </a:r>
-            <a:endParaRPr lang="en-GB" sz="2400" dirty="0" smtClean="0"/>
+              <a:t>Individual cores </a:t>
+            </a:r>
           </a:p>
           <a:p>
             <a:pPr lvl="2"/>
             <a:r>
-              <a:rPr lang="en-GB" sz="2400" dirty="0" smtClean="0"/>
+              <a:rPr lang="en-GB" sz="2400" dirty="0"/>
               <a:t>Lower clock speed</a:t>
             </a:r>
           </a:p>
           <a:p>
             <a:pPr lvl="2"/>
             <a:r>
-              <a:rPr lang="en-GB" sz="2400" dirty="0" smtClean="0"/>
-              <a:t>Better </a:t>
-            </a:r>
-            <a:r>
               <a:rPr lang="en-GB" sz="2400" dirty="0"/>
-              <a:t>power </a:t>
-            </a:r>
-            <a:r>
-              <a:rPr lang="en-GB" sz="2400" dirty="0" smtClean="0"/>
-              <a:t>efficiency</a:t>
-            </a:r>
-            <a:endParaRPr lang="en-GB" sz="2400" dirty="0"/>
+              <a:t>Better power efficiency</a:t>
+            </a:r>
           </a:p>
         </p:txBody>
       </p:sp>
     </p:spTree>
     <p:extLst>
       <p:ext uri="{BB962C8B-B14F-4D97-AF65-F5344CB8AC3E}">
-        <p14:creationId xmlns:p14="http://schemas.microsoft.com/office/powerpoint/2010/main" xmlns="" val="2103164326"/>
+        <p14:creationId xmlns:p14="http://schemas.microsoft.com/office/powerpoint/2010/main" val="2103164326"/>
       </p:ext>
     </p:extLst>
   </p:cSld>
   <p:clrMapOvr>
     <a:masterClrMapping/>
   </p:clrMapOvr>
-  <p:timing>
-    <p:tnLst>
-      <p:par>
-        <p:cTn id="1" dur="indefinite" restart="never" nodeType="tmRoot"/>
-      </p:par>
-    </p:tnLst>
-  </p:timing>
 </p:sld>
 </file>
 
@@ -27072,7 +26909,7 @@
           <p:cNvPr id="2" name="Title 1">
             <a:extLst>
               <a:ext uri="{FF2B5EF4-FFF2-40B4-BE49-F238E27FC236}">
-                <a16:creationId xmlns:a16="http://schemas.microsoft.com/office/drawing/2014/main" xmlns="" id="{8F320864-DD42-FFA5-F46E-60C1D9BE504A}"/>
+                <a16:creationId xmlns:a16="http://schemas.microsoft.com/office/drawing/2014/main" id="{8F320864-DD42-FFA5-F46E-60C1D9BE504A}"/>
               </a:ext>
             </a:extLst>
           </p:cNvPr>
@@ -27090,11 +26927,7 @@
           <a:p>
             <a:r>
               <a:rPr lang="en-GB" dirty="0"/>
-              <a:t>Evolution of </a:t>
-            </a:r>
-            <a:r>
-              <a:rPr lang="en-GB" dirty="0" smtClean="0"/>
-              <a:t>Performance (3)</a:t>
+              <a:t>Evolution of Performance (3)</a:t>
             </a:r>
             <a:endParaRPr lang="en-IN" dirty="0"/>
           </a:p>
@@ -27105,7 +26938,7 @@
           <p:cNvPr id="3" name="Content Placeholder 2">
             <a:extLst>
               <a:ext uri="{FF2B5EF4-FFF2-40B4-BE49-F238E27FC236}">
-                <a16:creationId xmlns:a16="http://schemas.microsoft.com/office/drawing/2014/main" xmlns="" id="{F9831B6D-DFCE-EC22-C52A-AD874D3A1DF2}"/>
+                <a16:creationId xmlns:a16="http://schemas.microsoft.com/office/drawing/2014/main" id="{F9831B6D-DFCE-EC22-C52A-AD874D3A1DF2}"/>
               </a:ext>
             </a:extLst>
           </p:cNvPr>
@@ -27135,13 +26968,8 @@
             </a:pPr>
             <a:r>
               <a:rPr lang="en-GB" sz="2800" b="1" dirty="0"/>
-              <a:t>Heterogeneous </a:t>
-            </a:r>
-            <a:r>
-              <a:rPr lang="en-GB" sz="2800" b="1" dirty="0" smtClean="0"/>
-              <a:t>Computing</a:t>
-            </a:r>
-            <a:endParaRPr lang="en-GB" sz="2800" b="1" dirty="0"/>
+              <a:t>Heterogeneous Computing</a:t>
+            </a:r>
           </a:p>
           <a:p>
             <a:pPr lvl="1">
@@ -27150,15 +26978,11 @@
               </a:spcBef>
             </a:pPr>
             <a:r>
-              <a:rPr lang="en-GB" sz="2400" dirty="0" smtClean="0"/>
-              <a:t>GPU </a:t>
-            </a:r>
-            <a:r>
-              <a:rPr lang="en-GB" sz="2400" dirty="0" smtClean="0"/>
-              <a:t>– </a:t>
-            </a:r>
-            <a:r>
-              <a:rPr lang="en-GB" sz="2400" b="1" dirty="0" smtClean="0">
+              <a:rPr lang="en-GB" sz="2400" dirty="0"/>
+              <a:t>GPU – </a:t>
+            </a:r>
+            <a:r>
+              <a:rPr lang="en-GB" sz="2400" b="1" dirty="0">
                 <a:solidFill>
                   <a:srgbClr val="00B050"/>
                 </a:solidFill>
@@ -27166,11 +26990,11 @@
               <a:t>G</a:t>
             </a:r>
             <a:r>
-              <a:rPr lang="en-GB" sz="2400" dirty="0" smtClean="0"/>
+              <a:rPr lang="en-GB" sz="2400" dirty="0"/>
               <a:t>raphics </a:t>
             </a:r>
             <a:r>
-              <a:rPr lang="en-GB" sz="2400" b="1" dirty="0" smtClean="0">
+              <a:rPr lang="en-GB" sz="2400" b="1" dirty="0">
                 <a:solidFill>
                   <a:srgbClr val="00B050"/>
                 </a:solidFill>
@@ -27178,11 +27002,11 @@
               <a:t>P</a:t>
             </a:r>
             <a:r>
-              <a:rPr lang="en-GB" sz="2400" dirty="0" smtClean="0"/>
+              <a:rPr lang="en-GB" sz="2400" dirty="0"/>
               <a:t>rocessing </a:t>
             </a:r>
             <a:r>
-              <a:rPr lang="en-GB" sz="2400" b="1" dirty="0" smtClean="0">
+              <a:rPr lang="en-GB" sz="2400" b="1" dirty="0">
                 <a:solidFill>
                   <a:srgbClr val="00B050"/>
                 </a:solidFill>
@@ -27190,10 +27014,9 @@
               <a:t>U</a:t>
             </a:r>
             <a:r>
-              <a:rPr lang="en-GB" sz="2400" dirty="0" smtClean="0"/>
+              <a:rPr lang="en-GB" sz="2400" dirty="0"/>
               <a:t>nit</a:t>
             </a:r>
-            <a:endParaRPr lang="en-GB" sz="2400" dirty="0" smtClean="0"/>
           </a:p>
           <a:p>
             <a:pPr lvl="1">
@@ -27202,10 +27025,9 @@
               </a:spcBef>
             </a:pPr>
             <a:r>
-              <a:rPr lang="en-GB" sz="2400" dirty="0" smtClean="0"/>
+              <a:rPr lang="en-GB" sz="2400" dirty="0"/>
               <a:t>Specialized processor</a:t>
             </a:r>
-            <a:endParaRPr lang="en-GB" sz="2400" dirty="0"/>
           </a:p>
           <a:p>
             <a:pPr lvl="2">
@@ -27214,10 +27036,10 @@
               </a:spcBef>
             </a:pPr>
             <a:r>
-              <a:rPr lang="en-GB" sz="2400" dirty="0" smtClean="0"/>
+              <a:rPr lang="en-GB" sz="2400" dirty="0"/>
               <a:t>Process large amounts of data</a:t>
             </a:r>
-            <a:endParaRPr lang="en-US" sz="2400" dirty="0" smtClean="0"/>
+            <a:endParaRPr lang="en-US" sz="2400" dirty="0"/>
           </a:p>
           <a:p>
             <a:pPr lvl="2">
@@ -27226,12 +27048,8 @@
               </a:spcBef>
             </a:pPr>
             <a:r>
-              <a:rPr lang="en-US" sz="2400" dirty="0" smtClean="0"/>
-              <a:t>High </a:t>
-            </a:r>
-            <a:r>
               <a:rPr lang="en-US" sz="2400" dirty="0"/>
-              <a:t>performance </a:t>
+              <a:t>High performance </a:t>
             </a:r>
           </a:p>
           <a:p>
@@ -27316,7 +27134,7 @@
           <p:cNvPr id="7" name="Picture 6">
             <a:extLst>
               <a:ext uri="{FF2B5EF4-FFF2-40B4-BE49-F238E27FC236}">
-                <a16:creationId xmlns:a16="http://schemas.microsoft.com/office/drawing/2014/main" xmlns="" id="{D7F123AC-A990-66B2-67F3-0D82CA7D0C1C}"/>
+                <a16:creationId xmlns:a16="http://schemas.microsoft.com/office/drawing/2014/main" id="{D7F123AC-A990-66B2-67F3-0D82CA7D0C1C}"/>
               </a:ext>
             </a:extLst>
           </p:cNvPr>
@@ -27329,7 +27147,7 @@
           <a:blip r:embed="rId2">
             <a:extLst>
               <a:ext uri="{28A0092B-C50C-407E-A947-70E740481C1C}">
-                <a14:useLocalDpi xmlns:a14="http://schemas.microsoft.com/office/drawing/2010/main" xmlns="" val="0"/>
+                <a14:useLocalDpi xmlns:a14="http://schemas.microsoft.com/office/drawing/2010/main" val="0"/>
               </a:ext>
             </a:extLst>
           </a:blip>
@@ -27349,20 +27167,13 @@
     </p:spTree>
     <p:extLst>
       <p:ext uri="{BB962C8B-B14F-4D97-AF65-F5344CB8AC3E}">
-        <p14:creationId xmlns:p14="http://schemas.microsoft.com/office/powerpoint/2010/main" xmlns="" val="3035864567"/>
+        <p14:creationId xmlns:p14="http://schemas.microsoft.com/office/powerpoint/2010/main" val="3035864567"/>
       </p:ext>
     </p:extLst>
   </p:cSld>
   <p:clrMapOvr>
     <a:masterClrMapping/>
   </p:clrMapOvr>
-  <p:timing>
-    <p:tnLst>
-      <p:par>
-        <p:cTn id="1" dur="indefinite" restart="never" nodeType="tmRoot"/>
-      </p:par>
-    </p:tnLst>
-  </p:timing>
 </p:sld>
 </file>
 
@@ -27388,7 +27199,7 @@
           <p:cNvPr id="2" name="Title 1">
             <a:extLst>
               <a:ext uri="{FF2B5EF4-FFF2-40B4-BE49-F238E27FC236}">
-                <a16:creationId xmlns:a16="http://schemas.microsoft.com/office/drawing/2014/main" xmlns="" id="{8F320864-DD42-FFA5-F46E-60C1D9BE504A}"/>
+                <a16:creationId xmlns:a16="http://schemas.microsoft.com/office/drawing/2014/main" id="{8F320864-DD42-FFA5-F46E-60C1D9BE504A}"/>
               </a:ext>
             </a:extLst>
           </p:cNvPr>
@@ -27406,11 +27217,7 @@
           <a:p>
             <a:r>
               <a:rPr lang="en-GB" dirty="0"/>
-              <a:t>Evolution of </a:t>
-            </a:r>
-            <a:r>
-              <a:rPr lang="en-GB" dirty="0" smtClean="0"/>
-              <a:t>Performance (4)</a:t>
+              <a:t>Evolution of Performance (4)</a:t>
             </a:r>
             <a:endParaRPr lang="en-IN" dirty="0"/>
           </a:p>
@@ -27421,7 +27228,7 @@
           <p:cNvPr id="3" name="Content Placeholder 2">
             <a:extLst>
               <a:ext uri="{FF2B5EF4-FFF2-40B4-BE49-F238E27FC236}">
-                <a16:creationId xmlns:a16="http://schemas.microsoft.com/office/drawing/2014/main" xmlns="" id="{F9831B6D-DFCE-EC22-C52A-AD874D3A1DF2}"/>
+                <a16:creationId xmlns:a16="http://schemas.microsoft.com/office/drawing/2014/main" id="{F9831B6D-DFCE-EC22-C52A-AD874D3A1DF2}"/>
               </a:ext>
             </a:extLst>
           </p:cNvPr>
@@ -27457,7 +27264,7 @@
           <p:cNvPr id="4" name="object 4">
             <a:extLst>
               <a:ext uri="{FF2B5EF4-FFF2-40B4-BE49-F238E27FC236}">
-                <a16:creationId xmlns:a16="http://schemas.microsoft.com/office/drawing/2014/main" xmlns="" id="{DA92088D-7C62-B5D8-17F1-35F71812AA3F}"/>
+                <a16:creationId xmlns:a16="http://schemas.microsoft.com/office/drawing/2014/main" id="{DA92088D-7C62-B5D8-17F1-35F71812AA3F}"/>
               </a:ext>
             </a:extLst>
           </p:cNvPr>
@@ -27485,7 +27292,7 @@
           <p:cNvPr id="5" name="Picture 4">
             <a:extLst>
               <a:ext uri="{FF2B5EF4-FFF2-40B4-BE49-F238E27FC236}">
-                <a16:creationId xmlns:a16="http://schemas.microsoft.com/office/drawing/2014/main" xmlns="" id="{1EB0608D-0163-F30F-744E-6089F4D48D2A}"/>
+                <a16:creationId xmlns:a16="http://schemas.microsoft.com/office/drawing/2014/main" id="{1EB0608D-0163-F30F-744E-6089F4D48D2A}"/>
               </a:ext>
             </a:extLst>
           </p:cNvPr>
@@ -27498,7 +27305,7 @@
           <a:blip r:embed="rId3">
             <a:extLst>
               <a:ext uri="{28A0092B-C50C-407E-A947-70E740481C1C}">
-                <a14:useLocalDpi xmlns:a14="http://schemas.microsoft.com/office/drawing/2010/main" xmlns="" val="0"/>
+                <a14:useLocalDpi xmlns:a14="http://schemas.microsoft.com/office/drawing/2010/main" val="0"/>
               </a:ext>
             </a:extLst>
           </a:blip>
@@ -27519,20 +27326,13 @@
     </p:spTree>
     <p:extLst>
       <p:ext uri="{BB962C8B-B14F-4D97-AF65-F5344CB8AC3E}">
-        <p14:creationId xmlns:p14="http://schemas.microsoft.com/office/powerpoint/2010/main" xmlns="" val="1536264889"/>
+        <p14:creationId xmlns:p14="http://schemas.microsoft.com/office/powerpoint/2010/main" val="1536264889"/>
       </p:ext>
     </p:extLst>
   </p:cSld>
   <p:clrMapOvr>
     <a:masterClrMapping/>
   </p:clrMapOvr>
-  <p:timing>
-    <p:tnLst>
-      <p:par>
-        <p:cTn id="1" dur="indefinite" restart="never" nodeType="tmRoot"/>
-      </p:par>
-    </p:tnLst>
-  </p:timing>
 </p:sld>
 </file>
 
@@ -27544,7 +27344,7 @@
         <p:cNvPr id="1" name="">
           <a:extLst>
             <a:ext uri="{FF2B5EF4-FFF2-40B4-BE49-F238E27FC236}">
-              <a16:creationId xmlns:a16="http://schemas.microsoft.com/office/drawing/2014/main" xmlns="" id="{043FBA90-AE9C-7774-D2ED-8531A652C199}"/>
+              <a16:creationId xmlns:a16="http://schemas.microsoft.com/office/drawing/2014/main" id="{043FBA90-AE9C-7774-D2ED-8531A652C199}"/>
             </a:ext>
           </a:extLst>
         </p:cNvPr>
@@ -27564,7 +27364,7 @@
           <p:cNvPr id="2" name="Title 1">
             <a:extLst>
               <a:ext uri="{FF2B5EF4-FFF2-40B4-BE49-F238E27FC236}">
-                <a16:creationId xmlns:a16="http://schemas.microsoft.com/office/drawing/2014/main" xmlns="" id="{2CE436B3-EDA7-C018-FBA9-AA53AB1C487B}"/>
+                <a16:creationId xmlns:a16="http://schemas.microsoft.com/office/drawing/2014/main" id="{2CE436B3-EDA7-C018-FBA9-AA53AB1C487B}"/>
               </a:ext>
             </a:extLst>
           </p:cNvPr>
@@ -27603,7 +27403,7 @@
           <p:cNvPr id="3" name="Content Placeholder 2">
             <a:extLst>
               <a:ext uri="{FF2B5EF4-FFF2-40B4-BE49-F238E27FC236}">
-                <a16:creationId xmlns:a16="http://schemas.microsoft.com/office/drawing/2014/main" xmlns="" id="{3F72A2B3-9C48-0873-A6B6-A3F576CFA8C2}"/>
+                <a16:creationId xmlns:a16="http://schemas.microsoft.com/office/drawing/2014/main" id="{3F72A2B3-9C48-0873-A6B6-A3F576CFA8C2}"/>
               </a:ext>
             </a:extLst>
           </p:cNvPr>
@@ -27633,13 +27433,8 @@
             </a:pPr>
             <a:r>
               <a:rPr lang="en-US" sz="3000" b="1" dirty="0"/>
-              <a:t>Computer </a:t>
-            </a:r>
-            <a:r>
-              <a:rPr lang="en-US" sz="3000" b="1" dirty="0" smtClean="0"/>
-              <a:t>Graphics – Image Synthesis </a:t>
-            </a:r>
-            <a:endParaRPr lang="en-US" sz="3000" b="1" dirty="0"/>
+              <a:t>Computer Graphics – Image Synthesis </a:t>
+            </a:r>
           </a:p>
           <a:p>
             <a:pPr lvl="2">
@@ -27649,13 +27444,8 @@
             </a:pPr>
             <a:r>
               <a:rPr lang="en-GB" sz="2600" dirty="0"/>
-              <a:t>Generates </a:t>
-            </a:r>
-            <a:r>
-              <a:rPr lang="en-GB" sz="2600" dirty="0" smtClean="0"/>
-              <a:t>images – Video games, Animated movies</a:t>
-            </a:r>
-            <a:endParaRPr lang="en-GB" sz="2600" dirty="0"/>
+              <a:t>Generates images – Video games, Animated movies</a:t>
+            </a:r>
           </a:p>
           <a:p>
             <a:pPr lvl="2">
@@ -27676,13 +27466,8 @@
             </a:pPr>
             <a:r>
               <a:rPr lang="en-US" sz="3000" b="1" dirty="0"/>
-              <a:t>Image </a:t>
-            </a:r>
-            <a:r>
-              <a:rPr lang="en-US" sz="3000" b="1" dirty="0" smtClean="0"/>
-              <a:t>Processing </a:t>
-            </a:r>
-            <a:endParaRPr lang="en-US" sz="3000" b="1" dirty="0"/>
+              <a:t>Image Processing </a:t>
+            </a:r>
           </a:p>
           <a:p>
             <a:pPr lvl="2">
@@ -27692,17 +27477,8 @@
             </a:pPr>
             <a:r>
               <a:rPr lang="en-US" sz="2600" dirty="0"/>
-              <a:t> Image analysis </a:t>
-            </a:r>
-            <a:r>
-              <a:rPr lang="en-US" sz="2600" dirty="0" smtClean="0"/>
-              <a:t>– Template matching, SURF </a:t>
-            </a:r>
-            <a:r>
-              <a:rPr lang="en-US" sz="2600" dirty="0" smtClean="0"/>
-              <a:t>features</a:t>
-            </a:r>
-            <a:endParaRPr lang="en-US" sz="2600" dirty="0"/>
+              <a:t> Image analysis – Template matching, SURF features</a:t>
+            </a:r>
           </a:p>
           <a:p>
             <a:pPr>
@@ -27723,21 +27499,8 @@
             </a:pPr>
             <a:r>
               <a:rPr lang="en-US" sz="2600" dirty="0"/>
-              <a:t>Computational Fluid </a:t>
-            </a:r>
-            <a:r>
-              <a:rPr lang="en-US" sz="2600" dirty="0" smtClean="0"/>
-              <a:t>Dynamics (CFD), </a:t>
-            </a:r>
-            <a:r>
-              <a:rPr lang="en-US" sz="2600" dirty="0"/>
-              <a:t>Molecular </a:t>
-            </a:r>
-            <a:r>
-              <a:rPr lang="en-US" sz="2600" dirty="0" smtClean="0"/>
-              <a:t>Dynamics</a:t>
-            </a:r>
-            <a:endParaRPr lang="en-US" sz="2600" dirty="0"/>
+              <a:t>Computational Fluid Dynamics (CFD), Molecular Dynamics</a:t>
+            </a:r>
           </a:p>
           <a:p>
             <a:pPr>
@@ -27757,18 +27520,9 @@
               </a:spcBef>
             </a:pPr>
             <a:r>
-              <a:rPr lang="en-US" sz="2600" dirty="0" smtClean="0"/>
-              <a:t>Deep Learning – Object detection, object recognition</a:t>
-            </a:r>
-            <a:r>
               <a:rPr lang="en-US" sz="2600" dirty="0"/>
-              <a:t>, </a:t>
-            </a:r>
-            <a:r>
-              <a:rPr lang="en-US" sz="2600" dirty="0" smtClean="0"/>
-              <a:t>image segmentation</a:t>
-            </a:r>
-            <a:endParaRPr lang="en-US" sz="2600" dirty="0"/>
+              <a:t>Deep Learning – Object detection, object recognition, image segmentation</a:t>
+            </a:r>
           </a:p>
           <a:p>
             <a:pPr lvl="2">
@@ -27778,26 +27532,14 @@
             </a:pPr>
             <a:r>
               <a:rPr lang="en-US" sz="2600" dirty="0"/>
-              <a:t>Large Language </a:t>
-            </a:r>
-            <a:r>
-              <a:rPr lang="en-US" sz="2600" dirty="0" smtClean="0"/>
-              <a:t>Models </a:t>
+              <a:t>Large Language Models (LLM) – </a:t>
+            </a:r>
+            <a:r>
+              <a:rPr lang="en-US" sz="2600" dirty="0" err="1"/>
+              <a:t>ChatGPT</a:t>
             </a:r>
             <a:r>
               <a:rPr lang="en-US" sz="2600" dirty="0"/>
-              <a:t>(LLM) </a:t>
-            </a:r>
-            <a:r>
-              <a:rPr lang="en-US" sz="2600" dirty="0" smtClean="0"/>
-              <a:t>– </a:t>
-            </a:r>
-            <a:r>
-              <a:rPr lang="en-US" sz="2600" dirty="0" err="1" smtClean="0"/>
-              <a:t>ChatGPT</a:t>
-            </a:r>
-            <a:r>
-              <a:rPr lang="en-US" sz="2600" dirty="0" smtClean="0"/>
               <a:t>, Llama   </a:t>
             </a:r>
             <a:endParaRPr lang="en-IN" dirty="0"/>
@@ -27807,20 +27549,13 @@
     </p:spTree>
     <p:extLst>
       <p:ext uri="{BB962C8B-B14F-4D97-AF65-F5344CB8AC3E}">
-        <p14:creationId xmlns:p14="http://schemas.microsoft.com/office/powerpoint/2010/main" xmlns="" val="2695184451"/>
+        <p14:creationId xmlns:p14="http://schemas.microsoft.com/office/powerpoint/2010/main" val="2695184451"/>
       </p:ext>
     </p:extLst>
   </p:cSld>
   <p:clrMapOvr>
     <a:masterClrMapping/>
   </p:clrMapOvr>
-  <p:timing>
-    <p:tnLst>
-      <p:par>
-        <p:cTn id="1" dur="indefinite" restart="never" nodeType="tmRoot"/>
-      </p:par>
-    </p:tnLst>
-  </p:timing>
 </p:sld>
 </file>
 
@@ -27846,7 +27581,7 @@
           <p:cNvPr id="2" name="Title 1">
             <a:extLst>
               <a:ext uri="{FF2B5EF4-FFF2-40B4-BE49-F238E27FC236}">
-                <a16:creationId xmlns:a16="http://schemas.microsoft.com/office/drawing/2014/main" xmlns="" id="{3EB79359-4A0A-91FD-7260-8BC06768DD2A}"/>
+                <a16:creationId xmlns:a16="http://schemas.microsoft.com/office/drawing/2014/main" id="{3EB79359-4A0A-91FD-7260-8BC06768DD2A}"/>
               </a:ext>
             </a:extLst>
           </p:cNvPr>
@@ -27883,7 +27618,7 @@
           <p:cNvPr id="5" name="Content Placeholder 4">
             <a:extLst>
               <a:ext uri="{FF2B5EF4-FFF2-40B4-BE49-F238E27FC236}">
-                <a16:creationId xmlns:a16="http://schemas.microsoft.com/office/drawing/2014/main" xmlns="" id="{035CC757-BF73-1C15-8582-4990B3130F8C}"/>
+                <a16:creationId xmlns:a16="http://schemas.microsoft.com/office/drawing/2014/main" id="{035CC757-BF73-1C15-8582-4990B3130F8C}"/>
               </a:ext>
             </a:extLst>
           </p:cNvPr>
@@ -27898,7 +27633,7 @@
           <a:blip r:embed="rId2">
             <a:extLst>
               <a:ext uri="{28A0092B-C50C-407E-A947-70E740481C1C}">
-                <a14:useLocalDpi xmlns:a14="http://schemas.microsoft.com/office/drawing/2010/main" xmlns="" val="0"/>
+                <a14:useLocalDpi xmlns:a14="http://schemas.microsoft.com/office/drawing/2010/main" val="0"/>
               </a:ext>
             </a:extLst>
           </a:blip>
@@ -27916,20 +27651,13 @@
     </p:spTree>
     <p:extLst>
       <p:ext uri="{BB962C8B-B14F-4D97-AF65-F5344CB8AC3E}">
-        <p14:creationId xmlns:p14="http://schemas.microsoft.com/office/powerpoint/2010/main" xmlns="" val="1495513643"/>
+        <p14:creationId xmlns:p14="http://schemas.microsoft.com/office/powerpoint/2010/main" val="1495513643"/>
       </p:ext>
     </p:extLst>
   </p:cSld>
   <p:clrMapOvr>
     <a:masterClrMapping/>
   </p:clrMapOvr>
-  <p:timing>
-    <p:tnLst>
-      <p:par>
-        <p:cTn id="1" dur="indefinite" restart="never" nodeType="tmRoot"/>
-      </p:par>
-    </p:tnLst>
-  </p:timing>
 </p:sld>
 </file>
 
@@ -27941,7 +27669,7 @@
         <p:cNvPr id="1" name="">
           <a:extLst>
             <a:ext uri="{FF2B5EF4-FFF2-40B4-BE49-F238E27FC236}">
-              <a16:creationId xmlns:a16="http://schemas.microsoft.com/office/drawing/2014/main" xmlns="" id="{A8DAADB7-A8BC-A927-7CA8-9D084E0E320E}"/>
+              <a16:creationId xmlns:a16="http://schemas.microsoft.com/office/drawing/2014/main" id="{A8DAADB7-A8BC-A927-7CA8-9D084E0E320E}"/>
             </a:ext>
           </a:extLst>
         </p:cNvPr>
@@ -27961,7 +27689,7 @@
           <p:cNvPr id="2" name="Title 1">
             <a:extLst>
               <a:ext uri="{FF2B5EF4-FFF2-40B4-BE49-F238E27FC236}">
-                <a16:creationId xmlns:a16="http://schemas.microsoft.com/office/drawing/2014/main" xmlns="" id="{0CE55247-09F3-96F2-B6BC-92FF654C7E57}"/>
+                <a16:creationId xmlns:a16="http://schemas.microsoft.com/office/drawing/2014/main" id="{0CE55247-09F3-96F2-B6BC-92FF654C7E57}"/>
               </a:ext>
             </a:extLst>
           </p:cNvPr>
@@ -27996,7 +27724,7 @@
           <p:cNvPr id="4" name="Content Placeholder 3">
             <a:extLst>
               <a:ext uri="{FF2B5EF4-FFF2-40B4-BE49-F238E27FC236}">
-                <a16:creationId xmlns:a16="http://schemas.microsoft.com/office/drawing/2014/main" xmlns="" id="{786D016A-BB63-BC72-7B6D-7929EDD32604}"/>
+                <a16:creationId xmlns:a16="http://schemas.microsoft.com/office/drawing/2014/main" id="{786D016A-BB63-BC72-7B6D-7929EDD32604}"/>
               </a:ext>
             </a:extLst>
           </p:cNvPr>
@@ -28142,16 +27870,12 @@
               <a:buChar char="•"/>
             </a:pPr>
             <a:r>
-              <a:rPr lang="en-US" sz="3200" dirty="0" smtClean="0"/>
+              <a:rPr lang="en-US" sz="3200" dirty="0"/>
               <a:t>Versatility - C</a:t>
             </a:r>
             <a:r>
-              <a:rPr lang="en-GB" sz="3200" dirty="0" smtClean="0"/>
-              <a:t>an </a:t>
-            </a:r>
-            <a:r>
               <a:rPr lang="en-GB" sz="3200" dirty="0"/>
-              <a:t>be used for tasks such as OS or I/O etc</a:t>
+              <a:t>an be used for tasks such as OS or I/O etc</a:t>
             </a:r>
             <a:endParaRPr lang="en-US" sz="3200" dirty="0"/>
           </a:p>
@@ -28172,7 +27896,7 @@
           <p:cNvPr id="6" name="Content Placeholder 3">
             <a:extLst>
               <a:ext uri="{FF2B5EF4-FFF2-40B4-BE49-F238E27FC236}">
-                <a16:creationId xmlns:a16="http://schemas.microsoft.com/office/drawing/2014/main" xmlns="" id="{3573FD39-B831-D144-F60E-DF94A95800D4}"/>
+                <a16:creationId xmlns:a16="http://schemas.microsoft.com/office/drawing/2014/main" id="{3573FD39-B831-D144-F60E-DF94A95800D4}"/>
               </a:ext>
             </a:extLst>
           </p:cNvPr>
@@ -28386,23 +28110,7 @@
                   <a:schemeClr val="bg1"/>
                 </a:solidFill>
               </a:rPr>
-              <a:t>Large number of cores </a:t>
-            </a:r>
-            <a:r>
-              <a:rPr lang="en-IN" sz="2900" dirty="0" smtClean="0">
-                <a:solidFill>
-                  <a:schemeClr val="bg1"/>
-                </a:solidFill>
-              </a:rPr>
-              <a:t>(~5000</a:t>
-            </a:r>
-            <a:r>
-              <a:rPr lang="en-IN" sz="2900" dirty="0">
-                <a:solidFill>
-                  <a:schemeClr val="bg1"/>
-                </a:solidFill>
-              </a:rPr>
-              <a:t>)</a:t>
+              <a:t>Large number of cores (~5000)</a:t>
             </a:r>
           </a:p>
           <a:p>
@@ -28543,23 +28251,7 @@
                   <a:schemeClr val="bg1"/>
                 </a:solidFill>
               </a:rPr>
-              <a:t>Not </a:t>
-            </a:r>
-            <a:r>
-              <a:rPr lang="en-GB" sz="2900" dirty="0" smtClean="0">
-                <a:solidFill>
-                  <a:schemeClr val="bg1"/>
-                </a:solidFill>
-              </a:rPr>
-              <a:t>Versatile – Cannot be </a:t>
-            </a:r>
-            <a:r>
-              <a:rPr lang="en-GB" sz="2900" dirty="0">
-                <a:solidFill>
-                  <a:schemeClr val="bg1"/>
-                </a:solidFill>
-              </a:rPr>
-              <a:t>used for tasks such as OS or I/O etc</a:t>
+              <a:t>Not Versatile – Cannot be used for tasks such as OS or I/O etc</a:t>
             </a:r>
             <a:endParaRPr lang="en-IN" sz="2900" dirty="0">
               <a:solidFill>
@@ -28572,20 +28264,13 @@
     </p:spTree>
     <p:extLst>
       <p:ext uri="{BB962C8B-B14F-4D97-AF65-F5344CB8AC3E}">
-        <p14:creationId xmlns:p14="http://schemas.microsoft.com/office/powerpoint/2010/main" xmlns="" val="851033644"/>
+        <p14:creationId xmlns:p14="http://schemas.microsoft.com/office/powerpoint/2010/main" val="851033644"/>
       </p:ext>
     </p:extLst>
   </p:cSld>
   <p:clrMapOvr>
     <a:masterClrMapping/>
   </p:clrMapOvr>
-  <p:timing>
-    <p:tnLst>
-      <p:par>
-        <p:cTn id="1" dur="indefinite" restart="never" nodeType="tmRoot"/>
-      </p:par>
-    </p:tnLst>
-  </p:timing>
 </p:sld>
 </file>
 
@@ -28784,7 +28469,7 @@
   <a:extraClrSchemeLst/>
   <a:extLst>
     <a:ext uri="{05A4C25C-085E-4340-85A3-A5531E510DB2}">
-      <thm15:themeFamily xmlns:thm15="http://schemas.microsoft.com/office/thememl/2012/main" xmlns="" name="TM78853419_Win32_SL_V5" id="{958D2C9E-948D-4354-BF9D-DF8AE3C2B240}" vid="{22D4A967-05D2-4D72-8594-54CFF3414833}"/>
+      <thm15:themeFamily xmlns:thm15="http://schemas.microsoft.com/office/thememl/2012/main" name="TM78853419_Win32_SL_V5" id="{958D2C9E-948D-4354-BF9D-DF8AE3C2B240}" vid="{22D4A967-05D2-4D72-8594-54CFF3414833}"/>
     </a:ext>
   </a:extLst>
 </a:theme>
@@ -29079,7 +28764,7 @@
   <a:extraClrSchemeLst/>
   <a:extLst>
     <a:ext uri="{05A4C25C-085E-4340-85A3-A5531E510DB2}">
-      <thm15:themeFamily xmlns:thm15="http://schemas.microsoft.com/office/thememl/2012/main" xmlns="" name="Office Theme" id="{62F939B6-93AF-4DB8-9C6B-D6C7DFDC589F}" vid="{4A3C46E8-61CC-4603-A589-7422A47A8E4A}"/>
+      <thm15:themeFamily xmlns:thm15="http://schemas.microsoft.com/office/thememl/2012/main" name="Office Theme" id="{62F939B6-93AF-4DB8-9C6B-D6C7DFDC589F}" vid="{4A3C46E8-61CC-4603-A589-7422A47A8E4A}"/>
     </a:ext>
   </a:extLst>
 </a:theme>
